--- a/Montreux Jazz Memories Bilan 30.03.22.pptx
+++ b/Montreux Jazz Memories Bilan 30.03.22.pptx
@@ -108,7 +108,79 @@
       </a:defRPr>
     </a:lvl9pPr>
   </p:defaultTextStyle>
+  <p:extLst>
+    <p:ext uri="{EFAFB233-063F-42B5-8137-9DF3F51BA10A}">
+      <p15:sldGuideLst xmlns:p15="http://schemas.microsoft.com/office/powerpoint/2012/main"/>
+    </p:ext>
+  </p:extLst>
 </p:presentation>
+</file>
+
+<file path=ppt/changesInfos/changesInfo1.xml><?xml version="1.0" encoding="utf-8"?>
+<pc:chgInfo xmlns:a="http://schemas.openxmlformats.org/drawingml/2006/main" xmlns:r="http://schemas.openxmlformats.org/officeDocument/2006/relationships" xmlns:ac="http://schemas.microsoft.com/office/drawing/2013/main/command" xmlns:pc="http://schemas.microsoft.com/office/powerpoint/2013/main/command">
+  <pc:docChgLst>
+    <pc:chgData name="Zakari Rabet" userId="6bb2cca824e1f148" providerId="LiveId" clId="{5A985997-8C2F-4A0B-90A2-6FB543BABF2F}"/>
+    <pc:docChg chg="modSld">
+      <pc:chgData name="Zakari Rabet" userId="6bb2cca824e1f148" providerId="LiveId" clId="{5A985997-8C2F-4A0B-90A2-6FB543BABF2F}" dt="2022-03-30T10:35:38.105" v="5" actId="2711"/>
+      <pc:docMkLst>
+        <pc:docMk/>
+      </pc:docMkLst>
+      <pc:sldChg chg="modSp mod">
+        <pc:chgData name="Zakari Rabet" userId="6bb2cca824e1f148" providerId="LiveId" clId="{5A985997-8C2F-4A0B-90A2-6FB543BABF2F}" dt="2022-03-30T10:35:29.053" v="4" actId="2711"/>
+        <pc:sldMkLst>
+          <pc:docMk/>
+          <pc:sldMk cId="892894285" sldId="256"/>
+        </pc:sldMkLst>
+        <pc:spChg chg="mod">
+          <ac:chgData name="Zakari Rabet" userId="6bb2cca824e1f148" providerId="LiveId" clId="{5A985997-8C2F-4A0B-90A2-6FB543BABF2F}" dt="2022-03-30T10:35:08.532" v="3" actId="2711"/>
+          <ac:spMkLst>
+            <pc:docMk/>
+            <pc:sldMk cId="892894285" sldId="256"/>
+            <ac:spMk id="2" creationId="{F4E2091C-873C-480D-AE4C-219257E8C4AA}"/>
+          </ac:spMkLst>
+        </pc:spChg>
+        <pc:spChg chg="mod">
+          <ac:chgData name="Zakari Rabet" userId="6bb2cca824e1f148" providerId="LiveId" clId="{5A985997-8C2F-4A0B-90A2-6FB543BABF2F}" dt="2022-03-30T10:35:29.053" v="4" actId="2711"/>
+          <ac:spMkLst>
+            <pc:docMk/>
+            <pc:sldMk cId="892894285" sldId="256"/>
+            <ac:spMk id="3" creationId="{A1B92D51-16E4-4525-B256-90ECC2B16758}"/>
+          </ac:spMkLst>
+        </pc:spChg>
+      </pc:sldChg>
+      <pc:sldChg chg="modSp mod">
+        <pc:chgData name="Zakari Rabet" userId="6bb2cca824e1f148" providerId="LiveId" clId="{5A985997-8C2F-4A0B-90A2-6FB543BABF2F}" dt="2022-03-30T10:35:38.105" v="5" actId="2711"/>
+        <pc:sldMkLst>
+          <pc:docMk/>
+          <pc:sldMk cId="2344659444" sldId="257"/>
+        </pc:sldMkLst>
+        <pc:spChg chg="mod">
+          <ac:chgData name="Zakari Rabet" userId="6bb2cca824e1f148" providerId="LiveId" clId="{5A985997-8C2F-4A0B-90A2-6FB543BABF2F}" dt="2022-03-30T10:35:38.105" v="5" actId="2711"/>
+          <ac:spMkLst>
+            <pc:docMk/>
+            <pc:sldMk cId="2344659444" sldId="257"/>
+            <ac:spMk id="2" creationId="{CF90D088-D12C-4A9E-A08A-68317FFE3BCB}"/>
+          </ac:spMkLst>
+        </pc:spChg>
+      </pc:sldChg>
+      <pc:sldChg chg="modSp mod">
+        <pc:chgData name="Zakari Rabet" userId="6bb2cca824e1f148" providerId="LiveId" clId="{5A985997-8C2F-4A0B-90A2-6FB543BABF2F}" dt="2022-03-30T10:30:54.090" v="0" actId="20577"/>
+        <pc:sldMkLst>
+          <pc:docMk/>
+          <pc:sldMk cId="2296234387" sldId="260"/>
+        </pc:sldMkLst>
+        <pc:spChg chg="mod">
+          <ac:chgData name="Zakari Rabet" userId="6bb2cca824e1f148" providerId="LiveId" clId="{5A985997-8C2F-4A0B-90A2-6FB543BABF2F}" dt="2022-03-30T10:30:54.090" v="0" actId="20577"/>
+          <ac:spMkLst>
+            <pc:docMk/>
+            <pc:sldMk cId="2296234387" sldId="260"/>
+            <ac:spMk id="14" creationId="{3491AA09-B65A-432B-BBB9-4C477A787CB0}"/>
+          </ac:spMkLst>
+        </pc:spChg>
+      </pc:sldChg>
+    </pc:docChg>
+  </pc:docChgLst>
+</pc:chgInfo>
 </file>
 
 <file path=ppt/slideLayouts/slideLayout1.xml><?xml version="1.0" encoding="utf-8"?>
@@ -3569,6 +3641,7 @@
               <a:solidFill>
                 <a:srgbClr val="FFFFFF"/>
               </a:solidFill>
+              <a:latin typeface="Verdana Pro Black" panose="020B0A04030504040204" pitchFamily="34" charset="0"/>
             </a:endParaRPr>
           </a:p>
           <a:p>
@@ -3578,6 +3651,7 @@
                 <a:solidFill>
                   <a:srgbClr val="FFFFFF"/>
                 </a:solidFill>
+                <a:latin typeface="Verdana Pro Black" panose="020B0A04030504040204" pitchFamily="34" charset="0"/>
               </a:rPr>
               <a:t>Bilan au 30.03.22</a:t>
             </a:r>
@@ -3614,13 +3688,29 @@
           <a:p>
             <a:pPr algn="l"/>
             <a:r>
-              <a:rPr lang="fr-CH" sz="5400">
+              <a:rPr lang="fr-CH" sz="5400" dirty="0">
                 <a:solidFill>
                   <a:srgbClr val="FFFFFF"/>
                 </a:solidFill>
+                <a:latin typeface="Verdana Pro Black" panose="020B0604020202020204" pitchFamily="34" charset="0"/>
               </a:rPr>
-              <a:t>Montreux Jazz Memories</a:t>
-            </a:r>
+              <a:t>Montreux Jazz </a:t>
+            </a:r>
+            <a:r>
+              <a:rPr lang="fr-CH" sz="5400" dirty="0" err="1">
+                <a:solidFill>
+                  <a:srgbClr val="FFFFFF"/>
+                </a:solidFill>
+                <a:latin typeface="Verdana Pro Black" panose="020B0604020202020204" pitchFamily="34" charset="0"/>
+              </a:rPr>
+              <a:t>Memories</a:t>
+            </a:r>
+            <a:endParaRPr lang="fr-CH" sz="5400" dirty="0">
+              <a:solidFill>
+                <a:srgbClr val="FFFFFF"/>
+              </a:solidFill>
+              <a:latin typeface="Verdana Pro Black" panose="020B0604020202020204" pitchFamily="34" charset="0"/>
+            </a:endParaRPr>
           </a:p>
         </p:txBody>
       </p:sp>
@@ -3759,16 +3849,29 @@
           <a:p>
             <a:pPr algn="ctr"/>
             <a:r>
-              <a:rPr lang="en-US" sz="3600" kern="1200">
+              <a:rPr lang="en-US" sz="3600" kern="1200" dirty="0">
                 <a:solidFill>
                   <a:srgbClr val="FFFFFF"/>
                 </a:solidFill>
-                <a:latin typeface="+mj-lt"/>
-                <a:ea typeface="+mj-ea"/>
-                <a:cs typeface="+mj-cs"/>
+                <a:latin typeface="Verdana Pro Black" panose="020B0A04030504040204" pitchFamily="34" charset="0"/>
               </a:rPr>
-              <a:t>Base de donnée</a:t>
-            </a:r>
+              <a:t>Base de </a:t>
+            </a:r>
+            <a:r>
+              <a:rPr lang="en-US" sz="3600" kern="1200" dirty="0" err="1">
+                <a:solidFill>
+                  <a:srgbClr val="FFFFFF"/>
+                </a:solidFill>
+                <a:latin typeface="Verdana Pro Black" panose="020B0A04030504040204" pitchFamily="34" charset="0"/>
+              </a:rPr>
+              <a:t>données</a:t>
+            </a:r>
+            <a:endParaRPr lang="en-US" sz="3600" kern="1200" dirty="0">
+              <a:solidFill>
+                <a:srgbClr val="FFFFFF"/>
+              </a:solidFill>
+              <a:latin typeface="Verdana Pro Black" panose="020B0A04030504040204" pitchFamily="34" charset="0"/>
+            </a:endParaRPr>
           </a:p>
         </p:txBody>
       </p:sp>
@@ -3947,13 +4050,13 @@
   <p:clrMapOvr>
     <a:masterClrMapping/>
   </p:clrMapOvr>
-  <mc:AlternateContent xmlns:mc="http://schemas.openxmlformats.org/markup-compatibility/2006">
-    <mc:Choice xmlns:p159="http://schemas.microsoft.com/office/powerpoint/2015/09/main" Requires="p159">
+  <mc:AlternateContent xmlns:mc="http://schemas.openxmlformats.org/markup-compatibility/2006" xmlns:p159="http://schemas.microsoft.com/office/powerpoint/2015/09/main">
+    <mc:Choice Requires="p159">
       <p:transition xmlns:p14="http://schemas.microsoft.com/office/powerpoint/2010/main" spd="slow" p14:dur="2000">
         <p159:morph option="byObject"/>
       </p:transition>
     </mc:Choice>
-    <mc:Fallback>
+    <mc:Fallback xmlns="">
       <p:transition spd="slow">
         <p:fade/>
       </p:transition>
@@ -4083,13 +4186,13 @@
   <p:clrMapOvr>
     <a:masterClrMapping/>
   </p:clrMapOvr>
-  <mc:AlternateContent xmlns:mc="http://schemas.openxmlformats.org/markup-compatibility/2006">
-    <mc:Choice xmlns:p159="http://schemas.microsoft.com/office/powerpoint/2015/09/main" Requires="p159">
+  <mc:AlternateContent xmlns:mc="http://schemas.openxmlformats.org/markup-compatibility/2006" xmlns:p159="http://schemas.microsoft.com/office/powerpoint/2015/09/main">
+    <mc:Choice Requires="p159">
       <p:transition xmlns:p14="http://schemas.microsoft.com/office/powerpoint/2010/main" spd="slow" p14:dur="2000">
         <p159:morph option="byObject"/>
       </p:transition>
     </mc:Choice>
-    <mc:Fallback>
+    <mc:Fallback xmlns="">
       <p:transition spd="slow">
         <p:fade/>
       </p:transition>
@@ -4144,7 +4247,10 @@
           <a:bodyPr/>
           <a:lstStyle/>
           <a:p>
-            <a:endParaRPr lang="fr-CH"/>
+            <a:r>
+              <a:rPr lang="fr-CH" dirty="0"/>
+              <a:t>§</a:t>
+            </a:r>
           </a:p>
         </p:txBody>
       </p:sp>
@@ -4219,13 +4325,13 @@
   <p:clrMapOvr>
     <a:masterClrMapping/>
   </p:clrMapOvr>
-  <mc:AlternateContent xmlns:mc="http://schemas.openxmlformats.org/markup-compatibility/2006">
-    <mc:Choice xmlns:p159="http://schemas.microsoft.com/office/powerpoint/2015/09/main" Requires="p159">
+  <mc:AlternateContent xmlns:mc="http://schemas.openxmlformats.org/markup-compatibility/2006" xmlns:p159="http://schemas.microsoft.com/office/powerpoint/2015/09/main">
+    <mc:Choice Requires="p159">
       <p:transition xmlns:p14="http://schemas.microsoft.com/office/powerpoint/2010/main" spd="slow" p14:dur="2000">
         <p159:morph option="byObject"/>
       </p:transition>
     </mc:Choice>
-    <mc:Fallback>
+    <mc:Fallback xmlns="">
       <p:transition spd="slow">
         <p:fade/>
       </p:transition>

--- a/Montreux Jazz Memories Bilan 30.03.22.pptx
+++ b/Montreux Jazz Memories Bilan 30.03.22.pptx
@@ -10,6 +10,15 @@
     <p:sldId id="258" r:id="rId4"/>
     <p:sldId id="259" r:id="rId5"/>
     <p:sldId id="260" r:id="rId6"/>
+    <p:sldId id="264" r:id="rId7"/>
+    <p:sldId id="261" r:id="rId8"/>
+    <p:sldId id="262" r:id="rId9"/>
+    <p:sldId id="265" r:id="rId10"/>
+    <p:sldId id="266" r:id="rId11"/>
+    <p:sldId id="268" r:id="rId12"/>
+    <p:sldId id="269" r:id="rId13"/>
+    <p:sldId id="270" r:id="rId14"/>
+    <p:sldId id="271" r:id="rId15"/>
   </p:sldIdLst>
   <p:sldSz cx="12192000" cy="6858000"/>
   <p:notesSz cx="6858000" cy="9144000"/>
@@ -183,6 +192,2447 @@
 </pc:chgInfo>
 </file>
 
+<file path=ppt/diagrams/colors1.xml><?xml version="1.0" encoding="utf-8"?>
+<dgm:colorsDef xmlns:dgm="http://schemas.openxmlformats.org/drawingml/2006/diagram" xmlns:a="http://schemas.openxmlformats.org/drawingml/2006/main" uniqueId="urn:microsoft.com/office/officeart/2005/8/colors/accent1_2">
+  <dgm:title val=""/>
+  <dgm:desc val=""/>
+  <dgm:catLst>
+    <dgm:cat type="accent1" pri="11200"/>
+  </dgm:catLst>
+  <dgm:styleLbl name="node0">
+    <dgm:fillClrLst meth="repeat">
+      <a:schemeClr val="accent1"/>
+    </dgm:fillClrLst>
+    <dgm:linClrLst meth="repeat">
+      <a:schemeClr val="lt1"/>
+    </dgm:linClrLst>
+    <dgm:effectClrLst/>
+    <dgm:txLinClrLst/>
+    <dgm:txFillClrLst/>
+    <dgm:txEffectClrLst/>
+  </dgm:styleLbl>
+  <dgm:styleLbl name="alignNode1">
+    <dgm:fillClrLst meth="repeat">
+      <a:schemeClr val="accent1"/>
+    </dgm:fillClrLst>
+    <dgm:linClrLst meth="repeat">
+      <a:schemeClr val="accent1"/>
+    </dgm:linClrLst>
+    <dgm:effectClrLst/>
+    <dgm:txLinClrLst/>
+    <dgm:txFillClrLst/>
+    <dgm:txEffectClrLst/>
+  </dgm:styleLbl>
+  <dgm:styleLbl name="node1">
+    <dgm:fillClrLst meth="repeat">
+      <a:schemeClr val="accent1"/>
+    </dgm:fillClrLst>
+    <dgm:linClrLst meth="repeat">
+      <a:schemeClr val="lt1"/>
+    </dgm:linClrLst>
+    <dgm:effectClrLst/>
+    <dgm:txLinClrLst/>
+    <dgm:txFillClrLst/>
+    <dgm:txEffectClrLst/>
+  </dgm:styleLbl>
+  <dgm:styleLbl name="lnNode1">
+    <dgm:fillClrLst meth="repeat">
+      <a:schemeClr val="accent1"/>
+    </dgm:fillClrLst>
+    <dgm:linClrLst meth="repeat">
+      <a:schemeClr val="lt1"/>
+    </dgm:linClrLst>
+    <dgm:effectClrLst/>
+    <dgm:txLinClrLst/>
+    <dgm:txFillClrLst/>
+    <dgm:txEffectClrLst/>
+  </dgm:styleLbl>
+  <dgm:styleLbl name="vennNode1">
+    <dgm:fillClrLst meth="repeat">
+      <a:schemeClr val="accent1">
+        <a:alpha val="50000"/>
+      </a:schemeClr>
+    </dgm:fillClrLst>
+    <dgm:linClrLst meth="repeat">
+      <a:schemeClr val="lt1"/>
+    </dgm:linClrLst>
+    <dgm:effectClrLst/>
+    <dgm:txLinClrLst/>
+    <dgm:txFillClrLst/>
+    <dgm:txEffectClrLst/>
+  </dgm:styleLbl>
+  <dgm:styleLbl name="node2">
+    <dgm:fillClrLst meth="repeat">
+      <a:schemeClr val="accent1"/>
+    </dgm:fillClrLst>
+    <dgm:linClrLst meth="repeat">
+      <a:schemeClr val="lt1"/>
+    </dgm:linClrLst>
+    <dgm:effectClrLst/>
+    <dgm:txLinClrLst/>
+    <dgm:txFillClrLst/>
+    <dgm:txEffectClrLst/>
+  </dgm:styleLbl>
+  <dgm:styleLbl name="node3">
+    <dgm:fillClrLst meth="repeat">
+      <a:schemeClr val="accent1"/>
+    </dgm:fillClrLst>
+    <dgm:linClrLst meth="repeat">
+      <a:schemeClr val="lt1"/>
+    </dgm:linClrLst>
+    <dgm:effectClrLst/>
+    <dgm:txLinClrLst/>
+    <dgm:txFillClrLst/>
+    <dgm:txEffectClrLst/>
+  </dgm:styleLbl>
+  <dgm:styleLbl name="node4">
+    <dgm:fillClrLst meth="repeat">
+      <a:schemeClr val="accent1"/>
+    </dgm:fillClrLst>
+    <dgm:linClrLst meth="repeat">
+      <a:schemeClr val="lt1"/>
+    </dgm:linClrLst>
+    <dgm:effectClrLst/>
+    <dgm:txLinClrLst/>
+    <dgm:txFillClrLst/>
+    <dgm:txEffectClrLst/>
+  </dgm:styleLbl>
+  <dgm:styleLbl name="fgImgPlace1">
+    <dgm:fillClrLst meth="repeat">
+      <a:schemeClr val="accent1">
+        <a:tint val="50000"/>
+      </a:schemeClr>
+    </dgm:fillClrLst>
+    <dgm:linClrLst meth="repeat">
+      <a:schemeClr val="lt1"/>
+    </dgm:linClrLst>
+    <dgm:effectClrLst/>
+    <dgm:txLinClrLst/>
+    <dgm:txFillClrLst meth="repeat">
+      <a:schemeClr val="lt1"/>
+    </dgm:txFillClrLst>
+    <dgm:txEffectClrLst/>
+  </dgm:styleLbl>
+  <dgm:styleLbl name="alignImgPlace1">
+    <dgm:fillClrLst meth="repeat">
+      <a:schemeClr val="accent1">
+        <a:tint val="50000"/>
+      </a:schemeClr>
+    </dgm:fillClrLst>
+    <dgm:linClrLst meth="repeat">
+      <a:schemeClr val="lt1"/>
+    </dgm:linClrLst>
+    <dgm:effectClrLst/>
+    <dgm:txLinClrLst/>
+    <dgm:txFillClrLst meth="repeat">
+      <a:schemeClr val="lt1"/>
+    </dgm:txFillClrLst>
+    <dgm:txEffectClrLst/>
+  </dgm:styleLbl>
+  <dgm:styleLbl name="bgImgPlace1">
+    <dgm:fillClrLst meth="repeat">
+      <a:schemeClr val="accent1">
+        <a:tint val="50000"/>
+      </a:schemeClr>
+    </dgm:fillClrLst>
+    <dgm:linClrLst meth="repeat">
+      <a:schemeClr val="lt1"/>
+    </dgm:linClrLst>
+    <dgm:effectClrLst/>
+    <dgm:txLinClrLst/>
+    <dgm:txFillClrLst meth="repeat">
+      <a:schemeClr val="lt1"/>
+    </dgm:txFillClrLst>
+    <dgm:txEffectClrLst/>
+  </dgm:styleLbl>
+  <dgm:styleLbl name="sibTrans2D1">
+    <dgm:fillClrLst meth="repeat">
+      <a:schemeClr val="accent1">
+        <a:tint val="60000"/>
+      </a:schemeClr>
+    </dgm:fillClrLst>
+    <dgm:linClrLst meth="repeat">
+      <a:schemeClr val="accent1">
+        <a:tint val="60000"/>
+      </a:schemeClr>
+    </dgm:linClrLst>
+    <dgm:effectClrLst/>
+    <dgm:txLinClrLst/>
+    <dgm:txFillClrLst/>
+    <dgm:txEffectClrLst/>
+  </dgm:styleLbl>
+  <dgm:styleLbl name="fgSibTrans2D1">
+    <dgm:fillClrLst meth="repeat">
+      <a:schemeClr val="accent1">
+        <a:tint val="60000"/>
+      </a:schemeClr>
+    </dgm:fillClrLst>
+    <dgm:linClrLst meth="repeat">
+      <a:schemeClr val="accent1">
+        <a:tint val="60000"/>
+      </a:schemeClr>
+    </dgm:linClrLst>
+    <dgm:effectClrLst/>
+    <dgm:txLinClrLst/>
+    <dgm:txFillClrLst/>
+    <dgm:txEffectClrLst/>
+  </dgm:styleLbl>
+  <dgm:styleLbl name="bgSibTrans2D1">
+    <dgm:fillClrLst meth="repeat">
+      <a:schemeClr val="accent1">
+        <a:tint val="60000"/>
+      </a:schemeClr>
+    </dgm:fillClrLst>
+    <dgm:linClrLst meth="repeat">
+      <a:schemeClr val="accent1">
+        <a:tint val="60000"/>
+      </a:schemeClr>
+    </dgm:linClrLst>
+    <dgm:effectClrLst/>
+    <dgm:txLinClrLst/>
+    <dgm:txFillClrLst/>
+    <dgm:txEffectClrLst/>
+  </dgm:styleLbl>
+  <dgm:styleLbl name="sibTrans1D1">
+    <dgm:fillClrLst meth="repeat">
+      <a:schemeClr val="accent1"/>
+    </dgm:fillClrLst>
+    <dgm:linClrLst meth="repeat">
+      <a:schemeClr val="accent1"/>
+    </dgm:linClrLst>
+    <dgm:effectClrLst/>
+    <dgm:txLinClrLst/>
+    <dgm:txFillClrLst meth="repeat">
+      <a:schemeClr val="tx1"/>
+    </dgm:txFillClrLst>
+    <dgm:txEffectClrLst/>
+  </dgm:styleLbl>
+  <dgm:styleLbl name="callout">
+    <dgm:fillClrLst meth="repeat">
+      <a:schemeClr val="accent1"/>
+    </dgm:fillClrLst>
+    <dgm:linClrLst meth="repeat">
+      <a:schemeClr val="accent1">
+        <a:tint val="50000"/>
+      </a:schemeClr>
+    </dgm:linClrLst>
+    <dgm:effectClrLst/>
+    <dgm:txLinClrLst/>
+    <dgm:txFillClrLst meth="repeat">
+      <a:schemeClr val="tx1"/>
+    </dgm:txFillClrLst>
+    <dgm:txEffectClrLst/>
+  </dgm:styleLbl>
+  <dgm:styleLbl name="asst0">
+    <dgm:fillClrLst meth="repeat">
+      <a:schemeClr val="accent1"/>
+    </dgm:fillClrLst>
+    <dgm:linClrLst meth="repeat">
+      <a:schemeClr val="lt1"/>
+    </dgm:linClrLst>
+    <dgm:effectClrLst/>
+    <dgm:txLinClrLst/>
+    <dgm:txFillClrLst/>
+    <dgm:txEffectClrLst/>
+  </dgm:styleLbl>
+  <dgm:styleLbl name="asst1">
+    <dgm:fillClrLst meth="repeat">
+      <a:schemeClr val="accent1"/>
+    </dgm:fillClrLst>
+    <dgm:linClrLst meth="repeat">
+      <a:schemeClr val="lt1"/>
+    </dgm:linClrLst>
+    <dgm:effectClrLst/>
+    <dgm:txLinClrLst/>
+    <dgm:txFillClrLst/>
+    <dgm:txEffectClrLst/>
+  </dgm:styleLbl>
+  <dgm:styleLbl name="asst2">
+    <dgm:fillClrLst meth="repeat">
+      <a:schemeClr val="accent1"/>
+    </dgm:fillClrLst>
+    <dgm:linClrLst meth="repeat">
+      <a:schemeClr val="lt1"/>
+    </dgm:linClrLst>
+    <dgm:effectClrLst/>
+    <dgm:txLinClrLst/>
+    <dgm:txFillClrLst/>
+    <dgm:txEffectClrLst/>
+  </dgm:styleLbl>
+  <dgm:styleLbl name="asst3">
+    <dgm:fillClrLst meth="repeat">
+      <a:schemeClr val="accent1"/>
+    </dgm:fillClrLst>
+    <dgm:linClrLst meth="repeat">
+      <a:schemeClr val="lt1"/>
+    </dgm:linClrLst>
+    <dgm:effectClrLst/>
+    <dgm:txLinClrLst/>
+    <dgm:txFillClrLst/>
+    <dgm:txEffectClrLst/>
+  </dgm:styleLbl>
+  <dgm:styleLbl name="asst4">
+    <dgm:fillClrLst meth="repeat">
+      <a:schemeClr val="accent1"/>
+    </dgm:fillClrLst>
+    <dgm:linClrLst meth="repeat">
+      <a:schemeClr val="lt1"/>
+    </dgm:linClrLst>
+    <dgm:effectClrLst/>
+    <dgm:txLinClrLst/>
+    <dgm:txFillClrLst/>
+    <dgm:txEffectClrLst/>
+  </dgm:styleLbl>
+  <dgm:styleLbl name="parChTrans2D1">
+    <dgm:fillClrLst meth="repeat">
+      <a:schemeClr val="accent1">
+        <a:tint val="60000"/>
+      </a:schemeClr>
+    </dgm:fillClrLst>
+    <dgm:linClrLst meth="repeat">
+      <a:schemeClr val="accent1">
+        <a:tint val="60000"/>
+      </a:schemeClr>
+    </dgm:linClrLst>
+    <dgm:effectClrLst/>
+    <dgm:txLinClrLst/>
+    <dgm:txFillClrLst meth="repeat">
+      <a:schemeClr val="lt1"/>
+    </dgm:txFillClrLst>
+    <dgm:txEffectClrLst/>
+  </dgm:styleLbl>
+  <dgm:styleLbl name="parChTrans2D2">
+    <dgm:fillClrLst meth="repeat">
+      <a:schemeClr val="accent1"/>
+    </dgm:fillClrLst>
+    <dgm:linClrLst meth="repeat">
+      <a:schemeClr val="accent1"/>
+    </dgm:linClrLst>
+    <dgm:effectClrLst/>
+    <dgm:txLinClrLst/>
+    <dgm:txFillClrLst meth="repeat">
+      <a:schemeClr val="lt1"/>
+    </dgm:txFillClrLst>
+    <dgm:txEffectClrLst/>
+  </dgm:styleLbl>
+  <dgm:styleLbl name="parChTrans2D3">
+    <dgm:fillClrLst meth="repeat">
+      <a:schemeClr val="accent1"/>
+    </dgm:fillClrLst>
+    <dgm:linClrLst meth="repeat">
+      <a:schemeClr val="accent1"/>
+    </dgm:linClrLst>
+    <dgm:effectClrLst/>
+    <dgm:txLinClrLst/>
+    <dgm:txFillClrLst meth="repeat">
+      <a:schemeClr val="lt1"/>
+    </dgm:txFillClrLst>
+    <dgm:txEffectClrLst/>
+  </dgm:styleLbl>
+  <dgm:styleLbl name="parChTrans2D4">
+    <dgm:fillClrLst meth="repeat">
+      <a:schemeClr val="accent1"/>
+    </dgm:fillClrLst>
+    <dgm:linClrLst meth="repeat">
+      <a:schemeClr val="accent1"/>
+    </dgm:linClrLst>
+    <dgm:effectClrLst/>
+    <dgm:txLinClrLst/>
+    <dgm:txFillClrLst meth="repeat">
+      <a:schemeClr val="lt1"/>
+    </dgm:txFillClrLst>
+    <dgm:txEffectClrLst/>
+  </dgm:styleLbl>
+  <dgm:styleLbl name="parChTrans1D1">
+    <dgm:fillClrLst meth="repeat">
+      <a:schemeClr val="accent1"/>
+    </dgm:fillClrLst>
+    <dgm:linClrLst meth="repeat">
+      <a:schemeClr val="accent1">
+        <a:shade val="60000"/>
+      </a:schemeClr>
+    </dgm:linClrLst>
+    <dgm:effectClrLst/>
+    <dgm:txLinClrLst/>
+    <dgm:txFillClrLst meth="repeat">
+      <a:schemeClr val="tx1"/>
+    </dgm:txFillClrLst>
+    <dgm:txEffectClrLst/>
+  </dgm:styleLbl>
+  <dgm:styleLbl name="parChTrans1D2">
+    <dgm:fillClrLst meth="repeat">
+      <a:schemeClr val="accent1"/>
+    </dgm:fillClrLst>
+    <dgm:linClrLst meth="repeat">
+      <a:schemeClr val="accent1">
+        <a:shade val="60000"/>
+      </a:schemeClr>
+    </dgm:linClrLst>
+    <dgm:effectClrLst/>
+    <dgm:txLinClrLst/>
+    <dgm:txFillClrLst meth="repeat">
+      <a:schemeClr val="tx1"/>
+    </dgm:txFillClrLst>
+    <dgm:txEffectClrLst/>
+  </dgm:styleLbl>
+  <dgm:styleLbl name="parChTrans1D3">
+    <dgm:fillClrLst meth="repeat">
+      <a:schemeClr val="accent1"/>
+    </dgm:fillClrLst>
+    <dgm:linClrLst meth="repeat">
+      <a:schemeClr val="accent1">
+        <a:shade val="80000"/>
+      </a:schemeClr>
+    </dgm:linClrLst>
+    <dgm:effectClrLst/>
+    <dgm:txLinClrLst/>
+    <dgm:txFillClrLst meth="repeat">
+      <a:schemeClr val="tx1"/>
+    </dgm:txFillClrLst>
+    <dgm:txEffectClrLst/>
+  </dgm:styleLbl>
+  <dgm:styleLbl name="parChTrans1D4">
+    <dgm:fillClrLst meth="repeat">
+      <a:schemeClr val="accent1"/>
+    </dgm:fillClrLst>
+    <dgm:linClrLst meth="repeat">
+      <a:schemeClr val="accent1">
+        <a:shade val="80000"/>
+      </a:schemeClr>
+    </dgm:linClrLst>
+    <dgm:effectClrLst/>
+    <dgm:txLinClrLst/>
+    <dgm:txFillClrLst meth="repeat">
+      <a:schemeClr val="tx1"/>
+    </dgm:txFillClrLst>
+    <dgm:txEffectClrLst/>
+  </dgm:styleLbl>
+  <dgm:styleLbl name="fgAcc1">
+    <dgm:fillClrLst meth="repeat">
+      <a:schemeClr val="lt1">
+        <a:alpha val="90000"/>
+      </a:schemeClr>
+    </dgm:fillClrLst>
+    <dgm:linClrLst meth="repeat">
+      <a:schemeClr val="accent1"/>
+    </dgm:linClrLst>
+    <dgm:effectClrLst/>
+    <dgm:txLinClrLst/>
+    <dgm:txFillClrLst meth="repeat">
+      <a:schemeClr val="dk1"/>
+    </dgm:txFillClrLst>
+    <dgm:txEffectClrLst/>
+  </dgm:styleLbl>
+  <dgm:styleLbl name="conFgAcc1">
+    <dgm:fillClrLst meth="repeat">
+      <a:schemeClr val="lt1">
+        <a:alpha val="90000"/>
+      </a:schemeClr>
+    </dgm:fillClrLst>
+    <dgm:linClrLst meth="repeat">
+      <a:schemeClr val="accent1"/>
+    </dgm:linClrLst>
+    <dgm:effectClrLst/>
+    <dgm:txLinClrLst/>
+    <dgm:txFillClrLst meth="repeat">
+      <a:schemeClr val="dk1"/>
+    </dgm:txFillClrLst>
+    <dgm:txEffectClrLst/>
+  </dgm:styleLbl>
+  <dgm:styleLbl name="alignAcc1">
+    <dgm:fillClrLst meth="repeat">
+      <a:schemeClr val="lt1">
+        <a:alpha val="90000"/>
+      </a:schemeClr>
+    </dgm:fillClrLst>
+    <dgm:linClrLst meth="repeat">
+      <a:schemeClr val="accent1"/>
+    </dgm:linClrLst>
+    <dgm:effectClrLst/>
+    <dgm:txLinClrLst/>
+    <dgm:txFillClrLst meth="repeat">
+      <a:schemeClr val="dk1"/>
+    </dgm:txFillClrLst>
+    <dgm:txEffectClrLst/>
+  </dgm:styleLbl>
+  <dgm:styleLbl name="trAlignAcc1">
+    <dgm:fillClrLst meth="repeat">
+      <a:schemeClr val="lt1">
+        <a:alpha val="40000"/>
+      </a:schemeClr>
+    </dgm:fillClrLst>
+    <dgm:linClrLst meth="repeat">
+      <a:schemeClr val="accent1"/>
+    </dgm:linClrLst>
+    <dgm:effectClrLst/>
+    <dgm:txLinClrLst/>
+    <dgm:txFillClrLst meth="repeat">
+      <a:schemeClr val="dk1"/>
+    </dgm:txFillClrLst>
+    <dgm:txEffectClrLst/>
+  </dgm:styleLbl>
+  <dgm:styleLbl name="bgAcc1">
+    <dgm:fillClrLst meth="repeat">
+      <a:schemeClr val="lt1">
+        <a:alpha val="90000"/>
+      </a:schemeClr>
+    </dgm:fillClrLst>
+    <dgm:linClrLst meth="repeat">
+      <a:schemeClr val="accent1"/>
+    </dgm:linClrLst>
+    <dgm:effectClrLst/>
+    <dgm:txLinClrLst/>
+    <dgm:txFillClrLst meth="repeat">
+      <a:schemeClr val="dk1"/>
+    </dgm:txFillClrLst>
+    <dgm:txEffectClrLst/>
+  </dgm:styleLbl>
+  <dgm:styleLbl name="solidFgAcc1">
+    <dgm:fillClrLst meth="repeat">
+      <a:schemeClr val="lt1"/>
+    </dgm:fillClrLst>
+    <dgm:linClrLst meth="repeat">
+      <a:schemeClr val="accent1"/>
+    </dgm:linClrLst>
+    <dgm:effectClrLst/>
+    <dgm:txLinClrLst/>
+    <dgm:txFillClrLst meth="repeat">
+      <a:schemeClr val="dk1"/>
+    </dgm:txFillClrLst>
+    <dgm:txEffectClrLst/>
+  </dgm:styleLbl>
+  <dgm:styleLbl name="solidAlignAcc1">
+    <dgm:fillClrLst meth="repeat">
+      <a:schemeClr val="lt1"/>
+    </dgm:fillClrLst>
+    <dgm:linClrLst meth="repeat">
+      <a:schemeClr val="accent1"/>
+    </dgm:linClrLst>
+    <dgm:effectClrLst/>
+    <dgm:txLinClrLst/>
+    <dgm:txFillClrLst meth="repeat">
+      <a:schemeClr val="dk1"/>
+    </dgm:txFillClrLst>
+    <dgm:txEffectClrLst/>
+  </dgm:styleLbl>
+  <dgm:styleLbl name="solidBgAcc1">
+    <dgm:fillClrLst meth="repeat">
+      <a:schemeClr val="lt1"/>
+    </dgm:fillClrLst>
+    <dgm:linClrLst meth="repeat">
+      <a:schemeClr val="accent1"/>
+    </dgm:linClrLst>
+    <dgm:effectClrLst/>
+    <dgm:txLinClrLst/>
+    <dgm:txFillClrLst meth="repeat">
+      <a:schemeClr val="dk1"/>
+    </dgm:txFillClrLst>
+    <dgm:txEffectClrLst/>
+  </dgm:styleLbl>
+  <dgm:styleLbl name="fgAccFollowNode1">
+    <dgm:fillClrLst meth="repeat">
+      <a:schemeClr val="accent1">
+        <a:alpha val="90000"/>
+        <a:tint val="40000"/>
+      </a:schemeClr>
+    </dgm:fillClrLst>
+    <dgm:linClrLst meth="repeat">
+      <a:schemeClr val="accent1">
+        <a:alpha val="90000"/>
+        <a:tint val="40000"/>
+      </a:schemeClr>
+    </dgm:linClrLst>
+    <dgm:effectClrLst/>
+    <dgm:txLinClrLst/>
+    <dgm:txFillClrLst meth="repeat">
+      <a:schemeClr val="dk1"/>
+    </dgm:txFillClrLst>
+    <dgm:txEffectClrLst/>
+  </dgm:styleLbl>
+  <dgm:styleLbl name="alignAccFollowNode1">
+    <dgm:fillClrLst meth="repeat">
+      <a:schemeClr val="accent1">
+        <a:alpha val="90000"/>
+        <a:tint val="40000"/>
+      </a:schemeClr>
+    </dgm:fillClrLst>
+    <dgm:linClrLst meth="repeat">
+      <a:schemeClr val="accent1">
+        <a:alpha val="90000"/>
+        <a:tint val="40000"/>
+      </a:schemeClr>
+    </dgm:linClrLst>
+    <dgm:effectClrLst/>
+    <dgm:txLinClrLst/>
+    <dgm:txFillClrLst meth="repeat">
+      <a:schemeClr val="dk1"/>
+    </dgm:txFillClrLst>
+    <dgm:txEffectClrLst/>
+  </dgm:styleLbl>
+  <dgm:styleLbl name="bgAccFollowNode1">
+    <dgm:fillClrLst meth="repeat">
+      <a:schemeClr val="accent1">
+        <a:alpha val="90000"/>
+        <a:tint val="40000"/>
+      </a:schemeClr>
+    </dgm:fillClrLst>
+    <dgm:linClrLst meth="repeat">
+      <a:schemeClr val="accent1">
+        <a:alpha val="90000"/>
+        <a:tint val="40000"/>
+      </a:schemeClr>
+    </dgm:linClrLst>
+    <dgm:effectClrLst/>
+    <dgm:txLinClrLst/>
+    <dgm:txFillClrLst meth="repeat">
+      <a:schemeClr val="dk1"/>
+    </dgm:txFillClrLst>
+    <dgm:txEffectClrLst/>
+  </dgm:styleLbl>
+  <dgm:styleLbl name="fgAcc0">
+    <dgm:fillClrLst meth="repeat">
+      <a:schemeClr val="lt1">
+        <a:alpha val="90000"/>
+      </a:schemeClr>
+    </dgm:fillClrLst>
+    <dgm:linClrLst meth="repeat">
+      <a:schemeClr val="accent1"/>
+    </dgm:linClrLst>
+    <dgm:effectClrLst/>
+    <dgm:txLinClrLst/>
+    <dgm:txFillClrLst meth="repeat">
+      <a:schemeClr val="dk1"/>
+    </dgm:txFillClrLst>
+    <dgm:txEffectClrLst/>
+  </dgm:styleLbl>
+  <dgm:styleLbl name="fgAcc2">
+    <dgm:fillClrLst meth="repeat">
+      <a:schemeClr val="lt1">
+        <a:alpha val="90000"/>
+      </a:schemeClr>
+    </dgm:fillClrLst>
+    <dgm:linClrLst meth="repeat">
+      <a:schemeClr val="accent1"/>
+    </dgm:linClrLst>
+    <dgm:effectClrLst/>
+    <dgm:txLinClrLst/>
+    <dgm:txFillClrLst meth="repeat">
+      <a:schemeClr val="dk1"/>
+    </dgm:txFillClrLst>
+    <dgm:txEffectClrLst/>
+  </dgm:styleLbl>
+  <dgm:styleLbl name="fgAcc3">
+    <dgm:fillClrLst meth="repeat">
+      <a:schemeClr val="lt1">
+        <a:alpha val="90000"/>
+      </a:schemeClr>
+    </dgm:fillClrLst>
+    <dgm:linClrLst meth="repeat">
+      <a:schemeClr val="accent1"/>
+    </dgm:linClrLst>
+    <dgm:effectClrLst/>
+    <dgm:txLinClrLst/>
+    <dgm:txFillClrLst meth="repeat">
+      <a:schemeClr val="dk1"/>
+    </dgm:txFillClrLst>
+    <dgm:txEffectClrLst/>
+  </dgm:styleLbl>
+  <dgm:styleLbl name="fgAcc4">
+    <dgm:fillClrLst meth="repeat">
+      <a:schemeClr val="lt1">
+        <a:alpha val="90000"/>
+      </a:schemeClr>
+    </dgm:fillClrLst>
+    <dgm:linClrLst meth="repeat">
+      <a:schemeClr val="accent1"/>
+    </dgm:linClrLst>
+    <dgm:effectClrLst/>
+    <dgm:txLinClrLst/>
+    <dgm:txFillClrLst meth="repeat">
+      <a:schemeClr val="dk1"/>
+    </dgm:txFillClrLst>
+    <dgm:txEffectClrLst/>
+  </dgm:styleLbl>
+  <dgm:styleLbl name="bgShp">
+    <dgm:fillClrLst meth="repeat">
+      <a:schemeClr val="accent1">
+        <a:tint val="40000"/>
+      </a:schemeClr>
+    </dgm:fillClrLst>
+    <dgm:linClrLst meth="repeat">
+      <a:schemeClr val="accent1"/>
+    </dgm:linClrLst>
+    <dgm:effectClrLst/>
+    <dgm:txLinClrLst/>
+    <dgm:txFillClrLst meth="repeat">
+      <a:schemeClr val="dk1"/>
+    </dgm:txFillClrLst>
+    <dgm:txEffectClrLst/>
+  </dgm:styleLbl>
+  <dgm:styleLbl name="dkBgShp">
+    <dgm:fillClrLst meth="repeat">
+      <a:schemeClr val="accent1">
+        <a:shade val="80000"/>
+      </a:schemeClr>
+    </dgm:fillClrLst>
+    <dgm:linClrLst meth="repeat">
+      <a:schemeClr val="accent1"/>
+    </dgm:linClrLst>
+    <dgm:effectClrLst/>
+    <dgm:txLinClrLst/>
+    <dgm:txFillClrLst meth="repeat">
+      <a:schemeClr val="lt1"/>
+    </dgm:txFillClrLst>
+    <dgm:txEffectClrLst/>
+  </dgm:styleLbl>
+  <dgm:styleLbl name="trBgShp">
+    <dgm:fillClrLst meth="repeat">
+      <a:schemeClr val="accent1">
+        <a:tint val="50000"/>
+        <a:alpha val="40000"/>
+      </a:schemeClr>
+    </dgm:fillClrLst>
+    <dgm:linClrLst meth="repeat">
+      <a:schemeClr val="accent1"/>
+    </dgm:linClrLst>
+    <dgm:effectClrLst/>
+    <dgm:txLinClrLst/>
+    <dgm:txFillClrLst meth="repeat">
+      <a:schemeClr val="lt1"/>
+    </dgm:txFillClrLst>
+    <dgm:txEffectClrLst/>
+  </dgm:styleLbl>
+  <dgm:styleLbl name="fgShp">
+    <dgm:fillClrLst meth="repeat">
+      <a:schemeClr val="accent1">
+        <a:tint val="60000"/>
+      </a:schemeClr>
+    </dgm:fillClrLst>
+    <dgm:linClrLst meth="repeat">
+      <a:schemeClr val="lt1"/>
+    </dgm:linClrLst>
+    <dgm:effectClrLst/>
+    <dgm:txLinClrLst/>
+    <dgm:txFillClrLst meth="repeat">
+      <a:schemeClr val="dk1"/>
+    </dgm:txFillClrLst>
+    <dgm:txEffectClrLst/>
+  </dgm:styleLbl>
+  <dgm:styleLbl name="revTx">
+    <dgm:fillClrLst meth="repeat">
+      <a:schemeClr val="lt1">
+        <a:alpha val="0"/>
+      </a:schemeClr>
+    </dgm:fillClrLst>
+    <dgm:linClrLst meth="repeat">
+      <a:schemeClr val="dk1">
+        <a:alpha val="0"/>
+      </a:schemeClr>
+    </dgm:linClrLst>
+    <dgm:effectClrLst/>
+    <dgm:txLinClrLst/>
+    <dgm:txFillClrLst meth="repeat">
+      <a:schemeClr val="tx1"/>
+    </dgm:txFillClrLst>
+    <dgm:txEffectClrLst/>
+  </dgm:styleLbl>
+</dgm:colorsDef>
+</file>
+
+<file path=ppt/diagrams/data1.xml><?xml version="1.0" encoding="utf-8"?>
+<dgm:dataModel xmlns:dgm="http://schemas.openxmlformats.org/drawingml/2006/diagram" xmlns:a="http://schemas.openxmlformats.org/drawingml/2006/main">
+  <dgm:ptLst>
+    <dgm:pt modelId="{BE9D4D03-5C7F-48F6-B936-5D303A600CE1}" type="doc">
+      <dgm:prSet loTypeId="urn:microsoft.com/office/officeart/2018/2/layout/IconLabelList" loCatId="icon" qsTypeId="urn:microsoft.com/office/officeart/2005/8/quickstyle/simple1" qsCatId="simple" csTypeId="urn:microsoft.com/office/officeart/2005/8/colors/accent1_2" csCatId="accent1" phldr="1"/>
+      <dgm:spPr/>
+      <dgm:t>
+        <a:bodyPr/>
+        <a:lstStyle/>
+        <a:p>
+          <a:endParaRPr lang="en-US"/>
+        </a:p>
+      </dgm:t>
+    </dgm:pt>
+    <dgm:pt modelId="{05308886-54C3-4F21-AE9B-99CD99698266}">
+      <dgm:prSet/>
+      <dgm:spPr/>
+      <dgm:t>
+        <a:bodyPr/>
+        <a:lstStyle/>
+        <a:p>
+          <a:pPr>
+            <a:lnSpc>
+              <a:spcPct val="100000"/>
+            </a:lnSpc>
+          </a:pPr>
+          <a:r>
+            <a:rPr lang="fr-FR"/>
+            <a:t>Précision : 59%</a:t>
+          </a:r>
+          <a:endParaRPr lang="en-US"/>
+        </a:p>
+      </dgm:t>
+    </dgm:pt>
+    <dgm:pt modelId="{ED420FE7-7887-48A3-B8A6-F1665BD54854}" type="parTrans" cxnId="{2C30FBC5-D009-4E59-BAE9-36838619E6BC}">
+      <dgm:prSet/>
+      <dgm:spPr/>
+      <dgm:t>
+        <a:bodyPr/>
+        <a:lstStyle/>
+        <a:p>
+          <a:endParaRPr lang="en-US"/>
+        </a:p>
+      </dgm:t>
+    </dgm:pt>
+    <dgm:pt modelId="{703E8F7D-D658-46DA-864A-F5CA419C92C4}" type="sibTrans" cxnId="{2C30FBC5-D009-4E59-BAE9-36838619E6BC}">
+      <dgm:prSet/>
+      <dgm:spPr/>
+      <dgm:t>
+        <a:bodyPr/>
+        <a:lstStyle/>
+        <a:p>
+          <a:endParaRPr lang="en-US"/>
+        </a:p>
+      </dgm:t>
+    </dgm:pt>
+    <dgm:pt modelId="{C02EAA0A-F8B7-401A-AF8C-D248445EDAC3}">
+      <dgm:prSet/>
+      <dgm:spPr/>
+      <dgm:t>
+        <a:bodyPr/>
+        <a:lstStyle/>
+        <a:p>
+          <a:pPr>
+            <a:lnSpc>
+              <a:spcPct val="100000"/>
+            </a:lnSpc>
+          </a:pPr>
+          <a:r>
+            <a:rPr lang="fr-FR"/>
+            <a:t>Temps : 1 min 04 sec</a:t>
+          </a:r>
+          <a:endParaRPr lang="en-US"/>
+        </a:p>
+      </dgm:t>
+    </dgm:pt>
+    <dgm:pt modelId="{6D109FEC-2B07-42CA-AD79-B6568E4DEEAF}" type="parTrans" cxnId="{CACC142B-D1F4-4506-B7FF-EB928146F08C}">
+      <dgm:prSet/>
+      <dgm:spPr/>
+      <dgm:t>
+        <a:bodyPr/>
+        <a:lstStyle/>
+        <a:p>
+          <a:endParaRPr lang="en-US"/>
+        </a:p>
+      </dgm:t>
+    </dgm:pt>
+    <dgm:pt modelId="{C0918FE3-64CC-4982-991D-375812BD4FD2}" type="sibTrans" cxnId="{CACC142B-D1F4-4506-B7FF-EB928146F08C}">
+      <dgm:prSet/>
+      <dgm:spPr/>
+      <dgm:t>
+        <a:bodyPr/>
+        <a:lstStyle/>
+        <a:p>
+          <a:endParaRPr lang="en-US"/>
+        </a:p>
+      </dgm:t>
+    </dgm:pt>
+    <dgm:pt modelId="{83B949D5-8D57-48C2-A568-77316FCB641E}" type="pres">
+      <dgm:prSet presAssocID="{BE9D4D03-5C7F-48F6-B936-5D303A600CE1}" presName="root" presStyleCnt="0">
+        <dgm:presLayoutVars>
+          <dgm:dir/>
+          <dgm:resizeHandles val="exact"/>
+        </dgm:presLayoutVars>
+      </dgm:prSet>
+      <dgm:spPr/>
+    </dgm:pt>
+    <dgm:pt modelId="{AE074FE5-9422-4DEE-AC9D-A6C2DAA292CA}" type="pres">
+      <dgm:prSet presAssocID="{05308886-54C3-4F21-AE9B-99CD99698266}" presName="compNode" presStyleCnt="0"/>
+      <dgm:spPr/>
+    </dgm:pt>
+    <dgm:pt modelId="{9693AA70-D851-4FA0-9C25-3076F9C29752}" type="pres">
+      <dgm:prSet presAssocID="{05308886-54C3-4F21-AE9B-99CD99698266}" presName="iconRect" presStyleLbl="node1" presStyleIdx="0" presStyleCnt="2"/>
+      <dgm:spPr>
+        <a:blipFill>
+          <a:blip xmlns:r="http://schemas.openxmlformats.org/officeDocument/2006/relationships" r:embed="rId1">
+            <a:extLst>
+              <a:ext uri="{28A0092B-C50C-407E-A947-70E740481C1C}">
+                <a14:useLocalDpi xmlns:a14="http://schemas.microsoft.com/office/drawing/2010/main" val="0"/>
+              </a:ext>
+              <a:ext uri="{96DAC541-7B7A-43D3-8B79-37D633B846F1}">
+                <asvg:svgBlip xmlns:asvg="http://schemas.microsoft.com/office/drawing/2016/SVG/main" r:embed="rId2"/>
+              </a:ext>
+            </a:extLst>
+          </a:blip>
+          <a:stretch>
+            <a:fillRect/>
+          </a:stretch>
+        </a:blipFill>
+      </dgm:spPr>
+      <dgm:extLst>
+        <a:ext uri="{E40237B7-FDA0-4F09-8148-C483321AD2D9}">
+          <dgm14:cNvPr xmlns:dgm14="http://schemas.microsoft.com/office/drawing/2010/diagram" id="0" name="" descr="Cible"/>
+        </a:ext>
+      </dgm:extLst>
+    </dgm:pt>
+    <dgm:pt modelId="{AABE5F71-D452-4389-A07D-FD0FBE8F0DE9}" type="pres">
+      <dgm:prSet presAssocID="{05308886-54C3-4F21-AE9B-99CD99698266}" presName="spaceRect" presStyleCnt="0"/>
+      <dgm:spPr/>
+    </dgm:pt>
+    <dgm:pt modelId="{706782F7-172D-4368-B73E-64466CBFD411}" type="pres">
+      <dgm:prSet presAssocID="{05308886-54C3-4F21-AE9B-99CD99698266}" presName="textRect" presStyleLbl="revTx" presStyleIdx="0" presStyleCnt="2">
+        <dgm:presLayoutVars>
+          <dgm:chMax val="1"/>
+          <dgm:chPref val="1"/>
+        </dgm:presLayoutVars>
+      </dgm:prSet>
+      <dgm:spPr/>
+    </dgm:pt>
+    <dgm:pt modelId="{0A28A55D-CD0F-4579-AB93-6E0117A83F37}" type="pres">
+      <dgm:prSet presAssocID="{703E8F7D-D658-46DA-864A-F5CA419C92C4}" presName="sibTrans" presStyleCnt="0"/>
+      <dgm:spPr/>
+    </dgm:pt>
+    <dgm:pt modelId="{3020DA78-CD9E-4728-AD2E-708A2CE965B1}" type="pres">
+      <dgm:prSet presAssocID="{C02EAA0A-F8B7-401A-AF8C-D248445EDAC3}" presName="compNode" presStyleCnt="0"/>
+      <dgm:spPr/>
+    </dgm:pt>
+    <dgm:pt modelId="{FBFC7450-8F4A-432C-95D2-4FBCE89CC809}" type="pres">
+      <dgm:prSet presAssocID="{C02EAA0A-F8B7-401A-AF8C-D248445EDAC3}" presName="iconRect" presStyleLbl="node1" presStyleIdx="1" presStyleCnt="2"/>
+      <dgm:spPr>
+        <a:blipFill>
+          <a:blip xmlns:r="http://schemas.openxmlformats.org/officeDocument/2006/relationships" r:embed="rId3">
+            <a:extLst>
+              <a:ext uri="{28A0092B-C50C-407E-A947-70E740481C1C}">
+                <a14:useLocalDpi xmlns:a14="http://schemas.microsoft.com/office/drawing/2010/main" val="0"/>
+              </a:ext>
+              <a:ext uri="{96DAC541-7B7A-43D3-8B79-37D633B846F1}">
+                <asvg:svgBlip xmlns:asvg="http://schemas.microsoft.com/office/drawing/2016/SVG/main" r:embed="rId4"/>
+              </a:ext>
+            </a:extLst>
+          </a:blip>
+          <a:stretch>
+            <a:fillRect/>
+          </a:stretch>
+        </a:blipFill>
+      </dgm:spPr>
+      <dgm:extLst>
+        <a:ext uri="{E40237B7-FDA0-4F09-8148-C483321AD2D9}">
+          <dgm14:cNvPr xmlns:dgm14="http://schemas.microsoft.com/office/drawing/2010/diagram" id="0" name="" descr="Chronomètre"/>
+        </a:ext>
+      </dgm:extLst>
+    </dgm:pt>
+    <dgm:pt modelId="{576BE0D5-FE69-4478-8294-7F4FE64230E0}" type="pres">
+      <dgm:prSet presAssocID="{C02EAA0A-F8B7-401A-AF8C-D248445EDAC3}" presName="spaceRect" presStyleCnt="0"/>
+      <dgm:spPr/>
+    </dgm:pt>
+    <dgm:pt modelId="{6329D4D6-1371-4027-AB00-EFA9407A10DD}" type="pres">
+      <dgm:prSet presAssocID="{C02EAA0A-F8B7-401A-AF8C-D248445EDAC3}" presName="textRect" presStyleLbl="revTx" presStyleIdx="1" presStyleCnt="2">
+        <dgm:presLayoutVars>
+          <dgm:chMax val="1"/>
+          <dgm:chPref val="1"/>
+        </dgm:presLayoutVars>
+      </dgm:prSet>
+      <dgm:spPr/>
+    </dgm:pt>
+  </dgm:ptLst>
+  <dgm:cxnLst>
+    <dgm:cxn modelId="{5B9AEE0F-591C-4EDB-A667-A54BBB12780F}" type="presOf" srcId="{C02EAA0A-F8B7-401A-AF8C-D248445EDAC3}" destId="{6329D4D6-1371-4027-AB00-EFA9407A10DD}" srcOrd="0" destOrd="0" presId="urn:microsoft.com/office/officeart/2018/2/layout/IconLabelList"/>
+    <dgm:cxn modelId="{CACC142B-D1F4-4506-B7FF-EB928146F08C}" srcId="{BE9D4D03-5C7F-48F6-B936-5D303A600CE1}" destId="{C02EAA0A-F8B7-401A-AF8C-D248445EDAC3}" srcOrd="1" destOrd="0" parTransId="{6D109FEC-2B07-42CA-AD79-B6568E4DEEAF}" sibTransId="{C0918FE3-64CC-4982-991D-375812BD4FD2}"/>
+    <dgm:cxn modelId="{2C30FBC5-D009-4E59-BAE9-36838619E6BC}" srcId="{BE9D4D03-5C7F-48F6-B936-5D303A600CE1}" destId="{05308886-54C3-4F21-AE9B-99CD99698266}" srcOrd="0" destOrd="0" parTransId="{ED420FE7-7887-48A3-B8A6-F1665BD54854}" sibTransId="{703E8F7D-D658-46DA-864A-F5CA419C92C4}"/>
+    <dgm:cxn modelId="{8FD2B1CE-BAE1-49C7-B0A5-9CEF4E7C5A4A}" type="presOf" srcId="{05308886-54C3-4F21-AE9B-99CD99698266}" destId="{706782F7-172D-4368-B73E-64466CBFD411}" srcOrd="0" destOrd="0" presId="urn:microsoft.com/office/officeart/2018/2/layout/IconLabelList"/>
+    <dgm:cxn modelId="{5A54FDED-5582-42EE-A23C-6A523DFBEED8}" type="presOf" srcId="{BE9D4D03-5C7F-48F6-B936-5D303A600CE1}" destId="{83B949D5-8D57-48C2-A568-77316FCB641E}" srcOrd="0" destOrd="0" presId="urn:microsoft.com/office/officeart/2018/2/layout/IconLabelList"/>
+    <dgm:cxn modelId="{574D4B52-BAE9-4B32-BE36-A4BA515CAC5A}" type="presParOf" srcId="{83B949D5-8D57-48C2-A568-77316FCB641E}" destId="{AE074FE5-9422-4DEE-AC9D-A6C2DAA292CA}" srcOrd="0" destOrd="0" presId="urn:microsoft.com/office/officeart/2018/2/layout/IconLabelList"/>
+    <dgm:cxn modelId="{99B2AF04-FD8D-4C6F-8F23-103495309862}" type="presParOf" srcId="{AE074FE5-9422-4DEE-AC9D-A6C2DAA292CA}" destId="{9693AA70-D851-4FA0-9C25-3076F9C29752}" srcOrd="0" destOrd="0" presId="urn:microsoft.com/office/officeart/2018/2/layout/IconLabelList"/>
+    <dgm:cxn modelId="{FFC08031-4756-4263-AC3E-D60713AE8E88}" type="presParOf" srcId="{AE074FE5-9422-4DEE-AC9D-A6C2DAA292CA}" destId="{AABE5F71-D452-4389-A07D-FD0FBE8F0DE9}" srcOrd="1" destOrd="0" presId="urn:microsoft.com/office/officeart/2018/2/layout/IconLabelList"/>
+    <dgm:cxn modelId="{F8643652-6107-4A5D-8B4E-9E292C23C8B4}" type="presParOf" srcId="{AE074FE5-9422-4DEE-AC9D-A6C2DAA292CA}" destId="{706782F7-172D-4368-B73E-64466CBFD411}" srcOrd="2" destOrd="0" presId="urn:microsoft.com/office/officeart/2018/2/layout/IconLabelList"/>
+    <dgm:cxn modelId="{E6EAEBAD-7B68-471B-96D2-79C6D224A1F9}" type="presParOf" srcId="{83B949D5-8D57-48C2-A568-77316FCB641E}" destId="{0A28A55D-CD0F-4579-AB93-6E0117A83F37}" srcOrd="1" destOrd="0" presId="urn:microsoft.com/office/officeart/2018/2/layout/IconLabelList"/>
+    <dgm:cxn modelId="{1E5DCC27-385C-448A-8EAF-87B09A5C2100}" type="presParOf" srcId="{83B949D5-8D57-48C2-A568-77316FCB641E}" destId="{3020DA78-CD9E-4728-AD2E-708A2CE965B1}" srcOrd="2" destOrd="0" presId="urn:microsoft.com/office/officeart/2018/2/layout/IconLabelList"/>
+    <dgm:cxn modelId="{26B6C80C-A205-42C9-8DFF-D8E4350B0128}" type="presParOf" srcId="{3020DA78-CD9E-4728-AD2E-708A2CE965B1}" destId="{FBFC7450-8F4A-432C-95D2-4FBCE89CC809}" srcOrd="0" destOrd="0" presId="urn:microsoft.com/office/officeart/2018/2/layout/IconLabelList"/>
+    <dgm:cxn modelId="{52B0348A-832C-44AD-99F1-080C73EE97D9}" type="presParOf" srcId="{3020DA78-CD9E-4728-AD2E-708A2CE965B1}" destId="{576BE0D5-FE69-4478-8294-7F4FE64230E0}" srcOrd="1" destOrd="0" presId="urn:microsoft.com/office/officeart/2018/2/layout/IconLabelList"/>
+    <dgm:cxn modelId="{C4B84821-3872-4866-897B-FB626A426780}" type="presParOf" srcId="{3020DA78-CD9E-4728-AD2E-708A2CE965B1}" destId="{6329D4D6-1371-4027-AB00-EFA9407A10DD}" srcOrd="2" destOrd="0" presId="urn:microsoft.com/office/officeart/2018/2/layout/IconLabelList"/>
+  </dgm:cxnLst>
+  <dgm:bg/>
+  <dgm:whole/>
+  <dgm:extLst>
+    <a:ext uri="http://schemas.microsoft.com/office/drawing/2008/diagram">
+      <dsp:dataModelExt xmlns:dsp="http://schemas.microsoft.com/office/drawing/2008/diagram" relId="rId6" minVer="http://schemas.openxmlformats.org/drawingml/2006/diagram"/>
+    </a:ext>
+  </dgm:extLst>
+</dgm:dataModel>
+</file>
+
+<file path=ppt/diagrams/drawing1.xml><?xml version="1.0" encoding="utf-8"?>
+<dsp:drawing xmlns:dgm="http://schemas.openxmlformats.org/drawingml/2006/diagram" xmlns:dsp="http://schemas.microsoft.com/office/drawing/2008/diagram" xmlns:a="http://schemas.openxmlformats.org/drawingml/2006/main">
+  <dsp:spTree>
+    <dsp:nvGrpSpPr>
+      <dsp:cNvPr id="0" name=""/>
+      <dsp:cNvGrpSpPr/>
+    </dsp:nvGrpSpPr>
+    <dsp:grpSpPr/>
+    <dsp:sp modelId="{9693AA70-D851-4FA0-9C25-3076F9C29752}">
+      <dsp:nvSpPr>
+        <dsp:cNvPr id="0" name=""/>
+        <dsp:cNvSpPr/>
+      </dsp:nvSpPr>
+      <dsp:spPr>
+        <a:xfrm>
+          <a:off x="837030" y="1471546"/>
+          <a:ext cx="1306125" cy="1306125"/>
+        </a:xfrm>
+        <a:prstGeom prst="rect">
+          <a:avLst/>
+        </a:prstGeom>
+        <a:blipFill>
+          <a:blip xmlns:r="http://schemas.openxmlformats.org/officeDocument/2006/relationships" r:embed="rId1">
+            <a:extLst>
+              <a:ext uri="{28A0092B-C50C-407E-A947-70E740481C1C}">
+                <a14:useLocalDpi xmlns:a14="http://schemas.microsoft.com/office/drawing/2010/main" val="0"/>
+              </a:ext>
+              <a:ext uri="{96DAC541-7B7A-43D3-8B79-37D633B846F1}">
+                <asvg:svgBlip xmlns:asvg="http://schemas.microsoft.com/office/drawing/2016/SVG/main" r:embed="rId2"/>
+              </a:ext>
+            </a:extLst>
+          </a:blip>
+          <a:stretch>
+            <a:fillRect/>
+          </a:stretch>
+        </a:blipFill>
+        <a:ln w="12700" cap="flat" cmpd="sng" algn="ctr">
+          <a:solidFill>
+            <a:schemeClr val="lt1">
+              <a:hueOff val="0"/>
+              <a:satOff val="0"/>
+              <a:lumOff val="0"/>
+              <a:alphaOff val="0"/>
+            </a:schemeClr>
+          </a:solidFill>
+          <a:prstDash val="solid"/>
+          <a:miter lim="800000"/>
+        </a:ln>
+        <a:effectLst/>
+      </dsp:spPr>
+      <dsp:style>
+        <a:lnRef idx="2">
+          <a:scrgbClr r="0" g="0" b="0"/>
+        </a:lnRef>
+        <a:fillRef idx="1">
+          <a:scrgbClr r="0" g="0" b="0"/>
+        </a:fillRef>
+        <a:effectRef idx="0">
+          <a:scrgbClr r="0" g="0" b="0"/>
+        </a:effectRef>
+        <a:fontRef idx="minor">
+          <a:schemeClr val="lt1"/>
+        </a:fontRef>
+      </dsp:style>
+    </dsp:sp>
+    <dsp:sp modelId="{706782F7-172D-4368-B73E-64466CBFD411}">
+      <dsp:nvSpPr>
+        <dsp:cNvPr id="0" name=""/>
+        <dsp:cNvSpPr/>
+      </dsp:nvSpPr>
+      <dsp:spPr>
+        <a:xfrm>
+          <a:off x="38842" y="3135364"/>
+          <a:ext cx="2902500" cy="720000"/>
+        </a:xfrm>
+        <a:prstGeom prst="rect">
+          <a:avLst/>
+        </a:prstGeom>
+        <a:noFill/>
+        <a:ln>
+          <a:noFill/>
+        </a:ln>
+        <a:effectLst/>
+      </dsp:spPr>
+      <dsp:style>
+        <a:lnRef idx="0">
+          <a:scrgbClr r="0" g="0" b="0"/>
+        </a:lnRef>
+        <a:fillRef idx="0">
+          <a:scrgbClr r="0" g="0" b="0"/>
+        </a:fillRef>
+        <a:effectRef idx="0">
+          <a:scrgbClr r="0" g="0" b="0"/>
+        </a:effectRef>
+        <a:fontRef idx="minor"/>
+      </dsp:style>
+      <dsp:txBody>
+        <a:bodyPr spcFirstLastPara="0" vert="horz" wrap="square" lIns="0" tIns="0" rIns="0" bIns="0" numCol="1" spcCol="1270" anchor="t" anchorCtr="0">
+          <a:noAutofit/>
+        </a:bodyPr>
+        <a:lstStyle/>
+        <a:p>
+          <a:pPr marL="0" lvl="0" indent="0" algn="ctr" defTabSz="1200150">
+            <a:lnSpc>
+              <a:spcPct val="100000"/>
+            </a:lnSpc>
+            <a:spcBef>
+              <a:spcPct val="0"/>
+            </a:spcBef>
+            <a:spcAft>
+              <a:spcPct val="35000"/>
+            </a:spcAft>
+            <a:buNone/>
+          </a:pPr>
+          <a:r>
+            <a:rPr lang="fr-FR" sz="2700" kern="1200"/>
+            <a:t>Précision : 59%</a:t>
+          </a:r>
+          <a:endParaRPr lang="en-US" sz="2700" kern="1200"/>
+        </a:p>
+      </dsp:txBody>
+      <dsp:txXfrm>
+        <a:off x="38842" y="3135364"/>
+        <a:ext cx="2902500" cy="720000"/>
+      </dsp:txXfrm>
+    </dsp:sp>
+    <dsp:sp modelId="{FBFC7450-8F4A-432C-95D2-4FBCE89CC809}">
+      <dsp:nvSpPr>
+        <dsp:cNvPr id="0" name=""/>
+        <dsp:cNvSpPr/>
+      </dsp:nvSpPr>
+      <dsp:spPr>
+        <a:xfrm>
+          <a:off x="4247467" y="1471546"/>
+          <a:ext cx="1306125" cy="1306125"/>
+        </a:xfrm>
+        <a:prstGeom prst="rect">
+          <a:avLst/>
+        </a:prstGeom>
+        <a:blipFill>
+          <a:blip xmlns:r="http://schemas.openxmlformats.org/officeDocument/2006/relationships" r:embed="rId3">
+            <a:extLst>
+              <a:ext uri="{28A0092B-C50C-407E-A947-70E740481C1C}">
+                <a14:useLocalDpi xmlns:a14="http://schemas.microsoft.com/office/drawing/2010/main" val="0"/>
+              </a:ext>
+              <a:ext uri="{96DAC541-7B7A-43D3-8B79-37D633B846F1}">
+                <asvg:svgBlip xmlns:asvg="http://schemas.microsoft.com/office/drawing/2016/SVG/main" r:embed="rId4"/>
+              </a:ext>
+            </a:extLst>
+          </a:blip>
+          <a:stretch>
+            <a:fillRect/>
+          </a:stretch>
+        </a:blipFill>
+        <a:ln w="12700" cap="flat" cmpd="sng" algn="ctr">
+          <a:solidFill>
+            <a:schemeClr val="lt1">
+              <a:hueOff val="0"/>
+              <a:satOff val="0"/>
+              <a:lumOff val="0"/>
+              <a:alphaOff val="0"/>
+            </a:schemeClr>
+          </a:solidFill>
+          <a:prstDash val="solid"/>
+          <a:miter lim="800000"/>
+        </a:ln>
+        <a:effectLst/>
+      </dsp:spPr>
+      <dsp:style>
+        <a:lnRef idx="2">
+          <a:scrgbClr r="0" g="0" b="0"/>
+        </a:lnRef>
+        <a:fillRef idx="1">
+          <a:scrgbClr r="0" g="0" b="0"/>
+        </a:fillRef>
+        <a:effectRef idx="0">
+          <a:scrgbClr r="0" g="0" b="0"/>
+        </a:effectRef>
+        <a:fontRef idx="minor">
+          <a:schemeClr val="lt1"/>
+        </a:fontRef>
+      </dsp:style>
+    </dsp:sp>
+    <dsp:sp modelId="{6329D4D6-1371-4027-AB00-EFA9407A10DD}">
+      <dsp:nvSpPr>
+        <dsp:cNvPr id="0" name=""/>
+        <dsp:cNvSpPr/>
+      </dsp:nvSpPr>
+      <dsp:spPr>
+        <a:xfrm>
+          <a:off x="3449280" y="3135364"/>
+          <a:ext cx="2902500" cy="720000"/>
+        </a:xfrm>
+        <a:prstGeom prst="rect">
+          <a:avLst/>
+        </a:prstGeom>
+        <a:noFill/>
+        <a:ln>
+          <a:noFill/>
+        </a:ln>
+        <a:effectLst/>
+      </dsp:spPr>
+      <dsp:style>
+        <a:lnRef idx="0">
+          <a:scrgbClr r="0" g="0" b="0"/>
+        </a:lnRef>
+        <a:fillRef idx="0">
+          <a:scrgbClr r="0" g="0" b="0"/>
+        </a:fillRef>
+        <a:effectRef idx="0">
+          <a:scrgbClr r="0" g="0" b="0"/>
+        </a:effectRef>
+        <a:fontRef idx="minor"/>
+      </dsp:style>
+      <dsp:txBody>
+        <a:bodyPr spcFirstLastPara="0" vert="horz" wrap="square" lIns="0" tIns="0" rIns="0" bIns="0" numCol="1" spcCol="1270" anchor="t" anchorCtr="0">
+          <a:noAutofit/>
+        </a:bodyPr>
+        <a:lstStyle/>
+        <a:p>
+          <a:pPr marL="0" lvl="0" indent="0" algn="ctr" defTabSz="1200150">
+            <a:lnSpc>
+              <a:spcPct val="100000"/>
+            </a:lnSpc>
+            <a:spcBef>
+              <a:spcPct val="0"/>
+            </a:spcBef>
+            <a:spcAft>
+              <a:spcPct val="35000"/>
+            </a:spcAft>
+            <a:buNone/>
+          </a:pPr>
+          <a:r>
+            <a:rPr lang="fr-FR" sz="2700" kern="1200"/>
+            <a:t>Temps : 1 min 04 sec</a:t>
+          </a:r>
+          <a:endParaRPr lang="en-US" sz="2700" kern="1200"/>
+        </a:p>
+      </dsp:txBody>
+      <dsp:txXfrm>
+        <a:off x="3449280" y="3135364"/>
+        <a:ext cx="2902500" cy="720000"/>
+      </dsp:txXfrm>
+    </dsp:sp>
+  </dsp:spTree>
+</dsp:drawing>
+</file>
+
+<file path=ppt/diagrams/layout1.xml><?xml version="1.0" encoding="utf-8"?>
+<dgm:layoutDef xmlns:dgm="http://schemas.openxmlformats.org/drawingml/2006/diagram" xmlns:a="http://schemas.openxmlformats.org/drawingml/2006/main" uniqueId="urn:microsoft.com/office/officeart/2018/2/layout/IconLabelList">
+  <dgm:title val="Icon Label List"/>
+  <dgm:desc val="Use to show non-sequential or grouped chunks of information accompanied by a related visuals. Works best with icons or small pictures with short text captions."/>
+  <dgm:catLst>
+    <dgm:cat type="icon" pri="500"/>
+  </dgm:catLst>
+  <dgm:sampData useDef="1">
+    <dgm:dataModel>
+      <dgm:ptLst/>
+      <dgm:bg/>
+      <dgm:whole/>
+    </dgm:dataModel>
+  </dgm:sampData>
+  <dgm:styleData useDef="1">
+    <dgm:dataModel>
+      <dgm:ptLst/>
+      <dgm:bg/>
+      <dgm:whole/>
+    </dgm:dataModel>
+  </dgm:styleData>
+  <dgm:clrData useDef="1">
+    <dgm:dataModel>
+      <dgm:ptLst/>
+      <dgm:bg/>
+      <dgm:whole/>
+    </dgm:dataModel>
+  </dgm:clrData>
+  <dgm:layoutNode name="root">
+    <dgm:varLst>
+      <dgm:dir/>
+      <dgm:resizeHandles val="exact"/>
+    </dgm:varLst>
+    <dgm:choose name="Name0">
+      <dgm:if name="Name1" axis="self" func="var" arg="dir" op="equ" val="norm">
+        <dgm:alg type="snake">
+          <dgm:param type="grDir" val="tL"/>
+          <dgm:param type="flowDir" val="row"/>
+          <dgm:param type="contDir" val="sameDir"/>
+          <dgm:param type="off" val="ctr"/>
+          <dgm:param type="vertAlign" val="mid"/>
+          <dgm:param type="horzAlign" val="ctr"/>
+        </dgm:alg>
+      </dgm:if>
+      <dgm:else name="Name2">
+        <dgm:alg type="snake">
+          <dgm:param type="grDir" val="tR"/>
+          <dgm:param type="flowDir" val="row"/>
+          <dgm:param type="contDir" val="sameDir"/>
+          <dgm:param type="off" val="ctr"/>
+          <dgm:param type="vertAlign" val="mid"/>
+          <dgm:param type="horzAlign" val="ctr"/>
+        </dgm:alg>
+      </dgm:else>
+    </dgm:choose>
+    <dgm:shape xmlns:r="http://schemas.openxmlformats.org/officeDocument/2006/relationships" r:blip="">
+      <dgm:adjLst/>
+    </dgm:shape>
+    <dgm:presOf/>
+    <dgm:choose name="Name3">
+      <dgm:if name="Name4" axis="ch" ptType="node" func="cnt" op="lte" val="2">
+        <dgm:constrLst>
+          <dgm:constr type="h" for="ch" forName="compNode" refType="h" fact="0.4"/>
+          <dgm:constr type="w" for="ch" forName="compNode" val="120"/>
+          <dgm:constr type="w" for="ch" forName="sibTrans" refType="w" refFor="ch" refForName="compNode" fact="0.175"/>
+          <dgm:constr type="sp" refType="w" refFor="ch" refForName="compNode" op="equ" fact="0.25"/>
+          <dgm:constr type="primFontSz" for="des" ptType="node" op="equ" val="50"/>
+          <dgm:constr type="h" for="des" forName="compNode" op="equ"/>
+          <dgm:constr type="h" for="des" forName="textRect" op="equ"/>
+        </dgm:constrLst>
+      </dgm:if>
+      <dgm:if name="Name5" axis="ch" ptType="node" func="cnt" op="lte" val="4">
+        <dgm:constrLst>
+          <dgm:constr type="h" for="ch" forName="compNode" refType="h" fact="0.4"/>
+          <dgm:constr type="w" for="ch" forName="compNode" refType="w"/>
+          <dgm:constr type="w" for="ch" forName="sibTrans" refType="w" refFor="ch" refForName="compNode" fact="0.175"/>
+          <dgm:constr type="sp" refType="w" refFor="ch" refForName="compNode" op="equ" fact="0.25"/>
+          <dgm:constr type="primFontSz" for="des" ptType="node" op="equ" val="36"/>
+          <dgm:constr type="h" for="des" forName="compNode" op="equ"/>
+          <dgm:constr type="h" for="des" forName="textRect" op="equ"/>
+        </dgm:constrLst>
+      </dgm:if>
+      <dgm:else name="Name6">
+        <dgm:constrLst>
+          <dgm:constr type="h" for="ch" forName="compNode" refType="h" fact="0.4"/>
+          <dgm:constr type="w" for="ch" forName="compNode" refType="w"/>
+          <dgm:constr type="w" for="ch" forName="sibTrans" refType="w" refFor="ch" refForName="compNode" fact="0.175"/>
+          <dgm:constr type="sp" refType="w" refFor="ch" refForName="compNode" op="equ" fact="0.25"/>
+          <dgm:constr type="primFontSz" for="des" ptType="node" op="equ" val="24"/>
+          <dgm:constr type="h" for="des" forName="compNode" op="equ"/>
+          <dgm:constr type="h" for="des" forName="textRect" op="equ"/>
+        </dgm:constrLst>
+      </dgm:else>
+    </dgm:choose>
+    <dgm:ruleLst>
+      <dgm:rule type="w" for="ch" forName="compNode" val="50" fact="NaN" max="NaN"/>
+    </dgm:ruleLst>
+    <dgm:forEach name="Name7" axis="ch" ptType="node">
+      <dgm:layoutNode name="compNode">
+        <dgm:alg type="composite"/>
+        <dgm:shape xmlns:r="http://schemas.openxmlformats.org/officeDocument/2006/relationships" r:blip="">
+          <dgm:adjLst/>
+        </dgm:shape>
+        <dgm:presOf axis="self"/>
+        <dgm:constrLst>
+          <dgm:constr type="w" for="ch" forName="iconRect" refType="w" fact="0.45"/>
+          <dgm:constr type="h" for="ch" forName="iconRect" refType="w" refFor="ch" refForName="iconRect"/>
+          <dgm:constr type="ctrX" for="ch" forName="iconRect" refType="w" fact="0.5"/>
+          <dgm:constr type="t" for="ch" forName="iconRect"/>
+          <dgm:constr type="h" for="ch" forName="spaceRect" refType="h" fact="0.15"/>
+          <dgm:constr type="w" for="ch" forName="spaceRect" refType="w"/>
+          <dgm:constr type="l" for="ch" forName="spaceRect"/>
+          <dgm:constr type="t" for="ch" forName="spaceRect" refType="b" refFor="ch" refForName="iconRect"/>
+          <dgm:constr type="h" for="ch" forName="textRect" val="20"/>
+          <dgm:constr type="w" for="ch" forName="textRect" refType="w"/>
+          <dgm:constr type="l" for="ch" forName="textRect"/>
+          <dgm:constr type="t" for="ch" forName="textRect" refType="b" refFor="ch" refForName="spaceRect"/>
+        </dgm:constrLst>
+        <dgm:ruleLst>
+          <dgm:rule type="h" val="INF" fact="NaN" max="NaN"/>
+        </dgm:ruleLst>
+        <dgm:layoutNode name="iconRect" styleLbl="node1">
+          <dgm:alg type="sp"/>
+          <dgm:shape xmlns:r="http://schemas.openxmlformats.org/officeDocument/2006/relationships" type="rect" r:blip="" blipPhldr="1">
+            <dgm:adjLst/>
+          </dgm:shape>
+          <dgm:presOf/>
+          <dgm:constrLst/>
+          <dgm:ruleLst/>
+        </dgm:layoutNode>
+        <dgm:layoutNode name="spaceRect">
+          <dgm:alg type="sp"/>
+          <dgm:shape xmlns:r="http://schemas.openxmlformats.org/officeDocument/2006/relationships" r:blip="">
+            <dgm:adjLst/>
+          </dgm:shape>
+          <dgm:presOf/>
+          <dgm:constrLst/>
+          <dgm:ruleLst/>
+        </dgm:layoutNode>
+        <dgm:layoutNode name="textRect" styleLbl="revTx">
+          <dgm:varLst>
+            <dgm:chMax val="1"/>
+            <dgm:chPref val="1"/>
+          </dgm:varLst>
+          <dgm:alg type="tx">
+            <dgm:param type="txAnchorVert" val="t"/>
+          </dgm:alg>
+          <dgm:shape xmlns:r="http://schemas.openxmlformats.org/officeDocument/2006/relationships" type="rect" r:blip="">
+            <dgm:adjLst/>
+          </dgm:shape>
+          <dgm:presOf axis="self" ptType="node"/>
+          <dgm:constrLst>
+            <dgm:constr type="lMarg"/>
+            <dgm:constr type="rMarg"/>
+            <dgm:constr type="tMarg"/>
+            <dgm:constr type="bMarg"/>
+          </dgm:constrLst>
+          <dgm:ruleLst>
+            <dgm:rule type="primFontSz" val="11" fact="NaN" max="NaN"/>
+            <dgm:rule type="h" val="INF" fact="NaN" max="NaN"/>
+          </dgm:ruleLst>
+        </dgm:layoutNode>
+      </dgm:layoutNode>
+      <dgm:forEach name="Name8" axis="followSib" ptType="sibTrans" cnt="1">
+        <dgm:layoutNode name="sibTrans">
+          <dgm:alg type="sp"/>
+          <dgm:shape xmlns:r="http://schemas.openxmlformats.org/officeDocument/2006/relationships" r:blip="">
+            <dgm:adjLst/>
+          </dgm:shape>
+          <dgm:presOf axis="self"/>
+          <dgm:constrLst/>
+          <dgm:ruleLst/>
+        </dgm:layoutNode>
+      </dgm:forEach>
+    </dgm:forEach>
+  </dgm:layoutNode>
+  <dgm:extLst>
+    <a:ext uri="{68A01E43-0DF5-4B5B-8FA6-DAF915123BFB}">
+      <dgm1612:lstStyle xmlns:dgm1612="http://schemas.microsoft.com/office/drawing/2016/12/diagram">
+        <a:lvl1pPr>
+          <a:lnSpc>
+            <a:spcPct val="100000"/>
+          </a:lnSpc>
+        </a:lvl1pPr>
+      </dgm1612:lstStyle>
+    </a:ext>
+  </dgm:extLst>
+</dgm:layoutDef>
+</file>
+
+<file path=ppt/diagrams/quickStyle1.xml><?xml version="1.0" encoding="utf-8"?>
+<dgm:styleDef xmlns:dgm="http://schemas.openxmlformats.org/drawingml/2006/diagram" xmlns:a="http://schemas.openxmlformats.org/drawingml/2006/main" uniqueId="urn:microsoft.com/office/officeart/2005/8/quickstyle/simple1">
+  <dgm:title val=""/>
+  <dgm:desc val=""/>
+  <dgm:catLst>
+    <dgm:cat type="simple" pri="10100"/>
+  </dgm:catLst>
+  <dgm:scene3d>
+    <a:camera prst="orthographicFront"/>
+    <a:lightRig rig="threePt" dir="t"/>
+  </dgm:scene3d>
+  <dgm:styleLbl name="node0">
+    <dgm:scene3d>
+      <a:camera prst="orthographicFront"/>
+      <a:lightRig rig="threePt" dir="t"/>
+    </dgm:scene3d>
+    <dgm:sp3d/>
+    <dgm:txPr/>
+    <dgm:style>
+      <a:lnRef idx="2">
+        <a:scrgbClr r="0" g="0" b="0"/>
+      </a:lnRef>
+      <a:fillRef idx="1">
+        <a:scrgbClr r="0" g="0" b="0"/>
+      </a:fillRef>
+      <a:effectRef idx="0">
+        <a:scrgbClr r="0" g="0" b="0"/>
+      </a:effectRef>
+      <a:fontRef idx="minor">
+        <a:schemeClr val="lt1"/>
+      </a:fontRef>
+    </dgm:style>
+  </dgm:styleLbl>
+  <dgm:styleLbl name="lnNode1">
+    <dgm:scene3d>
+      <a:camera prst="orthographicFront"/>
+      <a:lightRig rig="threePt" dir="t"/>
+    </dgm:scene3d>
+    <dgm:sp3d/>
+    <dgm:txPr/>
+    <dgm:style>
+      <a:lnRef idx="2">
+        <a:scrgbClr r="0" g="0" b="0"/>
+      </a:lnRef>
+      <a:fillRef idx="1">
+        <a:scrgbClr r="0" g="0" b="0"/>
+      </a:fillRef>
+      <a:effectRef idx="0">
+        <a:scrgbClr r="0" g="0" b="0"/>
+      </a:effectRef>
+      <a:fontRef idx="minor">
+        <a:schemeClr val="lt1"/>
+      </a:fontRef>
+    </dgm:style>
+  </dgm:styleLbl>
+  <dgm:styleLbl name="vennNode1">
+    <dgm:scene3d>
+      <a:camera prst="orthographicFront"/>
+      <a:lightRig rig="threePt" dir="t"/>
+    </dgm:scene3d>
+    <dgm:sp3d/>
+    <dgm:txPr/>
+    <dgm:style>
+      <a:lnRef idx="2">
+        <a:scrgbClr r="0" g="0" b="0"/>
+      </a:lnRef>
+      <a:fillRef idx="1">
+        <a:scrgbClr r="0" g="0" b="0"/>
+      </a:fillRef>
+      <a:effectRef idx="0">
+        <a:scrgbClr r="0" g="0" b="0"/>
+      </a:effectRef>
+      <a:fontRef idx="minor">
+        <a:schemeClr val="tx1"/>
+      </a:fontRef>
+    </dgm:style>
+  </dgm:styleLbl>
+  <dgm:styleLbl name="alignNode1">
+    <dgm:scene3d>
+      <a:camera prst="orthographicFront"/>
+      <a:lightRig rig="threePt" dir="t"/>
+    </dgm:scene3d>
+    <dgm:sp3d/>
+    <dgm:txPr/>
+    <dgm:style>
+      <a:lnRef idx="2">
+        <a:scrgbClr r="0" g="0" b="0"/>
+      </a:lnRef>
+      <a:fillRef idx="1">
+        <a:scrgbClr r="0" g="0" b="0"/>
+      </a:fillRef>
+      <a:effectRef idx="0">
+        <a:scrgbClr r="0" g="0" b="0"/>
+      </a:effectRef>
+      <a:fontRef idx="minor">
+        <a:schemeClr val="lt1"/>
+      </a:fontRef>
+    </dgm:style>
+  </dgm:styleLbl>
+  <dgm:styleLbl name="node1">
+    <dgm:scene3d>
+      <a:camera prst="orthographicFront"/>
+      <a:lightRig rig="threePt" dir="t"/>
+    </dgm:scene3d>
+    <dgm:sp3d/>
+    <dgm:txPr/>
+    <dgm:style>
+      <a:lnRef idx="2">
+        <a:scrgbClr r="0" g="0" b="0"/>
+      </a:lnRef>
+      <a:fillRef idx="1">
+        <a:scrgbClr r="0" g="0" b="0"/>
+      </a:fillRef>
+      <a:effectRef idx="0">
+        <a:scrgbClr r="0" g="0" b="0"/>
+      </a:effectRef>
+      <a:fontRef idx="minor">
+        <a:schemeClr val="lt1"/>
+      </a:fontRef>
+    </dgm:style>
+  </dgm:styleLbl>
+  <dgm:styleLbl name="node2">
+    <dgm:scene3d>
+      <a:camera prst="orthographicFront"/>
+      <a:lightRig rig="threePt" dir="t"/>
+    </dgm:scene3d>
+    <dgm:sp3d/>
+    <dgm:txPr/>
+    <dgm:style>
+      <a:lnRef idx="2">
+        <a:scrgbClr r="0" g="0" b="0"/>
+      </a:lnRef>
+      <a:fillRef idx="1">
+        <a:scrgbClr r="0" g="0" b="0"/>
+      </a:fillRef>
+      <a:effectRef idx="0">
+        <a:scrgbClr r="0" g="0" b="0"/>
+      </a:effectRef>
+      <a:fontRef idx="minor">
+        <a:schemeClr val="lt1"/>
+      </a:fontRef>
+    </dgm:style>
+  </dgm:styleLbl>
+  <dgm:styleLbl name="node3">
+    <dgm:scene3d>
+      <a:camera prst="orthographicFront"/>
+      <a:lightRig rig="threePt" dir="t"/>
+    </dgm:scene3d>
+    <dgm:sp3d/>
+    <dgm:txPr/>
+    <dgm:style>
+      <a:lnRef idx="2">
+        <a:scrgbClr r="0" g="0" b="0"/>
+      </a:lnRef>
+      <a:fillRef idx="1">
+        <a:scrgbClr r="0" g="0" b="0"/>
+      </a:fillRef>
+      <a:effectRef idx="0">
+        <a:scrgbClr r="0" g="0" b="0"/>
+      </a:effectRef>
+      <a:fontRef idx="minor">
+        <a:schemeClr val="lt1"/>
+      </a:fontRef>
+    </dgm:style>
+  </dgm:styleLbl>
+  <dgm:styleLbl name="node4">
+    <dgm:scene3d>
+      <a:camera prst="orthographicFront"/>
+      <a:lightRig rig="threePt" dir="t"/>
+    </dgm:scene3d>
+    <dgm:sp3d/>
+    <dgm:txPr/>
+    <dgm:style>
+      <a:lnRef idx="2">
+        <a:scrgbClr r="0" g="0" b="0"/>
+      </a:lnRef>
+      <a:fillRef idx="1">
+        <a:scrgbClr r="0" g="0" b="0"/>
+      </a:fillRef>
+      <a:effectRef idx="0">
+        <a:scrgbClr r="0" g="0" b="0"/>
+      </a:effectRef>
+      <a:fontRef idx="minor">
+        <a:schemeClr val="lt1"/>
+      </a:fontRef>
+    </dgm:style>
+  </dgm:styleLbl>
+  <dgm:styleLbl name="fgImgPlace1">
+    <dgm:scene3d>
+      <a:camera prst="orthographicFront"/>
+      <a:lightRig rig="threePt" dir="t"/>
+    </dgm:scene3d>
+    <dgm:sp3d/>
+    <dgm:txPr/>
+    <dgm:style>
+      <a:lnRef idx="2">
+        <a:scrgbClr r="0" g="0" b="0"/>
+      </a:lnRef>
+      <a:fillRef idx="1">
+        <a:scrgbClr r="0" g="0" b="0"/>
+      </a:fillRef>
+      <a:effectRef idx="0">
+        <a:scrgbClr r="0" g="0" b="0"/>
+      </a:effectRef>
+      <a:fontRef idx="minor"/>
+    </dgm:style>
+  </dgm:styleLbl>
+  <dgm:styleLbl name="alignImgPlace1">
+    <dgm:scene3d>
+      <a:camera prst="orthographicFront"/>
+      <a:lightRig rig="threePt" dir="t"/>
+    </dgm:scene3d>
+    <dgm:sp3d/>
+    <dgm:txPr/>
+    <dgm:style>
+      <a:lnRef idx="2">
+        <a:scrgbClr r="0" g="0" b="0"/>
+      </a:lnRef>
+      <a:fillRef idx="1">
+        <a:scrgbClr r="0" g="0" b="0"/>
+      </a:fillRef>
+      <a:effectRef idx="0">
+        <a:scrgbClr r="0" g="0" b="0"/>
+      </a:effectRef>
+      <a:fontRef idx="minor"/>
+    </dgm:style>
+  </dgm:styleLbl>
+  <dgm:styleLbl name="bgImgPlace1">
+    <dgm:scene3d>
+      <a:camera prst="orthographicFront"/>
+      <a:lightRig rig="threePt" dir="t"/>
+    </dgm:scene3d>
+    <dgm:sp3d/>
+    <dgm:txPr/>
+    <dgm:style>
+      <a:lnRef idx="2">
+        <a:scrgbClr r="0" g="0" b="0"/>
+      </a:lnRef>
+      <a:fillRef idx="1">
+        <a:scrgbClr r="0" g="0" b="0"/>
+      </a:fillRef>
+      <a:effectRef idx="0">
+        <a:scrgbClr r="0" g="0" b="0"/>
+      </a:effectRef>
+      <a:fontRef idx="minor"/>
+    </dgm:style>
+  </dgm:styleLbl>
+  <dgm:styleLbl name="sibTrans2D1">
+    <dgm:scene3d>
+      <a:camera prst="orthographicFront"/>
+      <a:lightRig rig="threePt" dir="t"/>
+    </dgm:scene3d>
+    <dgm:sp3d/>
+    <dgm:txPr/>
+    <dgm:style>
+      <a:lnRef idx="0">
+        <a:scrgbClr r="0" g="0" b="0"/>
+      </a:lnRef>
+      <a:fillRef idx="1">
+        <a:scrgbClr r="0" g="0" b="0"/>
+      </a:fillRef>
+      <a:effectRef idx="0">
+        <a:scrgbClr r="0" g="0" b="0"/>
+      </a:effectRef>
+      <a:fontRef idx="minor">
+        <a:schemeClr val="lt1"/>
+      </a:fontRef>
+    </dgm:style>
+  </dgm:styleLbl>
+  <dgm:styleLbl name="fgSibTrans2D1">
+    <dgm:scene3d>
+      <a:camera prst="orthographicFront"/>
+      <a:lightRig rig="threePt" dir="t"/>
+    </dgm:scene3d>
+    <dgm:sp3d/>
+    <dgm:txPr/>
+    <dgm:style>
+      <a:lnRef idx="0">
+        <a:scrgbClr r="0" g="0" b="0"/>
+      </a:lnRef>
+      <a:fillRef idx="1">
+        <a:scrgbClr r="0" g="0" b="0"/>
+      </a:fillRef>
+      <a:effectRef idx="0">
+        <a:scrgbClr r="0" g="0" b="0"/>
+      </a:effectRef>
+      <a:fontRef idx="minor">
+        <a:schemeClr val="lt1"/>
+      </a:fontRef>
+    </dgm:style>
+  </dgm:styleLbl>
+  <dgm:styleLbl name="bgSibTrans2D1">
+    <dgm:scene3d>
+      <a:camera prst="orthographicFront"/>
+      <a:lightRig rig="threePt" dir="t"/>
+    </dgm:scene3d>
+    <dgm:sp3d/>
+    <dgm:txPr/>
+    <dgm:style>
+      <a:lnRef idx="0">
+        <a:scrgbClr r="0" g="0" b="0"/>
+      </a:lnRef>
+      <a:fillRef idx="1">
+        <a:scrgbClr r="0" g="0" b="0"/>
+      </a:fillRef>
+      <a:effectRef idx="0">
+        <a:scrgbClr r="0" g="0" b="0"/>
+      </a:effectRef>
+      <a:fontRef idx="minor">
+        <a:schemeClr val="lt1"/>
+      </a:fontRef>
+    </dgm:style>
+  </dgm:styleLbl>
+  <dgm:styleLbl name="sibTrans1D1">
+    <dgm:scene3d>
+      <a:camera prst="orthographicFront"/>
+      <a:lightRig rig="threePt" dir="t"/>
+    </dgm:scene3d>
+    <dgm:sp3d/>
+    <dgm:txPr/>
+    <dgm:style>
+      <a:lnRef idx="1">
+        <a:scrgbClr r="0" g="0" b="0"/>
+      </a:lnRef>
+      <a:fillRef idx="0">
+        <a:scrgbClr r="0" g="0" b="0"/>
+      </a:fillRef>
+      <a:effectRef idx="0">
+        <a:scrgbClr r="0" g="0" b="0"/>
+      </a:effectRef>
+      <a:fontRef idx="minor"/>
+    </dgm:style>
+  </dgm:styleLbl>
+  <dgm:styleLbl name="callout">
+    <dgm:scene3d>
+      <a:camera prst="orthographicFront"/>
+      <a:lightRig rig="threePt" dir="t"/>
+    </dgm:scene3d>
+    <dgm:sp3d/>
+    <dgm:txPr/>
+    <dgm:style>
+      <a:lnRef idx="2">
+        <a:scrgbClr r="0" g="0" b="0"/>
+      </a:lnRef>
+      <a:fillRef idx="1">
+        <a:scrgbClr r="0" g="0" b="0"/>
+      </a:fillRef>
+      <a:effectRef idx="0">
+        <a:scrgbClr r="0" g="0" b="0"/>
+      </a:effectRef>
+      <a:fontRef idx="minor"/>
+    </dgm:style>
+  </dgm:styleLbl>
+  <dgm:styleLbl name="asst0">
+    <dgm:scene3d>
+      <a:camera prst="orthographicFront"/>
+      <a:lightRig rig="threePt" dir="t"/>
+    </dgm:scene3d>
+    <dgm:sp3d/>
+    <dgm:txPr/>
+    <dgm:style>
+      <a:lnRef idx="2">
+        <a:scrgbClr r="0" g="0" b="0"/>
+      </a:lnRef>
+      <a:fillRef idx="1">
+        <a:scrgbClr r="0" g="0" b="0"/>
+      </a:fillRef>
+      <a:effectRef idx="0">
+        <a:scrgbClr r="0" g="0" b="0"/>
+      </a:effectRef>
+      <a:fontRef idx="minor">
+        <a:schemeClr val="lt1"/>
+      </a:fontRef>
+    </dgm:style>
+  </dgm:styleLbl>
+  <dgm:styleLbl name="asst1">
+    <dgm:scene3d>
+      <a:camera prst="orthographicFront"/>
+      <a:lightRig rig="threePt" dir="t"/>
+    </dgm:scene3d>
+    <dgm:sp3d/>
+    <dgm:txPr/>
+    <dgm:style>
+      <a:lnRef idx="2">
+        <a:scrgbClr r="0" g="0" b="0"/>
+      </a:lnRef>
+      <a:fillRef idx="1">
+        <a:scrgbClr r="0" g="0" b="0"/>
+      </a:fillRef>
+      <a:effectRef idx="0">
+        <a:scrgbClr r="0" g="0" b="0"/>
+      </a:effectRef>
+      <a:fontRef idx="minor">
+        <a:schemeClr val="lt1"/>
+      </a:fontRef>
+    </dgm:style>
+  </dgm:styleLbl>
+  <dgm:styleLbl name="asst2">
+    <dgm:scene3d>
+      <a:camera prst="orthographicFront"/>
+      <a:lightRig rig="threePt" dir="t"/>
+    </dgm:scene3d>
+    <dgm:sp3d/>
+    <dgm:txPr/>
+    <dgm:style>
+      <a:lnRef idx="2">
+        <a:scrgbClr r="0" g="0" b="0"/>
+      </a:lnRef>
+      <a:fillRef idx="1">
+        <a:scrgbClr r="0" g="0" b="0"/>
+      </a:fillRef>
+      <a:effectRef idx="0">
+        <a:scrgbClr r="0" g="0" b="0"/>
+      </a:effectRef>
+      <a:fontRef idx="minor">
+        <a:schemeClr val="lt1"/>
+      </a:fontRef>
+    </dgm:style>
+  </dgm:styleLbl>
+  <dgm:styleLbl name="asst3">
+    <dgm:scene3d>
+      <a:camera prst="orthographicFront"/>
+      <a:lightRig rig="threePt" dir="t"/>
+    </dgm:scene3d>
+    <dgm:sp3d/>
+    <dgm:txPr/>
+    <dgm:style>
+      <a:lnRef idx="2">
+        <a:scrgbClr r="0" g="0" b="0"/>
+      </a:lnRef>
+      <a:fillRef idx="1">
+        <a:scrgbClr r="0" g="0" b="0"/>
+      </a:fillRef>
+      <a:effectRef idx="0">
+        <a:scrgbClr r="0" g="0" b="0"/>
+      </a:effectRef>
+      <a:fontRef idx="minor">
+        <a:schemeClr val="lt1"/>
+      </a:fontRef>
+    </dgm:style>
+  </dgm:styleLbl>
+  <dgm:styleLbl name="asst4">
+    <dgm:scene3d>
+      <a:camera prst="orthographicFront"/>
+      <a:lightRig rig="threePt" dir="t"/>
+    </dgm:scene3d>
+    <dgm:sp3d/>
+    <dgm:txPr/>
+    <dgm:style>
+      <a:lnRef idx="2">
+        <a:scrgbClr r="0" g="0" b="0"/>
+      </a:lnRef>
+      <a:fillRef idx="1">
+        <a:scrgbClr r="0" g="0" b="0"/>
+      </a:fillRef>
+      <a:effectRef idx="0">
+        <a:scrgbClr r="0" g="0" b="0"/>
+      </a:effectRef>
+      <a:fontRef idx="minor">
+        <a:schemeClr val="lt1"/>
+      </a:fontRef>
+    </dgm:style>
+  </dgm:styleLbl>
+  <dgm:styleLbl name="parChTrans2D1">
+    <dgm:scene3d>
+      <a:camera prst="orthographicFront"/>
+      <a:lightRig rig="threePt" dir="t"/>
+    </dgm:scene3d>
+    <dgm:sp3d/>
+    <dgm:txPr/>
+    <dgm:style>
+      <a:lnRef idx="2">
+        <a:scrgbClr r="0" g="0" b="0"/>
+      </a:lnRef>
+      <a:fillRef idx="1">
+        <a:scrgbClr r="0" g="0" b="0"/>
+      </a:fillRef>
+      <a:effectRef idx="0">
+        <a:scrgbClr r="0" g="0" b="0"/>
+      </a:effectRef>
+      <a:fontRef idx="minor">
+        <a:schemeClr val="lt1"/>
+      </a:fontRef>
+    </dgm:style>
+  </dgm:styleLbl>
+  <dgm:styleLbl name="parChTrans2D2">
+    <dgm:scene3d>
+      <a:camera prst="orthographicFront"/>
+      <a:lightRig rig="threePt" dir="t"/>
+    </dgm:scene3d>
+    <dgm:sp3d/>
+    <dgm:txPr/>
+    <dgm:style>
+      <a:lnRef idx="2">
+        <a:scrgbClr r="0" g="0" b="0"/>
+      </a:lnRef>
+      <a:fillRef idx="1">
+        <a:scrgbClr r="0" g="0" b="0"/>
+      </a:fillRef>
+      <a:effectRef idx="0">
+        <a:scrgbClr r="0" g="0" b="0"/>
+      </a:effectRef>
+      <a:fontRef idx="minor">
+        <a:schemeClr val="lt1"/>
+      </a:fontRef>
+    </dgm:style>
+  </dgm:styleLbl>
+  <dgm:styleLbl name="parChTrans2D3">
+    <dgm:scene3d>
+      <a:camera prst="orthographicFront"/>
+      <a:lightRig rig="threePt" dir="t"/>
+    </dgm:scene3d>
+    <dgm:sp3d/>
+    <dgm:txPr/>
+    <dgm:style>
+      <a:lnRef idx="2">
+        <a:scrgbClr r="0" g="0" b="0"/>
+      </a:lnRef>
+      <a:fillRef idx="1">
+        <a:scrgbClr r="0" g="0" b="0"/>
+      </a:fillRef>
+      <a:effectRef idx="0">
+        <a:scrgbClr r="0" g="0" b="0"/>
+      </a:effectRef>
+      <a:fontRef idx="minor">
+        <a:schemeClr val="lt1"/>
+      </a:fontRef>
+    </dgm:style>
+  </dgm:styleLbl>
+  <dgm:styleLbl name="parChTrans2D4">
+    <dgm:scene3d>
+      <a:camera prst="orthographicFront"/>
+      <a:lightRig rig="threePt" dir="t"/>
+    </dgm:scene3d>
+    <dgm:sp3d/>
+    <dgm:txPr/>
+    <dgm:style>
+      <a:lnRef idx="2">
+        <a:scrgbClr r="0" g="0" b="0"/>
+      </a:lnRef>
+      <a:fillRef idx="1">
+        <a:scrgbClr r="0" g="0" b="0"/>
+      </a:fillRef>
+      <a:effectRef idx="0">
+        <a:scrgbClr r="0" g="0" b="0"/>
+      </a:effectRef>
+      <a:fontRef idx="minor">
+        <a:schemeClr val="lt1"/>
+      </a:fontRef>
+    </dgm:style>
+  </dgm:styleLbl>
+  <dgm:styleLbl name="parChTrans1D1">
+    <dgm:scene3d>
+      <a:camera prst="orthographicFront"/>
+      <a:lightRig rig="threePt" dir="t"/>
+    </dgm:scene3d>
+    <dgm:sp3d/>
+    <dgm:txPr/>
+    <dgm:style>
+      <a:lnRef idx="2">
+        <a:scrgbClr r="0" g="0" b="0"/>
+      </a:lnRef>
+      <a:fillRef idx="0">
+        <a:scrgbClr r="0" g="0" b="0"/>
+      </a:fillRef>
+      <a:effectRef idx="0">
+        <a:scrgbClr r="0" g="0" b="0"/>
+      </a:effectRef>
+      <a:fontRef idx="minor"/>
+    </dgm:style>
+  </dgm:styleLbl>
+  <dgm:styleLbl name="parChTrans1D2">
+    <dgm:scene3d>
+      <a:camera prst="orthographicFront"/>
+      <a:lightRig rig="threePt" dir="t"/>
+    </dgm:scene3d>
+    <dgm:sp3d/>
+    <dgm:txPr/>
+    <dgm:style>
+      <a:lnRef idx="2">
+        <a:scrgbClr r="0" g="0" b="0"/>
+      </a:lnRef>
+      <a:fillRef idx="0">
+        <a:scrgbClr r="0" g="0" b="0"/>
+      </a:fillRef>
+      <a:effectRef idx="0">
+        <a:scrgbClr r="0" g="0" b="0"/>
+      </a:effectRef>
+      <a:fontRef idx="minor"/>
+    </dgm:style>
+  </dgm:styleLbl>
+  <dgm:styleLbl name="parChTrans1D3">
+    <dgm:scene3d>
+      <a:camera prst="orthographicFront"/>
+      <a:lightRig rig="threePt" dir="t"/>
+    </dgm:scene3d>
+    <dgm:sp3d/>
+    <dgm:txPr/>
+    <dgm:style>
+      <a:lnRef idx="2">
+        <a:scrgbClr r="0" g="0" b="0"/>
+      </a:lnRef>
+      <a:fillRef idx="0">
+        <a:scrgbClr r="0" g="0" b="0"/>
+      </a:fillRef>
+      <a:effectRef idx="0">
+        <a:scrgbClr r="0" g="0" b="0"/>
+      </a:effectRef>
+      <a:fontRef idx="minor"/>
+    </dgm:style>
+  </dgm:styleLbl>
+  <dgm:styleLbl name="parChTrans1D4">
+    <dgm:scene3d>
+      <a:camera prst="orthographicFront"/>
+      <a:lightRig rig="threePt" dir="t"/>
+    </dgm:scene3d>
+    <dgm:sp3d/>
+    <dgm:txPr/>
+    <dgm:style>
+      <a:lnRef idx="2">
+        <a:scrgbClr r="0" g="0" b="0"/>
+      </a:lnRef>
+      <a:fillRef idx="0">
+        <a:scrgbClr r="0" g="0" b="0"/>
+      </a:fillRef>
+      <a:effectRef idx="0">
+        <a:scrgbClr r="0" g="0" b="0"/>
+      </a:effectRef>
+      <a:fontRef idx="minor"/>
+    </dgm:style>
+  </dgm:styleLbl>
+  <dgm:styleLbl name="fgAcc1">
+    <dgm:scene3d>
+      <a:camera prst="orthographicFront"/>
+      <a:lightRig rig="threePt" dir="t"/>
+    </dgm:scene3d>
+    <dgm:sp3d/>
+    <dgm:txPr/>
+    <dgm:style>
+      <a:lnRef idx="2">
+        <a:scrgbClr r="0" g="0" b="0"/>
+      </a:lnRef>
+      <a:fillRef idx="1">
+        <a:scrgbClr r="0" g="0" b="0"/>
+      </a:fillRef>
+      <a:effectRef idx="0">
+        <a:scrgbClr r="0" g="0" b="0"/>
+      </a:effectRef>
+      <a:fontRef idx="minor"/>
+    </dgm:style>
+  </dgm:styleLbl>
+  <dgm:styleLbl name="conFgAcc1">
+    <dgm:scene3d>
+      <a:camera prst="orthographicFront"/>
+      <a:lightRig rig="threePt" dir="t"/>
+    </dgm:scene3d>
+    <dgm:sp3d/>
+    <dgm:txPr/>
+    <dgm:style>
+      <a:lnRef idx="2">
+        <a:scrgbClr r="0" g="0" b="0"/>
+      </a:lnRef>
+      <a:fillRef idx="1">
+        <a:scrgbClr r="0" g="0" b="0"/>
+      </a:fillRef>
+      <a:effectRef idx="0">
+        <a:scrgbClr r="0" g="0" b="0"/>
+      </a:effectRef>
+      <a:fontRef idx="minor"/>
+    </dgm:style>
+  </dgm:styleLbl>
+  <dgm:styleLbl name="alignAcc1">
+    <dgm:scene3d>
+      <a:camera prst="orthographicFront"/>
+      <a:lightRig rig="threePt" dir="t"/>
+    </dgm:scene3d>
+    <dgm:sp3d/>
+    <dgm:txPr/>
+    <dgm:style>
+      <a:lnRef idx="2">
+        <a:scrgbClr r="0" g="0" b="0"/>
+      </a:lnRef>
+      <a:fillRef idx="1">
+        <a:scrgbClr r="0" g="0" b="0"/>
+      </a:fillRef>
+      <a:effectRef idx="0">
+        <a:scrgbClr r="0" g="0" b="0"/>
+      </a:effectRef>
+      <a:fontRef idx="minor"/>
+    </dgm:style>
+  </dgm:styleLbl>
+  <dgm:styleLbl name="trAlignAcc1">
+    <dgm:scene3d>
+      <a:camera prst="orthographicFront"/>
+      <a:lightRig rig="threePt" dir="t"/>
+    </dgm:scene3d>
+    <dgm:sp3d/>
+    <dgm:txPr/>
+    <dgm:style>
+      <a:lnRef idx="1">
+        <a:scrgbClr r="0" g="0" b="0"/>
+      </a:lnRef>
+      <a:fillRef idx="1">
+        <a:scrgbClr r="0" g="0" b="0"/>
+      </a:fillRef>
+      <a:effectRef idx="0">
+        <a:scrgbClr r="0" g="0" b="0"/>
+      </a:effectRef>
+      <a:fontRef idx="minor"/>
+    </dgm:style>
+  </dgm:styleLbl>
+  <dgm:styleLbl name="bgAcc1">
+    <dgm:scene3d>
+      <a:camera prst="orthographicFront"/>
+      <a:lightRig rig="threePt" dir="t"/>
+    </dgm:scene3d>
+    <dgm:sp3d/>
+    <dgm:txPr/>
+    <dgm:style>
+      <a:lnRef idx="2">
+        <a:scrgbClr r="0" g="0" b="0"/>
+      </a:lnRef>
+      <a:fillRef idx="1">
+        <a:scrgbClr r="0" g="0" b="0"/>
+      </a:fillRef>
+      <a:effectRef idx="0">
+        <a:scrgbClr r="0" g="0" b="0"/>
+      </a:effectRef>
+      <a:fontRef idx="minor"/>
+    </dgm:style>
+  </dgm:styleLbl>
+  <dgm:styleLbl name="solidFgAcc1">
+    <dgm:scene3d>
+      <a:camera prst="orthographicFront"/>
+      <a:lightRig rig="threePt" dir="t"/>
+    </dgm:scene3d>
+    <dgm:sp3d/>
+    <dgm:txPr/>
+    <dgm:style>
+      <a:lnRef idx="2">
+        <a:scrgbClr r="0" g="0" b="0"/>
+      </a:lnRef>
+      <a:fillRef idx="1">
+        <a:scrgbClr r="0" g="0" b="0"/>
+      </a:fillRef>
+      <a:effectRef idx="0">
+        <a:scrgbClr r="0" g="0" b="0"/>
+      </a:effectRef>
+      <a:fontRef idx="minor"/>
+    </dgm:style>
+  </dgm:styleLbl>
+  <dgm:styleLbl name="solidAlignAcc1">
+    <dgm:scene3d>
+      <a:camera prst="orthographicFront"/>
+      <a:lightRig rig="threePt" dir="t"/>
+    </dgm:scene3d>
+    <dgm:sp3d/>
+    <dgm:txPr/>
+    <dgm:style>
+      <a:lnRef idx="2">
+        <a:scrgbClr r="0" g="0" b="0"/>
+      </a:lnRef>
+      <a:fillRef idx="1">
+        <a:scrgbClr r="0" g="0" b="0"/>
+      </a:fillRef>
+      <a:effectRef idx="0">
+        <a:scrgbClr r="0" g="0" b="0"/>
+      </a:effectRef>
+      <a:fontRef idx="minor"/>
+    </dgm:style>
+  </dgm:styleLbl>
+  <dgm:styleLbl name="solidBgAcc1">
+    <dgm:scene3d>
+      <a:camera prst="orthographicFront"/>
+      <a:lightRig rig="threePt" dir="t"/>
+    </dgm:scene3d>
+    <dgm:sp3d/>
+    <dgm:txPr/>
+    <dgm:style>
+      <a:lnRef idx="2">
+        <a:scrgbClr r="0" g="0" b="0"/>
+      </a:lnRef>
+      <a:fillRef idx="1">
+        <a:scrgbClr r="0" g="0" b="0"/>
+      </a:fillRef>
+      <a:effectRef idx="0">
+        <a:scrgbClr r="0" g="0" b="0"/>
+      </a:effectRef>
+      <a:fontRef idx="minor"/>
+    </dgm:style>
+  </dgm:styleLbl>
+  <dgm:styleLbl name="fgAccFollowNode1">
+    <dgm:scene3d>
+      <a:camera prst="orthographicFront"/>
+      <a:lightRig rig="threePt" dir="t"/>
+    </dgm:scene3d>
+    <dgm:sp3d/>
+    <dgm:txPr/>
+    <dgm:style>
+      <a:lnRef idx="2">
+        <a:scrgbClr r="0" g="0" b="0"/>
+      </a:lnRef>
+      <a:fillRef idx="1">
+        <a:scrgbClr r="0" g="0" b="0"/>
+      </a:fillRef>
+      <a:effectRef idx="0">
+        <a:scrgbClr r="0" g="0" b="0"/>
+      </a:effectRef>
+      <a:fontRef idx="minor"/>
+    </dgm:style>
+  </dgm:styleLbl>
+  <dgm:styleLbl name="alignAccFollowNode1">
+    <dgm:scene3d>
+      <a:camera prst="orthographicFront"/>
+      <a:lightRig rig="threePt" dir="t"/>
+    </dgm:scene3d>
+    <dgm:sp3d/>
+    <dgm:txPr/>
+    <dgm:style>
+      <a:lnRef idx="2">
+        <a:scrgbClr r="0" g="0" b="0"/>
+      </a:lnRef>
+      <a:fillRef idx="1">
+        <a:scrgbClr r="0" g="0" b="0"/>
+      </a:fillRef>
+      <a:effectRef idx="0">
+        <a:scrgbClr r="0" g="0" b="0"/>
+      </a:effectRef>
+      <a:fontRef idx="minor"/>
+    </dgm:style>
+  </dgm:styleLbl>
+  <dgm:styleLbl name="bgAccFollowNode1">
+    <dgm:scene3d>
+      <a:camera prst="orthographicFront"/>
+      <a:lightRig rig="threePt" dir="t"/>
+    </dgm:scene3d>
+    <dgm:sp3d/>
+    <dgm:txPr/>
+    <dgm:style>
+      <a:lnRef idx="2">
+        <a:scrgbClr r="0" g="0" b="0"/>
+      </a:lnRef>
+      <a:fillRef idx="1">
+        <a:scrgbClr r="0" g="0" b="0"/>
+      </a:fillRef>
+      <a:effectRef idx="0">
+        <a:scrgbClr r="0" g="0" b="0"/>
+      </a:effectRef>
+      <a:fontRef idx="minor"/>
+    </dgm:style>
+  </dgm:styleLbl>
+  <dgm:styleLbl name="fgAcc0">
+    <dgm:scene3d>
+      <a:camera prst="orthographicFront"/>
+      <a:lightRig rig="threePt" dir="t"/>
+    </dgm:scene3d>
+    <dgm:sp3d/>
+    <dgm:txPr/>
+    <dgm:style>
+      <a:lnRef idx="2">
+        <a:scrgbClr r="0" g="0" b="0"/>
+      </a:lnRef>
+      <a:fillRef idx="1">
+        <a:scrgbClr r="0" g="0" b="0"/>
+      </a:fillRef>
+      <a:effectRef idx="0">
+        <a:scrgbClr r="0" g="0" b="0"/>
+      </a:effectRef>
+      <a:fontRef idx="minor"/>
+    </dgm:style>
+  </dgm:styleLbl>
+  <dgm:styleLbl name="fgAcc2">
+    <dgm:scene3d>
+      <a:camera prst="orthographicFront"/>
+      <a:lightRig rig="threePt" dir="t"/>
+    </dgm:scene3d>
+    <dgm:sp3d/>
+    <dgm:txPr/>
+    <dgm:style>
+      <a:lnRef idx="2">
+        <a:scrgbClr r="0" g="0" b="0"/>
+      </a:lnRef>
+      <a:fillRef idx="1">
+        <a:scrgbClr r="0" g="0" b="0"/>
+      </a:fillRef>
+      <a:effectRef idx="0">
+        <a:scrgbClr r="0" g="0" b="0"/>
+      </a:effectRef>
+      <a:fontRef idx="minor"/>
+    </dgm:style>
+  </dgm:styleLbl>
+  <dgm:styleLbl name="fgAcc3">
+    <dgm:scene3d>
+      <a:camera prst="orthographicFront"/>
+      <a:lightRig rig="threePt" dir="t"/>
+    </dgm:scene3d>
+    <dgm:sp3d/>
+    <dgm:txPr/>
+    <dgm:style>
+      <a:lnRef idx="2">
+        <a:scrgbClr r="0" g="0" b="0"/>
+      </a:lnRef>
+      <a:fillRef idx="1">
+        <a:scrgbClr r="0" g="0" b="0"/>
+      </a:fillRef>
+      <a:effectRef idx="0">
+        <a:scrgbClr r="0" g="0" b="0"/>
+      </a:effectRef>
+      <a:fontRef idx="minor"/>
+    </dgm:style>
+  </dgm:styleLbl>
+  <dgm:styleLbl name="fgAcc4">
+    <dgm:scene3d>
+      <a:camera prst="orthographicFront"/>
+      <a:lightRig rig="threePt" dir="t"/>
+    </dgm:scene3d>
+    <dgm:sp3d/>
+    <dgm:txPr/>
+    <dgm:style>
+      <a:lnRef idx="2">
+        <a:scrgbClr r="0" g="0" b="0"/>
+      </a:lnRef>
+      <a:fillRef idx="1">
+        <a:scrgbClr r="0" g="0" b="0"/>
+      </a:fillRef>
+      <a:effectRef idx="0">
+        <a:scrgbClr r="0" g="0" b="0"/>
+      </a:effectRef>
+      <a:fontRef idx="minor"/>
+    </dgm:style>
+  </dgm:styleLbl>
+  <dgm:styleLbl name="bgShp">
+    <dgm:scene3d>
+      <a:camera prst="orthographicFront"/>
+      <a:lightRig rig="threePt" dir="t"/>
+    </dgm:scene3d>
+    <dgm:sp3d/>
+    <dgm:txPr/>
+    <dgm:style>
+      <a:lnRef idx="0">
+        <a:scrgbClr r="0" g="0" b="0"/>
+      </a:lnRef>
+      <a:fillRef idx="1">
+        <a:scrgbClr r="0" g="0" b="0"/>
+      </a:fillRef>
+      <a:effectRef idx="0">
+        <a:scrgbClr r="0" g="0" b="0"/>
+      </a:effectRef>
+      <a:fontRef idx="minor"/>
+    </dgm:style>
+  </dgm:styleLbl>
+  <dgm:styleLbl name="dkBgShp">
+    <dgm:scene3d>
+      <a:camera prst="orthographicFront"/>
+      <a:lightRig rig="threePt" dir="t"/>
+    </dgm:scene3d>
+    <dgm:sp3d/>
+    <dgm:txPr/>
+    <dgm:style>
+      <a:lnRef idx="0">
+        <a:scrgbClr r="0" g="0" b="0"/>
+      </a:lnRef>
+      <a:fillRef idx="1">
+        <a:scrgbClr r="0" g="0" b="0"/>
+      </a:fillRef>
+      <a:effectRef idx="0">
+        <a:scrgbClr r="0" g="0" b="0"/>
+      </a:effectRef>
+      <a:fontRef idx="minor"/>
+    </dgm:style>
+  </dgm:styleLbl>
+  <dgm:styleLbl name="trBgShp">
+    <dgm:scene3d>
+      <a:camera prst="orthographicFront"/>
+      <a:lightRig rig="threePt" dir="t"/>
+    </dgm:scene3d>
+    <dgm:sp3d/>
+    <dgm:txPr/>
+    <dgm:style>
+      <a:lnRef idx="0">
+        <a:scrgbClr r="0" g="0" b="0"/>
+      </a:lnRef>
+      <a:fillRef idx="1">
+        <a:scrgbClr r="0" g="0" b="0"/>
+      </a:fillRef>
+      <a:effectRef idx="0">
+        <a:scrgbClr r="0" g="0" b="0"/>
+      </a:effectRef>
+      <a:fontRef idx="minor"/>
+    </dgm:style>
+  </dgm:styleLbl>
+  <dgm:styleLbl name="fgShp">
+    <dgm:scene3d>
+      <a:camera prst="orthographicFront"/>
+      <a:lightRig rig="threePt" dir="t"/>
+    </dgm:scene3d>
+    <dgm:sp3d/>
+    <dgm:txPr/>
+    <dgm:style>
+      <a:lnRef idx="2">
+        <a:scrgbClr r="0" g="0" b="0"/>
+      </a:lnRef>
+      <a:fillRef idx="1">
+        <a:scrgbClr r="0" g="0" b="0"/>
+      </a:fillRef>
+      <a:effectRef idx="0">
+        <a:scrgbClr r="0" g="0" b="0"/>
+      </a:effectRef>
+      <a:fontRef idx="minor"/>
+    </dgm:style>
+  </dgm:styleLbl>
+  <dgm:styleLbl name="revTx">
+    <dgm:scene3d>
+      <a:camera prst="orthographicFront"/>
+      <a:lightRig rig="threePt" dir="t"/>
+    </dgm:scene3d>
+    <dgm:sp3d/>
+    <dgm:txPr/>
+    <dgm:style>
+      <a:lnRef idx="0">
+        <a:scrgbClr r="0" g="0" b="0"/>
+      </a:lnRef>
+      <a:fillRef idx="0">
+        <a:scrgbClr r="0" g="0" b="0"/>
+      </a:fillRef>
+      <a:effectRef idx="0">
+        <a:scrgbClr r="0" g="0" b="0"/>
+      </a:effectRef>
+      <a:fontRef idx="minor"/>
+    </dgm:style>
+  </dgm:styleLbl>
+</dgm:styleDef>
+</file>
+
 <file path=ppt/slideLayouts/slideLayout1.xml><?xml version="1.0" encoding="utf-8"?>
 <p:sldLayout xmlns:a="http://schemas.openxmlformats.org/drawingml/2006/main" xmlns:r="http://schemas.openxmlformats.org/officeDocument/2006/relationships" xmlns:p="http://schemas.openxmlformats.org/presentationml/2006/main" type="title" preserve="1">
   <p:cSld name="Diapositive de titre">
@@ -332,7 +2782,7 @@
           <a:p>
             <a:fld id="{12FD87AC-FFD7-43B2-9A99-D0AD1BCEA041}" type="datetimeFigureOut">
               <a:rPr lang="fr-CH" smtClean="0"/>
-              <a:t>30.03.2022</a:t>
+              <a:t>30.03.22</a:t>
             </a:fld>
             <a:endParaRPr lang="fr-CH"/>
           </a:p>
@@ -532,7 +2982,7 @@
           <a:p>
             <a:fld id="{12FD87AC-FFD7-43B2-9A99-D0AD1BCEA041}" type="datetimeFigureOut">
               <a:rPr lang="fr-CH" smtClean="0"/>
-              <a:t>30.03.2022</a:t>
+              <a:t>30.03.22</a:t>
             </a:fld>
             <a:endParaRPr lang="fr-CH"/>
           </a:p>
@@ -742,7 +3192,7 @@
           <a:p>
             <a:fld id="{12FD87AC-FFD7-43B2-9A99-D0AD1BCEA041}" type="datetimeFigureOut">
               <a:rPr lang="fr-CH" smtClean="0"/>
-              <a:t>30.03.2022</a:t>
+              <a:t>30.03.22</a:t>
             </a:fld>
             <a:endParaRPr lang="fr-CH"/>
           </a:p>
@@ -942,7 +3392,7 @@
           <a:p>
             <a:fld id="{12FD87AC-FFD7-43B2-9A99-D0AD1BCEA041}" type="datetimeFigureOut">
               <a:rPr lang="fr-CH" smtClean="0"/>
-              <a:t>30.03.2022</a:t>
+              <a:t>30.03.22</a:t>
             </a:fld>
             <a:endParaRPr lang="fr-CH"/>
           </a:p>
@@ -1218,7 +3668,7 @@
           <a:p>
             <a:fld id="{12FD87AC-FFD7-43B2-9A99-D0AD1BCEA041}" type="datetimeFigureOut">
               <a:rPr lang="fr-CH" smtClean="0"/>
-              <a:t>30.03.2022</a:t>
+              <a:t>30.03.22</a:t>
             </a:fld>
             <a:endParaRPr lang="fr-CH"/>
           </a:p>
@@ -1486,7 +3936,7 @@
           <a:p>
             <a:fld id="{12FD87AC-FFD7-43B2-9A99-D0AD1BCEA041}" type="datetimeFigureOut">
               <a:rPr lang="fr-CH" smtClean="0"/>
-              <a:t>30.03.2022</a:t>
+              <a:t>30.03.22</a:t>
             </a:fld>
             <a:endParaRPr lang="fr-CH"/>
           </a:p>
@@ -1901,7 +4351,7 @@
           <a:p>
             <a:fld id="{12FD87AC-FFD7-43B2-9A99-D0AD1BCEA041}" type="datetimeFigureOut">
               <a:rPr lang="fr-CH" smtClean="0"/>
-              <a:t>30.03.2022</a:t>
+              <a:t>30.03.22</a:t>
             </a:fld>
             <a:endParaRPr lang="fr-CH"/>
           </a:p>
@@ -2043,7 +4493,7 @@
           <a:p>
             <a:fld id="{12FD87AC-FFD7-43B2-9A99-D0AD1BCEA041}" type="datetimeFigureOut">
               <a:rPr lang="fr-CH" smtClean="0"/>
-              <a:t>30.03.2022</a:t>
+              <a:t>30.03.22</a:t>
             </a:fld>
             <a:endParaRPr lang="fr-CH"/>
           </a:p>
@@ -2156,7 +4606,7 @@
           <a:p>
             <a:fld id="{12FD87AC-FFD7-43B2-9A99-D0AD1BCEA041}" type="datetimeFigureOut">
               <a:rPr lang="fr-CH" smtClean="0"/>
-              <a:t>30.03.2022</a:t>
+              <a:t>30.03.22</a:t>
             </a:fld>
             <a:endParaRPr lang="fr-CH"/>
           </a:p>
@@ -2469,7 +4919,7 @@
           <a:p>
             <a:fld id="{12FD87AC-FFD7-43B2-9A99-D0AD1BCEA041}" type="datetimeFigureOut">
               <a:rPr lang="fr-CH" smtClean="0"/>
-              <a:t>30.03.2022</a:t>
+              <a:t>30.03.22</a:t>
             </a:fld>
             <a:endParaRPr lang="fr-CH"/>
           </a:p>
@@ -2758,7 +5208,7 @@
           <a:p>
             <a:fld id="{12FD87AC-FFD7-43B2-9A99-D0AD1BCEA041}" type="datetimeFigureOut">
               <a:rPr lang="fr-CH" smtClean="0"/>
-              <a:t>30.03.2022</a:t>
+              <a:t>30.03.22</a:t>
             </a:fld>
             <a:endParaRPr lang="fr-CH"/>
           </a:p>
@@ -3001,7 +5451,7 @@
           <a:p>
             <a:fld id="{12FD87AC-FFD7-43B2-9A99-D0AD1BCEA041}" type="datetimeFigureOut">
               <a:rPr lang="fr-CH" smtClean="0"/>
-              <a:t>30.03.2022</a:t>
+              <a:t>30.03.22</a:t>
             </a:fld>
             <a:endParaRPr lang="fr-CH"/>
           </a:p>
@@ -3682,7 +6132,7 @@
         </p:spPr>
         <p:txBody>
           <a:bodyPr>
-            <a:normAutofit/>
+            <a:normAutofit fontScale="90000"/>
           </a:bodyPr>
           <a:lstStyle/>
           <a:p>
@@ -3718,6 +6168,1337 @@
     <p:extLst>
       <p:ext uri="{BB962C8B-B14F-4D97-AF65-F5344CB8AC3E}">
         <p14:creationId xmlns:p14="http://schemas.microsoft.com/office/powerpoint/2010/main" val="892894285"/>
+      </p:ext>
+    </p:extLst>
+  </p:cSld>
+  <p:clrMapOvr>
+    <a:masterClrMapping/>
+  </p:clrMapOvr>
+</p:sld>
+</file>
+
+<file path=ppt/slides/slide10.xml><?xml version="1.0" encoding="utf-8"?>
+<p:sld xmlns:a="http://schemas.openxmlformats.org/drawingml/2006/main" xmlns:r="http://schemas.openxmlformats.org/officeDocument/2006/relationships" xmlns:p="http://schemas.openxmlformats.org/presentationml/2006/main">
+  <p:cSld>
+    <p:bg>
+      <p:bgPr>
+        <a:solidFill>
+          <a:schemeClr val="bg1"/>
+        </a:solidFill>
+        <a:effectLst/>
+      </p:bgPr>
+    </p:bg>
+    <p:spTree>
+      <p:nvGrpSpPr>
+        <p:cNvPr id="1" name=""/>
+        <p:cNvGrpSpPr/>
+        <p:nvPr/>
+      </p:nvGrpSpPr>
+      <p:grpSpPr>
+        <a:xfrm>
+          <a:off x="0" y="0"/>
+          <a:ext cx="0" cy="0"/>
+          <a:chOff x="0" y="0"/>
+          <a:chExt cx="0" cy="0"/>
+        </a:xfrm>
+      </p:grpSpPr>
+      <p:sp>
+        <p:nvSpPr>
+          <p:cNvPr id="8" name="Rectangle 7">
+            <a:extLst>
+              <a:ext uri="{FF2B5EF4-FFF2-40B4-BE49-F238E27FC236}">
+                <a16:creationId xmlns:a16="http://schemas.microsoft.com/office/drawing/2014/main" id="{B34F5AD2-EDBD-4BBD-A55C-EAFFD0C7097A}"/>
+              </a:ext>
+              <a:ext uri="{C183D7F6-B498-43B3-948B-1728B52AA6E4}">
+                <adec:decorative xmlns:adec="http://schemas.microsoft.com/office/drawing/2017/decorative" val="1"/>
+              </a:ext>
+            </a:extLst>
+          </p:cNvPr>
+          <p:cNvSpPr>
+            <a:spLocks noGrp="1" noRot="1" noChangeAspect="1" noMove="1" noResize="1" noEditPoints="1" noAdjustHandles="1" noChangeArrowheads="1" noChangeShapeType="1" noTextEdit="1"/>
+          </p:cNvSpPr>
+          <p:nvPr>
+            <p:extLst>
+              <p:ext uri="{386F3935-93C4-4BCD-93E2-E3B085C9AB24}">
+                <p16:designElem xmlns:p16="http://schemas.microsoft.com/office/powerpoint/2015/main" val="1"/>
+              </p:ext>
+            </p:extLst>
+          </p:nvPr>
+        </p:nvSpPr>
+        <p:spPr>
+          <a:xfrm>
+            <a:off x="3740383" y="0"/>
+            <a:ext cx="8451607" cy="6858001"/>
+          </a:xfrm>
+          <a:prstGeom prst="rect">
+            <a:avLst/>
+          </a:prstGeom>
+          <a:solidFill>
+            <a:schemeClr val="bg1">
+              <a:lumMod val="95000"/>
+            </a:schemeClr>
+          </a:solidFill>
+          <a:ln>
+            <a:noFill/>
+          </a:ln>
+        </p:spPr>
+        <p:style>
+          <a:lnRef idx="2">
+            <a:schemeClr val="accent1">
+              <a:shade val="50000"/>
+            </a:schemeClr>
+          </a:lnRef>
+          <a:fillRef idx="1">
+            <a:schemeClr val="accent1"/>
+          </a:fillRef>
+          <a:effectRef idx="0">
+            <a:schemeClr val="accent1"/>
+          </a:effectRef>
+          <a:fontRef idx="minor">
+            <a:schemeClr val="lt1"/>
+          </a:fontRef>
+        </p:style>
+        <p:txBody>
+          <a:bodyPr rtlCol="0" anchor="ctr"/>
+          <a:lstStyle/>
+          <a:p>
+            <a:pPr algn="ctr"/>
+            <a:endParaRPr lang="en-US"/>
+          </a:p>
+        </p:txBody>
+      </p:sp>
+      <p:sp>
+        <p:nvSpPr>
+          <p:cNvPr id="10" name="Rectangle 9">
+            <a:extLst>
+              <a:ext uri="{FF2B5EF4-FFF2-40B4-BE49-F238E27FC236}">
+                <a16:creationId xmlns:a16="http://schemas.microsoft.com/office/drawing/2014/main" id="{C3896A03-3945-419A-B66B-4EE266EDD152}"/>
+              </a:ext>
+              <a:ext uri="{C183D7F6-B498-43B3-948B-1728B52AA6E4}">
+                <adec:decorative xmlns:adec="http://schemas.microsoft.com/office/drawing/2017/decorative" val="1"/>
+              </a:ext>
+            </a:extLst>
+          </p:cNvPr>
+          <p:cNvSpPr>
+            <a:spLocks noGrp="1" noRot="1" noChangeAspect="1" noMove="1" noResize="1" noEditPoints="1" noAdjustHandles="1" noChangeArrowheads="1" noChangeShapeType="1" noTextEdit="1"/>
+          </p:cNvSpPr>
+          <p:nvPr>
+            <p:extLst>
+              <p:ext uri="{386F3935-93C4-4BCD-93E2-E3B085C9AB24}">
+                <p16:designElem xmlns:p16="http://schemas.microsoft.com/office/powerpoint/2015/main" val="1"/>
+              </p:ext>
+            </p:extLst>
+          </p:nvPr>
+        </p:nvSpPr>
+        <p:spPr>
+          <a:xfrm>
+            <a:off x="10" y="0"/>
+            <a:ext cx="3745177" cy="6858001"/>
+          </a:xfrm>
+          <a:prstGeom prst="rect">
+            <a:avLst/>
+          </a:prstGeom>
+          <a:solidFill>
+            <a:schemeClr val="tx1">
+              <a:lumMod val="85000"/>
+              <a:lumOff val="15000"/>
+            </a:schemeClr>
+          </a:solidFill>
+          <a:ln>
+            <a:noFill/>
+          </a:ln>
+        </p:spPr>
+        <p:style>
+          <a:lnRef idx="2">
+            <a:schemeClr val="accent1">
+              <a:shade val="50000"/>
+            </a:schemeClr>
+          </a:lnRef>
+          <a:fillRef idx="1">
+            <a:schemeClr val="accent1"/>
+          </a:fillRef>
+          <a:effectRef idx="0">
+            <a:schemeClr val="accent1"/>
+          </a:effectRef>
+          <a:fontRef idx="minor">
+            <a:schemeClr val="lt1"/>
+          </a:fontRef>
+        </p:style>
+        <p:txBody>
+          <a:bodyPr rtlCol="0" anchor="ctr"/>
+          <a:lstStyle/>
+          <a:p>
+            <a:pPr algn="ctr"/>
+            <a:endParaRPr lang="en-US"/>
+          </a:p>
+        </p:txBody>
+      </p:sp>
+      <p:sp>
+        <p:nvSpPr>
+          <p:cNvPr id="2" name="Titre 1">
+            <a:extLst>
+              <a:ext uri="{FF2B5EF4-FFF2-40B4-BE49-F238E27FC236}">
+                <a16:creationId xmlns:a16="http://schemas.microsoft.com/office/drawing/2014/main" id="{104C9545-D050-D642-81C4-78BC70EDC7EE}"/>
+              </a:ext>
+            </a:extLst>
+          </p:cNvPr>
+          <p:cNvSpPr>
+            <a:spLocks noGrp="1"/>
+          </p:cNvSpPr>
+          <p:nvPr>
+            <p:ph type="title"/>
+          </p:nvPr>
+        </p:nvSpPr>
+        <p:spPr>
+          <a:xfrm>
+            <a:off x="613594" y="3141094"/>
+            <a:ext cx="2861756" cy="575812"/>
+          </a:xfrm>
+        </p:spPr>
+        <p:txBody>
+          <a:bodyPr anchor="t">
+            <a:normAutofit fontScale="90000"/>
+          </a:bodyPr>
+          <a:lstStyle/>
+          <a:p>
+            <a:r>
+              <a:rPr lang="fr-FR" sz="3600" b="1" dirty="0">
+                <a:solidFill>
+                  <a:schemeClr val="bg1"/>
+                </a:solidFill>
+                <a:latin typeface="Verdana Pro" panose="020B0A04030504040204" pitchFamily="34" charset="0"/>
+              </a:rPr>
+              <a:t>Problèmes</a:t>
+            </a:r>
+          </a:p>
+        </p:txBody>
+      </p:sp>
+      <p:sp>
+        <p:nvSpPr>
+          <p:cNvPr id="12" name="Rectangle 11">
+            <a:extLst>
+              <a:ext uri="{FF2B5EF4-FFF2-40B4-BE49-F238E27FC236}">
+                <a16:creationId xmlns:a16="http://schemas.microsoft.com/office/drawing/2014/main" id="{B8EAE243-3A9F-4A46-B0D9-04C723A8A1BD}"/>
+              </a:ext>
+              <a:ext uri="{C183D7F6-B498-43B3-948B-1728B52AA6E4}">
+                <adec:decorative xmlns:adec="http://schemas.microsoft.com/office/drawing/2017/decorative" val="1"/>
+              </a:ext>
+            </a:extLst>
+          </p:cNvPr>
+          <p:cNvSpPr>
+            <a:spLocks noGrp="1" noRot="1" noChangeAspect="1" noMove="1" noResize="1" noEditPoints="1" noAdjustHandles="1" noChangeArrowheads="1" noChangeShapeType="1" noTextEdit="1"/>
+          </p:cNvSpPr>
+          <p:nvPr>
+            <p:extLst>
+              <p:ext uri="{386F3935-93C4-4BCD-93E2-E3B085C9AB24}">
+                <p16:designElem xmlns:p16="http://schemas.microsoft.com/office/powerpoint/2015/main" val="1"/>
+              </p:ext>
+            </p:extLst>
+          </p:nvPr>
+        </p:nvSpPr>
+        <p:spPr>
+          <a:xfrm>
+            <a:off x="4654733" y="643465"/>
+            <a:ext cx="457200" cy="45720"/>
+          </a:xfrm>
+          <a:prstGeom prst="rect">
+            <a:avLst/>
+          </a:prstGeom>
+          <a:solidFill>
+            <a:schemeClr val="tx1"/>
+          </a:solidFill>
+          <a:ln>
+            <a:noFill/>
+          </a:ln>
+        </p:spPr>
+        <p:style>
+          <a:lnRef idx="2">
+            <a:schemeClr val="accent1">
+              <a:shade val="50000"/>
+            </a:schemeClr>
+          </a:lnRef>
+          <a:fillRef idx="1">
+            <a:schemeClr val="accent1"/>
+          </a:fillRef>
+          <a:effectRef idx="0">
+            <a:schemeClr val="accent1"/>
+          </a:effectRef>
+          <a:fontRef idx="minor">
+            <a:schemeClr val="lt1"/>
+          </a:fontRef>
+        </p:style>
+        <p:txBody>
+          <a:bodyPr rtlCol="0" anchor="ctr"/>
+          <a:lstStyle/>
+          <a:p>
+            <a:pPr algn="ctr"/>
+            <a:endParaRPr lang="en-US"/>
+          </a:p>
+        </p:txBody>
+      </p:sp>
+      <p:sp>
+        <p:nvSpPr>
+          <p:cNvPr id="4" name="Espace réservé du contenu 3">
+            <a:extLst>
+              <a:ext uri="{FF2B5EF4-FFF2-40B4-BE49-F238E27FC236}">
+                <a16:creationId xmlns:a16="http://schemas.microsoft.com/office/drawing/2014/main" id="{5E0AB44F-0DD9-2246-97A7-84DF1B09CE22}"/>
+              </a:ext>
+            </a:extLst>
+          </p:cNvPr>
+          <p:cNvSpPr>
+            <a:spLocks noGrp="1"/>
+          </p:cNvSpPr>
+          <p:nvPr>
+            <p:ph idx="1"/>
+          </p:nvPr>
+        </p:nvSpPr>
+        <p:spPr>
+          <a:xfrm>
+            <a:off x="4654733" y="2194186"/>
+            <a:ext cx="7043624" cy="4351338"/>
+          </a:xfrm>
+        </p:spPr>
+        <p:txBody>
+          <a:bodyPr/>
+          <a:lstStyle/>
+          <a:p>
+            <a:pPr>
+              <a:buFont typeface="Wingdings" pitchFamily="2" charset="2"/>
+              <a:buChar char="q"/>
+            </a:pPr>
+            <a:r>
+              <a:rPr lang="fr-FR" dirty="0">
+                <a:latin typeface="Verdana Pro" panose="020B0604030504040204" pitchFamily="34" charset="0"/>
+              </a:rPr>
+              <a:t>Limite de 50 requêtes Google Speech par jour</a:t>
+            </a:r>
+          </a:p>
+          <a:p>
+            <a:pPr>
+              <a:buFont typeface="Wingdings" pitchFamily="2" charset="2"/>
+              <a:buChar char="q"/>
+            </a:pPr>
+            <a:r>
+              <a:rPr lang="fr-FR" dirty="0">
+                <a:latin typeface="Verdana Pro" panose="020B0604030504040204" pitchFamily="34" charset="0"/>
+              </a:rPr>
+              <a:t>Risque que </a:t>
+            </a:r>
+            <a:r>
+              <a:rPr lang="fr-FR">
+                <a:latin typeface="Verdana Pro" panose="020B0604030504040204" pitchFamily="34" charset="0"/>
+              </a:rPr>
+              <a:t>la librairie </a:t>
+            </a:r>
+            <a:r>
+              <a:rPr lang="fr-FR" dirty="0" err="1">
+                <a:latin typeface="Verdana Pro" panose="020B0604030504040204" pitchFamily="34" charset="0"/>
+              </a:rPr>
+              <a:t>SpeechRecognition</a:t>
+            </a:r>
+            <a:r>
+              <a:rPr lang="fr-FR" dirty="0">
+                <a:latin typeface="Verdana Pro" panose="020B0604030504040204" pitchFamily="34" charset="0"/>
+              </a:rPr>
+              <a:t> ne soit plus maintenue</a:t>
+            </a:r>
+          </a:p>
+        </p:txBody>
+      </p:sp>
+    </p:spTree>
+    <p:extLst>
+      <p:ext uri="{BB962C8B-B14F-4D97-AF65-F5344CB8AC3E}">
+        <p14:creationId xmlns:p14="http://schemas.microsoft.com/office/powerpoint/2010/main" val="1065299341"/>
+      </p:ext>
+    </p:extLst>
+  </p:cSld>
+  <p:clrMapOvr>
+    <a:masterClrMapping/>
+  </p:clrMapOvr>
+</p:sld>
+</file>
+
+<file path=ppt/slides/slide11.xml><?xml version="1.0" encoding="utf-8"?>
+<p:sld xmlns:a="http://schemas.openxmlformats.org/drawingml/2006/main" xmlns:r="http://schemas.openxmlformats.org/officeDocument/2006/relationships" xmlns:p="http://schemas.openxmlformats.org/presentationml/2006/main">
+  <p:cSld>
+    <p:spTree>
+      <p:nvGrpSpPr>
+        <p:cNvPr id="1" name=""/>
+        <p:cNvGrpSpPr/>
+        <p:nvPr/>
+      </p:nvGrpSpPr>
+      <p:grpSpPr>
+        <a:xfrm>
+          <a:off x="0" y="0"/>
+          <a:ext cx="0" cy="0"/>
+          <a:chOff x="0" y="0"/>
+          <a:chExt cx="0" cy="0"/>
+        </a:xfrm>
+      </p:grpSpPr>
+      <p:sp>
+        <p:nvSpPr>
+          <p:cNvPr id="7" name="Rectangle 6">
+            <a:extLst>
+              <a:ext uri="{FF2B5EF4-FFF2-40B4-BE49-F238E27FC236}">
+                <a16:creationId xmlns:a16="http://schemas.microsoft.com/office/drawing/2014/main" id="{4D738910-0BC5-734A-8C6C-8C2A806926E7}"/>
+              </a:ext>
+            </a:extLst>
+          </p:cNvPr>
+          <p:cNvSpPr/>
+          <p:nvPr/>
+        </p:nvSpPr>
+        <p:spPr>
+          <a:xfrm>
+            <a:off x="-106017" y="-145774"/>
+            <a:ext cx="12430539" cy="1836462"/>
+          </a:xfrm>
+          <a:prstGeom prst="rect">
+            <a:avLst/>
+          </a:prstGeom>
+          <a:solidFill>
+            <a:schemeClr val="tx1"/>
+          </a:solidFill>
+        </p:spPr>
+        <p:style>
+          <a:lnRef idx="2">
+            <a:schemeClr val="accent1">
+              <a:shade val="50000"/>
+            </a:schemeClr>
+          </a:lnRef>
+          <a:fillRef idx="1">
+            <a:schemeClr val="accent1"/>
+          </a:fillRef>
+          <a:effectRef idx="0">
+            <a:schemeClr val="accent1"/>
+          </a:effectRef>
+          <a:fontRef idx="minor">
+            <a:schemeClr val="lt1"/>
+          </a:fontRef>
+        </p:style>
+        <p:txBody>
+          <a:bodyPr rtlCol="0" anchor="ctr"/>
+          <a:lstStyle/>
+          <a:p>
+            <a:pPr algn="ctr"/>
+            <a:endParaRPr lang="fr-FR"/>
+          </a:p>
+        </p:txBody>
+      </p:sp>
+      <p:sp>
+        <p:nvSpPr>
+          <p:cNvPr id="2" name="Titre 1">
+            <a:extLst>
+              <a:ext uri="{FF2B5EF4-FFF2-40B4-BE49-F238E27FC236}">
+                <a16:creationId xmlns:a16="http://schemas.microsoft.com/office/drawing/2014/main" id="{E20A8694-AB8B-7740-B0EC-78B90978BB27}"/>
+              </a:ext>
+            </a:extLst>
+          </p:cNvPr>
+          <p:cNvSpPr>
+            <a:spLocks noGrp="1"/>
+          </p:cNvSpPr>
+          <p:nvPr>
+            <p:ph type="title"/>
+          </p:nvPr>
+        </p:nvSpPr>
+        <p:spPr>
+          <a:xfrm>
+            <a:off x="2719335" y="185340"/>
+            <a:ext cx="6753329" cy="1325563"/>
+          </a:xfrm>
+          <a:solidFill>
+            <a:schemeClr val="tx1"/>
+          </a:solidFill>
+        </p:spPr>
+        <p:style>
+          <a:lnRef idx="2">
+            <a:schemeClr val="dk1">
+              <a:shade val="50000"/>
+            </a:schemeClr>
+          </a:lnRef>
+          <a:fillRef idx="1">
+            <a:schemeClr val="dk1"/>
+          </a:fillRef>
+          <a:effectRef idx="0">
+            <a:schemeClr val="dk1"/>
+          </a:effectRef>
+          <a:fontRef idx="minor">
+            <a:schemeClr val="lt1"/>
+          </a:fontRef>
+        </p:style>
+        <p:txBody>
+          <a:bodyPr/>
+          <a:lstStyle/>
+          <a:p>
+            <a:r>
+              <a:rPr lang="fr-FR" b="1" dirty="0">
+                <a:latin typeface="Verdana Pro" panose="020B0604030504040204" pitchFamily="34" charset="0"/>
+              </a:rPr>
+              <a:t>Solutions possibles</a:t>
+            </a:r>
+          </a:p>
+        </p:txBody>
+      </p:sp>
+      <p:sp>
+        <p:nvSpPr>
+          <p:cNvPr id="3" name="Espace réservé du texte 2">
+            <a:extLst>
+              <a:ext uri="{FF2B5EF4-FFF2-40B4-BE49-F238E27FC236}">
+                <a16:creationId xmlns:a16="http://schemas.microsoft.com/office/drawing/2014/main" id="{9C30A56A-8B5F-EC4A-AAC4-B7CB10789061}"/>
+              </a:ext>
+            </a:extLst>
+          </p:cNvPr>
+          <p:cNvSpPr>
+            <a:spLocks noGrp="1"/>
+          </p:cNvSpPr>
+          <p:nvPr>
+            <p:ph type="body" idx="1"/>
+          </p:nvPr>
+        </p:nvSpPr>
+        <p:spPr/>
+        <p:txBody>
+          <a:bodyPr/>
+          <a:lstStyle/>
+          <a:p>
+            <a:r>
+              <a:rPr lang="fr-FR" dirty="0">
+                <a:latin typeface="Verdana Pro" panose="020B0604030504040204" pitchFamily="34" charset="0"/>
+              </a:rPr>
+              <a:t>Google Cloud Speech-to-</a:t>
+            </a:r>
+            <a:r>
+              <a:rPr lang="fr-FR" dirty="0" err="1">
+                <a:latin typeface="Verdana Pro" panose="020B0604030504040204" pitchFamily="34" charset="0"/>
+              </a:rPr>
+              <a:t>text</a:t>
+            </a:r>
+            <a:endParaRPr lang="fr-FR" dirty="0">
+              <a:latin typeface="Verdana Pro" panose="020B0604030504040204" pitchFamily="34" charset="0"/>
+            </a:endParaRPr>
+          </a:p>
+        </p:txBody>
+      </p:sp>
+      <p:pic>
+        <p:nvPicPr>
+          <p:cNvPr id="9" name="Espace réservé du contenu 8" descr="Une image contenant texte&#10;&#10;Description générée automatiquement">
+            <a:extLst>
+              <a:ext uri="{FF2B5EF4-FFF2-40B4-BE49-F238E27FC236}">
+                <a16:creationId xmlns:a16="http://schemas.microsoft.com/office/drawing/2014/main" id="{3CA935E7-14FC-9B48-8B5C-56ADB095C680}"/>
+              </a:ext>
+            </a:extLst>
+          </p:cNvPr>
+          <p:cNvPicPr>
+            <a:picLocks noGrp="1"/>
+          </p:cNvPicPr>
+          <p:nvPr>
+            <p:ph sz="half" idx="2"/>
+          </p:nvPr>
+        </p:nvPicPr>
+        <p:blipFill>
+          <a:blip r:embed="rId2">
+            <a:extLst>
+              <a:ext uri="{28A0092B-C50C-407E-A947-70E740481C1C}">
+                <a14:useLocalDpi xmlns:a14="http://schemas.microsoft.com/office/drawing/2010/main" val="0"/>
+              </a:ext>
+            </a:extLst>
+          </a:blip>
+          <a:stretch>
+            <a:fillRect/>
+          </a:stretch>
+        </p:blipFill>
+        <p:spPr>
+          <a:xfrm>
+            <a:off x="481979" y="2656680"/>
+            <a:ext cx="5515596" cy="3161023"/>
+          </a:xfrm>
+        </p:spPr>
+      </p:pic>
+      <p:sp>
+        <p:nvSpPr>
+          <p:cNvPr id="5" name="Espace réservé du texte 4">
+            <a:extLst>
+              <a:ext uri="{FF2B5EF4-FFF2-40B4-BE49-F238E27FC236}">
+                <a16:creationId xmlns:a16="http://schemas.microsoft.com/office/drawing/2014/main" id="{3507E18C-34BD-6C40-8A18-FE414243721F}"/>
+              </a:ext>
+            </a:extLst>
+          </p:cNvPr>
+          <p:cNvSpPr>
+            <a:spLocks noGrp="1"/>
+          </p:cNvSpPr>
+          <p:nvPr>
+            <p:ph type="body" sz="quarter" idx="3"/>
+          </p:nvPr>
+        </p:nvSpPr>
+        <p:spPr/>
+        <p:txBody>
+          <a:bodyPr/>
+          <a:lstStyle/>
+          <a:p>
+            <a:r>
+              <a:rPr lang="fr-FR" dirty="0">
+                <a:latin typeface="Verdana Pro" panose="020B0604030504040204" pitchFamily="34" charset="0"/>
+              </a:rPr>
+              <a:t>IBM Speech to </a:t>
+            </a:r>
+            <a:r>
+              <a:rPr lang="fr-FR" dirty="0" err="1">
+                <a:latin typeface="Verdana Pro" panose="020B0604030504040204" pitchFamily="34" charset="0"/>
+              </a:rPr>
+              <a:t>text</a:t>
+            </a:r>
+            <a:endParaRPr lang="fr-FR" dirty="0">
+              <a:latin typeface="Verdana Pro" panose="020B0604030504040204" pitchFamily="34" charset="0"/>
+            </a:endParaRPr>
+          </a:p>
+        </p:txBody>
+      </p:sp>
+      <p:pic>
+        <p:nvPicPr>
+          <p:cNvPr id="11" name="Espace réservé du contenu 10">
+            <a:extLst>
+              <a:ext uri="{FF2B5EF4-FFF2-40B4-BE49-F238E27FC236}">
+                <a16:creationId xmlns:a16="http://schemas.microsoft.com/office/drawing/2014/main" id="{94157F32-1C6F-1D49-8612-7C4B13A291B1}"/>
+              </a:ext>
+            </a:extLst>
+          </p:cNvPr>
+          <p:cNvPicPr>
+            <a:picLocks noGrp="1"/>
+          </p:cNvPicPr>
+          <p:nvPr>
+            <p:ph sz="quarter" idx="4"/>
+          </p:nvPr>
+        </p:nvPicPr>
+        <p:blipFill>
+          <a:blip r:embed="rId3">
+            <a:extLst>
+              <a:ext uri="{28A0092B-C50C-407E-A947-70E740481C1C}">
+                <a14:useLocalDpi xmlns:a14="http://schemas.microsoft.com/office/drawing/2010/main" val="0"/>
+              </a:ext>
+            </a:extLst>
+          </a:blip>
+          <a:stretch>
+            <a:fillRect/>
+          </a:stretch>
+        </p:blipFill>
+        <p:spPr>
+          <a:xfrm>
+            <a:off x="6194424" y="2656680"/>
+            <a:ext cx="5537821" cy="3161023"/>
+          </a:xfrm>
+        </p:spPr>
+      </p:pic>
+    </p:spTree>
+    <p:extLst>
+      <p:ext uri="{BB962C8B-B14F-4D97-AF65-F5344CB8AC3E}">
+        <p14:creationId xmlns:p14="http://schemas.microsoft.com/office/powerpoint/2010/main" val="2873665388"/>
+      </p:ext>
+    </p:extLst>
+  </p:cSld>
+  <p:clrMapOvr>
+    <a:masterClrMapping/>
+  </p:clrMapOvr>
+</p:sld>
+</file>
+
+<file path=ppt/slides/slide12.xml><?xml version="1.0" encoding="utf-8"?>
+<p:sld xmlns:a="http://schemas.openxmlformats.org/drawingml/2006/main" xmlns:r="http://schemas.openxmlformats.org/officeDocument/2006/relationships" xmlns:p="http://schemas.openxmlformats.org/presentationml/2006/main">
+  <p:cSld>
+    <p:bg>
+      <p:bgPr>
+        <a:solidFill>
+          <a:schemeClr val="bg1"/>
+        </a:solidFill>
+        <a:effectLst/>
+      </p:bgPr>
+    </p:bg>
+    <p:spTree>
+      <p:nvGrpSpPr>
+        <p:cNvPr id="1" name=""/>
+        <p:cNvGrpSpPr/>
+        <p:nvPr/>
+      </p:nvGrpSpPr>
+      <p:grpSpPr>
+        <a:xfrm>
+          <a:off x="0" y="0"/>
+          <a:ext cx="0" cy="0"/>
+          <a:chOff x="0" y="0"/>
+          <a:chExt cx="0" cy="0"/>
+        </a:xfrm>
+      </p:grpSpPr>
+      <p:sp>
+        <p:nvSpPr>
+          <p:cNvPr id="8" name="Rectangle 7">
+            <a:extLst>
+              <a:ext uri="{FF2B5EF4-FFF2-40B4-BE49-F238E27FC236}">
+                <a16:creationId xmlns:a16="http://schemas.microsoft.com/office/drawing/2014/main" id="{B34F5AD2-EDBD-4BBD-A55C-EAFFD0C7097A}"/>
+              </a:ext>
+              <a:ext uri="{C183D7F6-B498-43B3-948B-1728B52AA6E4}">
+                <adec:decorative xmlns:adec="http://schemas.microsoft.com/office/drawing/2017/decorative" val="1"/>
+              </a:ext>
+            </a:extLst>
+          </p:cNvPr>
+          <p:cNvSpPr>
+            <a:spLocks noGrp="1" noRot="1" noChangeAspect="1" noMove="1" noResize="1" noEditPoints="1" noAdjustHandles="1" noChangeArrowheads="1" noChangeShapeType="1" noTextEdit="1"/>
+          </p:cNvSpPr>
+          <p:nvPr>
+            <p:extLst>
+              <p:ext uri="{386F3935-93C4-4BCD-93E2-E3B085C9AB24}">
+                <p16:designElem xmlns:p16="http://schemas.microsoft.com/office/powerpoint/2015/main" val="1"/>
+              </p:ext>
+            </p:extLst>
+          </p:nvPr>
+        </p:nvSpPr>
+        <p:spPr>
+          <a:xfrm>
+            <a:off x="3740383" y="0"/>
+            <a:ext cx="8451607" cy="6858001"/>
+          </a:xfrm>
+          <a:prstGeom prst="rect">
+            <a:avLst/>
+          </a:prstGeom>
+          <a:solidFill>
+            <a:schemeClr val="bg1">
+              <a:lumMod val="95000"/>
+            </a:schemeClr>
+          </a:solidFill>
+          <a:ln>
+            <a:noFill/>
+          </a:ln>
+        </p:spPr>
+        <p:style>
+          <a:lnRef idx="2">
+            <a:schemeClr val="accent1">
+              <a:shade val="50000"/>
+            </a:schemeClr>
+          </a:lnRef>
+          <a:fillRef idx="1">
+            <a:schemeClr val="accent1"/>
+          </a:fillRef>
+          <a:effectRef idx="0">
+            <a:schemeClr val="accent1"/>
+          </a:effectRef>
+          <a:fontRef idx="minor">
+            <a:schemeClr val="lt1"/>
+          </a:fontRef>
+        </p:style>
+        <p:txBody>
+          <a:bodyPr rtlCol="0" anchor="ctr"/>
+          <a:lstStyle/>
+          <a:p>
+            <a:pPr algn="ctr"/>
+            <a:endParaRPr lang="en-US"/>
+          </a:p>
+        </p:txBody>
+      </p:sp>
+      <p:sp>
+        <p:nvSpPr>
+          <p:cNvPr id="10" name="Rectangle 9">
+            <a:extLst>
+              <a:ext uri="{FF2B5EF4-FFF2-40B4-BE49-F238E27FC236}">
+                <a16:creationId xmlns:a16="http://schemas.microsoft.com/office/drawing/2014/main" id="{C3896A03-3945-419A-B66B-4EE266EDD152}"/>
+              </a:ext>
+              <a:ext uri="{C183D7F6-B498-43B3-948B-1728B52AA6E4}">
+                <adec:decorative xmlns:adec="http://schemas.microsoft.com/office/drawing/2017/decorative" val="1"/>
+              </a:ext>
+            </a:extLst>
+          </p:cNvPr>
+          <p:cNvSpPr>
+            <a:spLocks noGrp="1" noRot="1" noChangeAspect="1" noMove="1" noResize="1" noEditPoints="1" noAdjustHandles="1" noChangeArrowheads="1" noChangeShapeType="1" noTextEdit="1"/>
+          </p:cNvSpPr>
+          <p:nvPr>
+            <p:extLst>
+              <p:ext uri="{386F3935-93C4-4BCD-93E2-E3B085C9AB24}">
+                <p16:designElem xmlns:p16="http://schemas.microsoft.com/office/powerpoint/2015/main" val="1"/>
+              </p:ext>
+            </p:extLst>
+          </p:nvPr>
+        </p:nvSpPr>
+        <p:spPr>
+          <a:xfrm>
+            <a:off x="10" y="0"/>
+            <a:ext cx="3745177" cy="6858001"/>
+          </a:xfrm>
+          <a:prstGeom prst="rect">
+            <a:avLst/>
+          </a:prstGeom>
+          <a:solidFill>
+            <a:schemeClr val="tx1">
+              <a:lumMod val="85000"/>
+              <a:lumOff val="15000"/>
+            </a:schemeClr>
+          </a:solidFill>
+          <a:ln>
+            <a:noFill/>
+          </a:ln>
+        </p:spPr>
+        <p:style>
+          <a:lnRef idx="2">
+            <a:schemeClr val="accent1">
+              <a:shade val="50000"/>
+            </a:schemeClr>
+          </a:lnRef>
+          <a:fillRef idx="1">
+            <a:schemeClr val="accent1"/>
+          </a:fillRef>
+          <a:effectRef idx="0">
+            <a:schemeClr val="accent1"/>
+          </a:effectRef>
+          <a:fontRef idx="minor">
+            <a:schemeClr val="lt1"/>
+          </a:fontRef>
+        </p:style>
+        <p:txBody>
+          <a:bodyPr rtlCol="0" anchor="ctr"/>
+          <a:lstStyle/>
+          <a:p>
+            <a:pPr algn="ctr"/>
+            <a:endParaRPr lang="en-US"/>
+          </a:p>
+        </p:txBody>
+      </p:sp>
+      <p:sp>
+        <p:nvSpPr>
+          <p:cNvPr id="2" name="Titre 1">
+            <a:extLst>
+              <a:ext uri="{FF2B5EF4-FFF2-40B4-BE49-F238E27FC236}">
+                <a16:creationId xmlns:a16="http://schemas.microsoft.com/office/drawing/2014/main" id="{104C9545-D050-D642-81C4-78BC70EDC7EE}"/>
+              </a:ext>
+            </a:extLst>
+          </p:cNvPr>
+          <p:cNvSpPr>
+            <a:spLocks noGrp="1"/>
+          </p:cNvSpPr>
+          <p:nvPr>
+            <p:ph type="title"/>
+          </p:nvPr>
+        </p:nvSpPr>
+        <p:spPr>
+          <a:xfrm>
+            <a:off x="384994" y="2315982"/>
+            <a:ext cx="2861756" cy="2226036"/>
+          </a:xfrm>
+        </p:spPr>
+        <p:txBody>
+          <a:bodyPr anchor="t">
+            <a:normAutofit/>
+          </a:bodyPr>
+          <a:lstStyle/>
+          <a:p>
+            <a:r>
+              <a:rPr lang="fr-FR" sz="3600" b="1" dirty="0">
+                <a:solidFill>
+                  <a:schemeClr val="bg1"/>
+                </a:solidFill>
+                <a:latin typeface="Verdana Pro" panose="020B0A04030504040204" pitchFamily="34" charset="0"/>
+              </a:rPr>
+              <a:t>Google Cloud Speech-to-</a:t>
+            </a:r>
+            <a:r>
+              <a:rPr lang="fr-FR" sz="3600" b="1" dirty="0" err="1">
+                <a:solidFill>
+                  <a:schemeClr val="bg1"/>
+                </a:solidFill>
+                <a:latin typeface="Verdana Pro" panose="020B0A04030504040204" pitchFamily="34" charset="0"/>
+              </a:rPr>
+              <a:t>text</a:t>
+            </a:r>
+            <a:endParaRPr lang="fr-FR" sz="3600" b="1" dirty="0">
+              <a:solidFill>
+                <a:schemeClr val="bg1"/>
+              </a:solidFill>
+              <a:latin typeface="Verdana Pro" panose="020B0A04030504040204" pitchFamily="34" charset="0"/>
+            </a:endParaRPr>
+          </a:p>
+        </p:txBody>
+      </p:sp>
+      <p:sp>
+        <p:nvSpPr>
+          <p:cNvPr id="12" name="Rectangle 11">
+            <a:extLst>
+              <a:ext uri="{FF2B5EF4-FFF2-40B4-BE49-F238E27FC236}">
+                <a16:creationId xmlns:a16="http://schemas.microsoft.com/office/drawing/2014/main" id="{B8EAE243-3A9F-4A46-B0D9-04C723A8A1BD}"/>
+              </a:ext>
+              <a:ext uri="{C183D7F6-B498-43B3-948B-1728B52AA6E4}">
+                <adec:decorative xmlns:adec="http://schemas.microsoft.com/office/drawing/2017/decorative" val="1"/>
+              </a:ext>
+            </a:extLst>
+          </p:cNvPr>
+          <p:cNvSpPr>
+            <a:spLocks noGrp="1" noRot="1" noChangeAspect="1" noMove="1" noResize="1" noEditPoints="1" noAdjustHandles="1" noChangeArrowheads="1" noChangeShapeType="1" noTextEdit="1"/>
+          </p:cNvSpPr>
+          <p:nvPr>
+            <p:extLst>
+              <p:ext uri="{386F3935-93C4-4BCD-93E2-E3B085C9AB24}">
+                <p16:designElem xmlns:p16="http://schemas.microsoft.com/office/powerpoint/2015/main" val="1"/>
+              </p:ext>
+            </p:extLst>
+          </p:nvPr>
+        </p:nvSpPr>
+        <p:spPr>
+          <a:xfrm>
+            <a:off x="4654733" y="643465"/>
+            <a:ext cx="457200" cy="45720"/>
+          </a:xfrm>
+          <a:prstGeom prst="rect">
+            <a:avLst/>
+          </a:prstGeom>
+          <a:solidFill>
+            <a:schemeClr val="tx1"/>
+          </a:solidFill>
+          <a:ln>
+            <a:noFill/>
+          </a:ln>
+        </p:spPr>
+        <p:style>
+          <a:lnRef idx="2">
+            <a:schemeClr val="accent1">
+              <a:shade val="50000"/>
+            </a:schemeClr>
+          </a:lnRef>
+          <a:fillRef idx="1">
+            <a:schemeClr val="accent1"/>
+          </a:fillRef>
+          <a:effectRef idx="0">
+            <a:schemeClr val="accent1"/>
+          </a:effectRef>
+          <a:fontRef idx="minor">
+            <a:schemeClr val="lt1"/>
+          </a:fontRef>
+        </p:style>
+        <p:txBody>
+          <a:bodyPr rtlCol="0" anchor="ctr"/>
+          <a:lstStyle/>
+          <a:p>
+            <a:pPr algn="ctr"/>
+            <a:endParaRPr lang="en-US"/>
+          </a:p>
+        </p:txBody>
+      </p:sp>
+      <p:sp>
+        <p:nvSpPr>
+          <p:cNvPr id="4" name="Espace réservé du contenu 3">
+            <a:extLst>
+              <a:ext uri="{FF2B5EF4-FFF2-40B4-BE49-F238E27FC236}">
+                <a16:creationId xmlns:a16="http://schemas.microsoft.com/office/drawing/2014/main" id="{5E0AB44F-0DD9-2246-97A7-84DF1B09CE22}"/>
+              </a:ext>
+            </a:extLst>
+          </p:cNvPr>
+          <p:cNvSpPr>
+            <a:spLocks noGrp="1"/>
+          </p:cNvSpPr>
+          <p:nvPr>
+            <p:ph idx="1"/>
+          </p:nvPr>
+        </p:nvSpPr>
+        <p:spPr>
+          <a:xfrm>
+            <a:off x="4446776" y="2506662"/>
+            <a:ext cx="7043624" cy="4351338"/>
+          </a:xfrm>
+        </p:spPr>
+        <p:txBody>
+          <a:bodyPr/>
+          <a:lstStyle/>
+          <a:p>
+            <a:pPr>
+              <a:buFont typeface="Wingdings" pitchFamily="2" charset="2"/>
+              <a:buChar char="q"/>
+            </a:pPr>
+            <a:r>
+              <a:rPr lang="fr-FR" dirty="0">
+                <a:latin typeface="Verdana Pro" panose="020B0604030504040204" pitchFamily="34" charset="0"/>
+              </a:rPr>
+              <a:t>Propose la reconnaissance des locuteurs</a:t>
+            </a:r>
+          </a:p>
+          <a:p>
+            <a:pPr>
+              <a:buFont typeface="Wingdings" pitchFamily="2" charset="2"/>
+              <a:buChar char="q"/>
+            </a:pPr>
+            <a:r>
+              <a:rPr lang="fr-FR" dirty="0">
+                <a:latin typeface="Verdana Pro" panose="020B0604030504040204" pitchFamily="34" charset="0"/>
+              </a:rPr>
+              <a:t>Plusieurs modèles pré-entrainés</a:t>
+            </a:r>
+          </a:p>
+        </p:txBody>
+      </p:sp>
+    </p:spTree>
+    <p:extLst>
+      <p:ext uri="{BB962C8B-B14F-4D97-AF65-F5344CB8AC3E}">
+        <p14:creationId xmlns:p14="http://schemas.microsoft.com/office/powerpoint/2010/main" val="4238179733"/>
+      </p:ext>
+    </p:extLst>
+  </p:cSld>
+  <p:clrMapOvr>
+    <a:masterClrMapping/>
+  </p:clrMapOvr>
+</p:sld>
+</file>
+
+<file path=ppt/slides/slide13.xml><?xml version="1.0" encoding="utf-8"?>
+<p:sld xmlns:a="http://schemas.openxmlformats.org/drawingml/2006/main" xmlns:r="http://schemas.openxmlformats.org/officeDocument/2006/relationships" xmlns:p="http://schemas.openxmlformats.org/presentationml/2006/main">
+  <p:cSld>
+    <p:bg>
+      <p:bgPr>
+        <a:solidFill>
+          <a:schemeClr val="bg1"/>
+        </a:solidFill>
+        <a:effectLst/>
+      </p:bgPr>
+    </p:bg>
+    <p:spTree>
+      <p:nvGrpSpPr>
+        <p:cNvPr id="1" name=""/>
+        <p:cNvGrpSpPr/>
+        <p:nvPr/>
+      </p:nvGrpSpPr>
+      <p:grpSpPr>
+        <a:xfrm>
+          <a:off x="0" y="0"/>
+          <a:ext cx="0" cy="0"/>
+          <a:chOff x="0" y="0"/>
+          <a:chExt cx="0" cy="0"/>
+        </a:xfrm>
+      </p:grpSpPr>
+      <p:sp>
+        <p:nvSpPr>
+          <p:cNvPr id="17" name="Down Arrow 7">
+            <a:extLst>
+              <a:ext uri="{FF2B5EF4-FFF2-40B4-BE49-F238E27FC236}">
+                <a16:creationId xmlns:a16="http://schemas.microsoft.com/office/drawing/2014/main" id="{D4771268-CB57-404A-9271-370EB28F6090}"/>
+              </a:ext>
+              <a:ext uri="{C183D7F6-B498-43B3-948B-1728B52AA6E4}">
+                <adec:decorative xmlns:adec="http://schemas.microsoft.com/office/drawing/2017/decorative" val="1"/>
+              </a:ext>
+            </a:extLst>
+          </p:cNvPr>
+          <p:cNvSpPr>
+            <a:spLocks noGrp="1" noRot="1" noChangeAspect="1" noMove="1" noResize="1" noEditPoints="1" noAdjustHandles="1" noChangeArrowheads="1" noChangeShapeType="1" noTextEdit="1"/>
+          </p:cNvSpPr>
+          <p:nvPr>
+            <p:extLst>
+              <p:ext uri="{386F3935-93C4-4BCD-93E2-E3B085C9AB24}">
+                <p16:designElem xmlns:p16="http://schemas.microsoft.com/office/powerpoint/2015/main" val="1"/>
+              </p:ext>
+            </p:extLst>
+          </p:nvPr>
+        </p:nvSpPr>
+        <p:spPr>
+          <a:xfrm rot="16200000">
+            <a:off x="800100" y="1491343"/>
+            <a:ext cx="3333749" cy="3499103"/>
+          </a:xfrm>
+          <a:prstGeom prst="downArrow">
+            <a:avLst>
+              <a:gd name="adj1" fmla="val 100000"/>
+              <a:gd name="adj2" fmla="val 15788"/>
+            </a:avLst>
+          </a:prstGeom>
+          <a:solidFill>
+            <a:srgbClr val="404040"/>
+          </a:solidFill>
+          <a:ln w="53975">
+            <a:noFill/>
+          </a:ln>
+        </p:spPr>
+        <p:style>
+          <a:lnRef idx="2">
+            <a:schemeClr val="accent1">
+              <a:shade val="50000"/>
+            </a:schemeClr>
+          </a:lnRef>
+          <a:fillRef idx="1">
+            <a:schemeClr val="accent1"/>
+          </a:fillRef>
+          <a:effectRef idx="0">
+            <a:schemeClr val="accent1"/>
+          </a:effectRef>
+          <a:fontRef idx="minor">
+            <a:schemeClr val="lt1"/>
+          </a:fontRef>
+        </p:style>
+        <p:txBody>
+          <a:bodyPr rtlCol="0" anchor="ctr"/>
+          <a:lstStyle/>
+          <a:p>
+            <a:pPr algn="ctr"/>
+            <a:endParaRPr lang="en-US"/>
+          </a:p>
+        </p:txBody>
+      </p:sp>
+      <p:sp>
+        <p:nvSpPr>
+          <p:cNvPr id="2" name="Titre 1">
+            <a:extLst>
+              <a:ext uri="{FF2B5EF4-FFF2-40B4-BE49-F238E27FC236}">
+                <a16:creationId xmlns:a16="http://schemas.microsoft.com/office/drawing/2014/main" id="{104C9545-D050-D642-81C4-78BC70EDC7EE}"/>
+              </a:ext>
+            </a:extLst>
+          </p:cNvPr>
+          <p:cNvSpPr>
+            <a:spLocks noGrp="1"/>
+          </p:cNvSpPr>
+          <p:nvPr>
+            <p:ph type="title"/>
+          </p:nvPr>
+        </p:nvSpPr>
+        <p:spPr>
+          <a:xfrm>
+            <a:off x="1028700" y="1967266"/>
+            <a:ext cx="2628900" cy="2547257"/>
+          </a:xfrm>
+          <a:noFill/>
+        </p:spPr>
+        <p:txBody>
+          <a:bodyPr vert="horz" lIns="91440" tIns="45720" rIns="91440" bIns="45720" rtlCol="0" anchor="ctr">
+            <a:normAutofit/>
+          </a:bodyPr>
+          <a:lstStyle/>
+          <a:p>
+            <a:pPr algn="ctr"/>
+            <a:r>
+              <a:rPr lang="en-US" sz="3600" b="1" kern="1200">
+                <a:solidFill>
+                  <a:srgbClr val="FFFFFF"/>
+                </a:solidFill>
+                <a:latin typeface="+mj-lt"/>
+                <a:ea typeface="+mj-ea"/>
+                <a:cs typeface="+mj-cs"/>
+              </a:rPr>
+              <a:t>Tarifs</a:t>
+            </a:r>
+          </a:p>
+        </p:txBody>
+      </p:sp>
+      <p:pic>
+        <p:nvPicPr>
+          <p:cNvPr id="5" name="Espace réservé du contenu 4" descr="Une image contenant table&#10;&#10;Description générée automatiquement">
+            <a:extLst>
+              <a:ext uri="{FF2B5EF4-FFF2-40B4-BE49-F238E27FC236}">
+                <a16:creationId xmlns:a16="http://schemas.microsoft.com/office/drawing/2014/main" id="{B7486CD1-7B81-6447-9172-5F5F7D6750CF}"/>
+              </a:ext>
+            </a:extLst>
+          </p:cNvPr>
+          <p:cNvPicPr>
+            <a:picLocks noGrp="1"/>
+          </p:cNvPicPr>
+          <p:nvPr>
+            <p:ph idx="1"/>
+          </p:nvPr>
+        </p:nvPicPr>
+        <p:blipFill>
+          <a:blip r:embed="rId2">
+            <a:extLst>
+              <a:ext uri="{28A0092B-C50C-407E-A947-70E740481C1C}">
+                <a14:useLocalDpi xmlns:a14="http://schemas.microsoft.com/office/drawing/2010/main" val="0"/>
+              </a:ext>
+            </a:extLst>
+          </a:blip>
+          <a:stretch>
+            <a:fillRect/>
+          </a:stretch>
+        </p:blipFill>
+        <p:spPr>
+          <a:xfrm>
+            <a:off x="4777316" y="1910655"/>
+            <a:ext cx="6780700" cy="3034361"/>
+          </a:xfrm>
+          <a:prstGeom prst="rect">
+            <a:avLst/>
+          </a:prstGeom>
+        </p:spPr>
+      </p:pic>
+    </p:spTree>
+    <p:extLst>
+      <p:ext uri="{BB962C8B-B14F-4D97-AF65-F5344CB8AC3E}">
+        <p14:creationId xmlns:p14="http://schemas.microsoft.com/office/powerpoint/2010/main" val="1779166965"/>
+      </p:ext>
+    </p:extLst>
+  </p:cSld>
+  <p:clrMapOvr>
+    <a:masterClrMapping/>
+  </p:clrMapOvr>
+</p:sld>
+</file>
+
+<file path=ppt/slides/slide14.xml><?xml version="1.0" encoding="utf-8"?>
+<p:sld xmlns:a="http://schemas.openxmlformats.org/drawingml/2006/main" xmlns:r="http://schemas.openxmlformats.org/officeDocument/2006/relationships" xmlns:p="http://schemas.openxmlformats.org/presentationml/2006/main">
+  <p:cSld>
+    <p:bg>
+      <p:bgPr>
+        <a:solidFill>
+          <a:schemeClr val="bg1"/>
+        </a:solidFill>
+        <a:effectLst/>
+      </p:bgPr>
+    </p:bg>
+    <p:spTree>
+      <p:nvGrpSpPr>
+        <p:cNvPr id="1" name=""/>
+        <p:cNvGrpSpPr/>
+        <p:nvPr/>
+      </p:nvGrpSpPr>
+      <p:grpSpPr>
+        <a:xfrm>
+          <a:off x="0" y="0"/>
+          <a:ext cx="0" cy="0"/>
+          <a:chOff x="0" y="0"/>
+          <a:chExt cx="0" cy="0"/>
+        </a:xfrm>
+      </p:grpSpPr>
+      <p:sp>
+        <p:nvSpPr>
+          <p:cNvPr id="17" name="Down Arrow 7">
+            <a:extLst>
+              <a:ext uri="{FF2B5EF4-FFF2-40B4-BE49-F238E27FC236}">
+                <a16:creationId xmlns:a16="http://schemas.microsoft.com/office/drawing/2014/main" id="{D4771268-CB57-404A-9271-370EB28F6090}"/>
+              </a:ext>
+              <a:ext uri="{C183D7F6-B498-43B3-948B-1728B52AA6E4}">
+                <adec:decorative xmlns:adec="http://schemas.microsoft.com/office/drawing/2017/decorative" val="1"/>
+              </a:ext>
+            </a:extLst>
+          </p:cNvPr>
+          <p:cNvSpPr>
+            <a:spLocks noGrp="1" noRot="1" noChangeAspect="1" noMove="1" noResize="1" noEditPoints="1" noAdjustHandles="1" noChangeArrowheads="1" noChangeShapeType="1" noTextEdit="1"/>
+          </p:cNvSpPr>
+          <p:nvPr>
+            <p:extLst>
+              <p:ext uri="{386F3935-93C4-4BCD-93E2-E3B085C9AB24}">
+                <p16:designElem xmlns:p16="http://schemas.microsoft.com/office/powerpoint/2015/main" val="1"/>
+              </p:ext>
+            </p:extLst>
+          </p:nvPr>
+        </p:nvSpPr>
+        <p:spPr>
+          <a:xfrm rot="16200000">
+            <a:off x="800100" y="1491343"/>
+            <a:ext cx="3333749" cy="3499103"/>
+          </a:xfrm>
+          <a:prstGeom prst="downArrow">
+            <a:avLst>
+              <a:gd name="adj1" fmla="val 100000"/>
+              <a:gd name="adj2" fmla="val 15788"/>
+            </a:avLst>
+          </a:prstGeom>
+          <a:solidFill>
+            <a:srgbClr val="404040"/>
+          </a:solidFill>
+          <a:ln w="53975">
+            <a:noFill/>
+          </a:ln>
+        </p:spPr>
+        <p:style>
+          <a:lnRef idx="2">
+            <a:schemeClr val="accent1">
+              <a:shade val="50000"/>
+            </a:schemeClr>
+          </a:lnRef>
+          <a:fillRef idx="1">
+            <a:schemeClr val="accent1"/>
+          </a:fillRef>
+          <a:effectRef idx="0">
+            <a:schemeClr val="accent1"/>
+          </a:effectRef>
+          <a:fontRef idx="minor">
+            <a:schemeClr val="lt1"/>
+          </a:fontRef>
+        </p:style>
+        <p:txBody>
+          <a:bodyPr rtlCol="0" anchor="ctr"/>
+          <a:lstStyle/>
+          <a:p>
+            <a:pPr algn="ctr"/>
+            <a:endParaRPr lang="en-US"/>
+          </a:p>
+        </p:txBody>
+      </p:sp>
+      <p:sp>
+        <p:nvSpPr>
+          <p:cNvPr id="2" name="Titre 1">
+            <a:extLst>
+              <a:ext uri="{FF2B5EF4-FFF2-40B4-BE49-F238E27FC236}">
+                <a16:creationId xmlns:a16="http://schemas.microsoft.com/office/drawing/2014/main" id="{104C9545-D050-D642-81C4-78BC70EDC7EE}"/>
+              </a:ext>
+            </a:extLst>
+          </p:cNvPr>
+          <p:cNvSpPr>
+            <a:spLocks noGrp="1"/>
+          </p:cNvSpPr>
+          <p:nvPr>
+            <p:ph type="title"/>
+          </p:nvPr>
+        </p:nvSpPr>
+        <p:spPr>
+          <a:xfrm>
+            <a:off x="1028700" y="1967266"/>
+            <a:ext cx="2628900" cy="2547257"/>
+          </a:xfrm>
+          <a:noFill/>
+        </p:spPr>
+        <p:txBody>
+          <a:bodyPr vert="horz" lIns="91440" tIns="45720" rIns="91440" bIns="45720" rtlCol="0" anchor="ctr">
+            <a:normAutofit/>
+          </a:bodyPr>
+          <a:lstStyle/>
+          <a:p>
+            <a:pPr algn="ctr"/>
+            <a:r>
+              <a:rPr lang="en-US" sz="3600" b="1" kern="1200">
+                <a:solidFill>
+                  <a:srgbClr val="FFFFFF"/>
+                </a:solidFill>
+                <a:latin typeface="+mj-lt"/>
+                <a:ea typeface="+mj-ea"/>
+                <a:cs typeface="+mj-cs"/>
+              </a:rPr>
+              <a:t>Tarifs</a:t>
+            </a:r>
+          </a:p>
+        </p:txBody>
+      </p:sp>
+      <p:pic>
+        <p:nvPicPr>
+          <p:cNvPr id="5" name="Espace réservé du contenu 4">
+            <a:extLst>
+              <a:ext uri="{FF2B5EF4-FFF2-40B4-BE49-F238E27FC236}">
+                <a16:creationId xmlns:a16="http://schemas.microsoft.com/office/drawing/2014/main" id="{B7486CD1-7B81-6447-9172-5F5F7D6750CF}"/>
+              </a:ext>
+            </a:extLst>
+          </p:cNvPr>
+          <p:cNvPicPr>
+            <a:picLocks noGrp="1"/>
+          </p:cNvPicPr>
+          <p:nvPr>
+            <p:ph idx="1"/>
+          </p:nvPr>
+        </p:nvPicPr>
+        <p:blipFill>
+          <a:blip r:embed="rId2">
+            <a:extLst>
+              <a:ext uri="{28A0092B-C50C-407E-A947-70E740481C1C}">
+                <a14:useLocalDpi xmlns:a14="http://schemas.microsoft.com/office/drawing/2010/main" val="0"/>
+              </a:ext>
+            </a:extLst>
+          </a:blip>
+          <a:srcRect/>
+          <a:stretch/>
+        </p:blipFill>
+        <p:spPr>
+          <a:xfrm>
+            <a:off x="4527804" y="1325217"/>
+            <a:ext cx="7306387" cy="4174435"/>
+          </a:xfrm>
+          <a:prstGeom prst="rect">
+            <a:avLst/>
+          </a:prstGeom>
+        </p:spPr>
+      </p:pic>
+    </p:spTree>
+    <p:extLst>
+      <p:ext uri="{BB962C8B-B14F-4D97-AF65-F5344CB8AC3E}">
+        <p14:creationId xmlns:p14="http://schemas.microsoft.com/office/powerpoint/2010/main" val="379940234"/>
       </p:ext>
     </p:extLst>
   </p:cSld>
@@ -4337,6 +8118,1386 @@
       </p:transition>
     </mc:Fallback>
   </mc:AlternateContent>
+</p:sld>
+</file>
+
+<file path=ppt/slides/slide6.xml><?xml version="1.0" encoding="utf-8"?>
+<p:sld xmlns:a="http://schemas.openxmlformats.org/drawingml/2006/main" xmlns:r="http://schemas.openxmlformats.org/officeDocument/2006/relationships" xmlns:p="http://schemas.openxmlformats.org/presentationml/2006/main">
+  <p:cSld>
+    <p:bg>
+      <p:bgPr>
+        <a:solidFill>
+          <a:schemeClr val="bg1"/>
+        </a:solidFill>
+        <a:effectLst/>
+      </p:bgPr>
+    </p:bg>
+    <p:spTree>
+      <p:nvGrpSpPr>
+        <p:cNvPr id="1" name=""/>
+        <p:cNvGrpSpPr/>
+        <p:nvPr/>
+      </p:nvGrpSpPr>
+      <p:grpSpPr>
+        <a:xfrm>
+          <a:off x="0" y="0"/>
+          <a:ext cx="0" cy="0"/>
+          <a:chOff x="0" y="0"/>
+          <a:chExt cx="0" cy="0"/>
+        </a:xfrm>
+      </p:grpSpPr>
+      <p:sp>
+        <p:nvSpPr>
+          <p:cNvPr id="10" name="Down Arrow 7">
+            <a:extLst>
+              <a:ext uri="{FF2B5EF4-FFF2-40B4-BE49-F238E27FC236}">
+                <a16:creationId xmlns:a16="http://schemas.microsoft.com/office/drawing/2014/main" id="{D4771268-CB57-404A-9271-370EB28F6090}"/>
+              </a:ext>
+              <a:ext uri="{C183D7F6-B498-43B3-948B-1728B52AA6E4}">
+                <adec:decorative xmlns:adec="http://schemas.microsoft.com/office/drawing/2017/decorative" val="1"/>
+              </a:ext>
+            </a:extLst>
+          </p:cNvPr>
+          <p:cNvSpPr>
+            <a:spLocks noGrp="1" noRot="1" noChangeAspect="1" noMove="1" noResize="1" noEditPoints="1" noAdjustHandles="1" noChangeArrowheads="1" noChangeShapeType="1" noTextEdit="1"/>
+          </p:cNvSpPr>
+          <p:nvPr>
+            <p:extLst>
+              <p:ext uri="{386F3935-93C4-4BCD-93E2-E3B085C9AB24}">
+                <p16:designElem xmlns:p16="http://schemas.microsoft.com/office/powerpoint/2015/main" val="1"/>
+              </p:ext>
+            </p:extLst>
+          </p:nvPr>
+        </p:nvSpPr>
+        <p:spPr>
+          <a:xfrm rot="16200000">
+            <a:off x="800100" y="1491343"/>
+            <a:ext cx="3333749" cy="3499103"/>
+          </a:xfrm>
+          <a:prstGeom prst="downArrow">
+            <a:avLst>
+              <a:gd name="adj1" fmla="val 100000"/>
+              <a:gd name="adj2" fmla="val 15788"/>
+            </a:avLst>
+          </a:prstGeom>
+          <a:solidFill>
+            <a:srgbClr val="404040"/>
+          </a:solidFill>
+          <a:ln w="53975">
+            <a:noFill/>
+          </a:ln>
+        </p:spPr>
+        <p:style>
+          <a:lnRef idx="2">
+            <a:schemeClr val="accent1">
+              <a:shade val="50000"/>
+            </a:schemeClr>
+          </a:lnRef>
+          <a:fillRef idx="1">
+            <a:schemeClr val="accent1"/>
+          </a:fillRef>
+          <a:effectRef idx="0">
+            <a:schemeClr val="accent1"/>
+          </a:effectRef>
+          <a:fontRef idx="minor">
+            <a:schemeClr val="lt1"/>
+          </a:fontRef>
+        </p:style>
+        <p:txBody>
+          <a:bodyPr rtlCol="0" anchor="ctr"/>
+          <a:lstStyle/>
+          <a:p>
+            <a:pPr algn="ctr"/>
+            <a:endParaRPr lang="en-US"/>
+          </a:p>
+        </p:txBody>
+      </p:sp>
+      <p:sp>
+        <p:nvSpPr>
+          <p:cNvPr id="2" name="Titre 1">
+            <a:extLst>
+              <a:ext uri="{FF2B5EF4-FFF2-40B4-BE49-F238E27FC236}">
+                <a16:creationId xmlns:a16="http://schemas.microsoft.com/office/drawing/2014/main" id="{CF90D088-D12C-4A9E-A08A-68317FFE3BCB}"/>
+              </a:ext>
+            </a:extLst>
+          </p:cNvPr>
+          <p:cNvSpPr>
+            <a:spLocks noGrp="1"/>
+          </p:cNvSpPr>
+          <p:nvPr>
+            <p:ph type="title"/>
+          </p:nvPr>
+        </p:nvSpPr>
+        <p:spPr>
+          <a:xfrm>
+            <a:off x="573032" y="1967265"/>
+            <a:ext cx="3748616" cy="2547257"/>
+          </a:xfrm>
+          <a:noFill/>
+        </p:spPr>
+        <p:txBody>
+          <a:bodyPr vert="horz" lIns="91440" tIns="45720" rIns="91440" bIns="45720" rtlCol="0" anchor="ctr">
+            <a:normAutofit/>
+          </a:bodyPr>
+          <a:lstStyle/>
+          <a:p>
+            <a:pPr algn="ctr"/>
+            <a:r>
+              <a:rPr lang="en-US" sz="3200" kern="1200" dirty="0">
+                <a:solidFill>
+                  <a:srgbClr val="FFFFFF"/>
+                </a:solidFill>
+                <a:latin typeface="Verdana Pro Black" panose="020B0A04030504040204" pitchFamily="34" charset="0"/>
+              </a:rPr>
+              <a:t>Transcription</a:t>
+            </a:r>
+          </a:p>
+        </p:txBody>
+      </p:sp>
+      <p:pic>
+        <p:nvPicPr>
+          <p:cNvPr id="5" name="Espace réservé du contenu 4">
+            <a:extLst>
+              <a:ext uri="{FF2B5EF4-FFF2-40B4-BE49-F238E27FC236}">
+                <a16:creationId xmlns:a16="http://schemas.microsoft.com/office/drawing/2014/main" id="{C7119FE1-3DF2-44B5-AAB8-1FCE038E5444}"/>
+              </a:ext>
+            </a:extLst>
+          </p:cNvPr>
+          <p:cNvPicPr>
+            <a:picLocks noGrp="1" noChangeAspect="1"/>
+          </p:cNvPicPr>
+          <p:nvPr>
+            <p:ph idx="1"/>
+          </p:nvPr>
+        </p:nvPicPr>
+        <p:blipFill>
+          <a:blip r:embed="rId2">
+            <a:extLst>
+              <a:ext uri="{28A0092B-C50C-407E-A947-70E740481C1C}">
+                <a14:useLocalDpi xmlns:a14="http://schemas.microsoft.com/office/drawing/2010/main" val="0"/>
+              </a:ext>
+            </a:extLst>
+          </a:blip>
+          <a:srcRect/>
+          <a:stretch/>
+        </p:blipFill>
+        <p:spPr>
+          <a:xfrm>
+            <a:off x="4777316" y="1547251"/>
+            <a:ext cx="6780700" cy="3761169"/>
+          </a:xfrm>
+          <a:prstGeom prst="rect">
+            <a:avLst/>
+          </a:prstGeom>
+        </p:spPr>
+      </p:pic>
+      <p:sp>
+        <p:nvSpPr>
+          <p:cNvPr id="6" name="ZoneTexte 5">
+            <a:extLst>
+              <a:ext uri="{FF2B5EF4-FFF2-40B4-BE49-F238E27FC236}">
+                <a16:creationId xmlns:a16="http://schemas.microsoft.com/office/drawing/2014/main" id="{E89F9595-B3F6-8F46-B1A0-C4E8373FE198}"/>
+              </a:ext>
+            </a:extLst>
+          </p:cNvPr>
+          <p:cNvSpPr txBox="1"/>
+          <p:nvPr/>
+        </p:nvSpPr>
+        <p:spPr>
+          <a:xfrm>
+            <a:off x="6332869" y="5308420"/>
+            <a:ext cx="3669594" cy="261610"/>
+          </a:xfrm>
+          <a:prstGeom prst="rect">
+            <a:avLst/>
+          </a:prstGeom>
+          <a:noFill/>
+        </p:spPr>
+        <p:txBody>
+          <a:bodyPr wrap="none" rtlCol="0">
+            <a:spAutoFit/>
+          </a:bodyPr>
+          <a:lstStyle/>
+          <a:p>
+            <a:r>
+              <a:rPr lang="fr-FR" sz="1100" dirty="0">
+                <a:solidFill>
+                  <a:schemeClr val="bg1">
+                    <a:lumMod val="50000"/>
+                  </a:schemeClr>
+                </a:solidFill>
+              </a:rPr>
+              <a:t>Source : https://</a:t>
+            </a:r>
+            <a:r>
+              <a:rPr lang="fr-FR" sz="1100" dirty="0" err="1">
+                <a:solidFill>
+                  <a:schemeClr val="bg1">
+                    <a:lumMod val="50000"/>
+                  </a:schemeClr>
+                </a:solidFill>
+              </a:rPr>
+              <a:t>i.morioh.com</a:t>
+            </a:r>
+            <a:r>
+              <a:rPr lang="fr-FR" sz="1100" dirty="0">
+                <a:solidFill>
+                  <a:schemeClr val="bg1">
+                    <a:lumMod val="50000"/>
+                  </a:schemeClr>
+                </a:solidFill>
+              </a:rPr>
+              <a:t>/2020/02/19/8f43f25c53c3.jpg</a:t>
+            </a:r>
+          </a:p>
+        </p:txBody>
+      </p:sp>
+    </p:spTree>
+    <p:extLst>
+      <p:ext uri="{BB962C8B-B14F-4D97-AF65-F5344CB8AC3E}">
+        <p14:creationId xmlns:p14="http://schemas.microsoft.com/office/powerpoint/2010/main" val="2584326069"/>
+      </p:ext>
+    </p:extLst>
+  </p:cSld>
+  <p:clrMapOvr>
+    <a:masterClrMapping/>
+  </p:clrMapOvr>
+  <p:transition spd="slow">
+    <p:push dir="u"/>
+  </p:transition>
+</p:sld>
+</file>
+
+<file path=ppt/slides/slide7.xml><?xml version="1.0" encoding="utf-8"?>
+<p:sld xmlns:a="http://schemas.openxmlformats.org/drawingml/2006/main" xmlns:r="http://schemas.openxmlformats.org/officeDocument/2006/relationships" xmlns:p="http://schemas.openxmlformats.org/presentationml/2006/main">
+  <p:cSld>
+    <p:spTree>
+      <p:nvGrpSpPr>
+        <p:cNvPr id="1" name=""/>
+        <p:cNvGrpSpPr/>
+        <p:nvPr/>
+      </p:nvGrpSpPr>
+      <p:grpSpPr>
+        <a:xfrm>
+          <a:off x="0" y="0"/>
+          <a:ext cx="0" cy="0"/>
+          <a:chOff x="0" y="0"/>
+          <a:chExt cx="0" cy="0"/>
+        </a:xfrm>
+      </p:grpSpPr>
+      <p:sp>
+        <p:nvSpPr>
+          <p:cNvPr id="7" name="Rectangle 6">
+            <a:extLst>
+              <a:ext uri="{FF2B5EF4-FFF2-40B4-BE49-F238E27FC236}">
+                <a16:creationId xmlns:a16="http://schemas.microsoft.com/office/drawing/2014/main" id="{4D738910-0BC5-734A-8C6C-8C2A806926E7}"/>
+              </a:ext>
+            </a:extLst>
+          </p:cNvPr>
+          <p:cNvSpPr/>
+          <p:nvPr/>
+        </p:nvSpPr>
+        <p:spPr>
+          <a:xfrm>
+            <a:off x="-106017" y="-145774"/>
+            <a:ext cx="12430539" cy="1836462"/>
+          </a:xfrm>
+          <a:prstGeom prst="rect">
+            <a:avLst/>
+          </a:prstGeom>
+          <a:solidFill>
+            <a:schemeClr val="tx1"/>
+          </a:solidFill>
+        </p:spPr>
+        <p:style>
+          <a:lnRef idx="2">
+            <a:schemeClr val="accent1">
+              <a:shade val="50000"/>
+            </a:schemeClr>
+          </a:lnRef>
+          <a:fillRef idx="1">
+            <a:schemeClr val="accent1"/>
+          </a:fillRef>
+          <a:effectRef idx="0">
+            <a:schemeClr val="accent1"/>
+          </a:effectRef>
+          <a:fontRef idx="minor">
+            <a:schemeClr val="lt1"/>
+          </a:fontRef>
+        </p:style>
+        <p:txBody>
+          <a:bodyPr rtlCol="0" anchor="ctr"/>
+          <a:lstStyle/>
+          <a:p>
+            <a:pPr algn="ctr"/>
+            <a:endParaRPr lang="fr-FR"/>
+          </a:p>
+        </p:txBody>
+      </p:sp>
+      <p:sp>
+        <p:nvSpPr>
+          <p:cNvPr id="2" name="Titre 1">
+            <a:extLst>
+              <a:ext uri="{FF2B5EF4-FFF2-40B4-BE49-F238E27FC236}">
+                <a16:creationId xmlns:a16="http://schemas.microsoft.com/office/drawing/2014/main" id="{E20A8694-AB8B-7740-B0EC-78B90978BB27}"/>
+              </a:ext>
+            </a:extLst>
+          </p:cNvPr>
+          <p:cNvSpPr>
+            <a:spLocks noGrp="1"/>
+          </p:cNvSpPr>
+          <p:nvPr>
+            <p:ph type="title"/>
+          </p:nvPr>
+        </p:nvSpPr>
+        <p:spPr>
+          <a:xfrm>
+            <a:off x="3517106" y="203994"/>
+            <a:ext cx="5157787" cy="1325563"/>
+          </a:xfrm>
+          <a:solidFill>
+            <a:schemeClr val="tx1"/>
+          </a:solidFill>
+        </p:spPr>
+        <p:style>
+          <a:lnRef idx="2">
+            <a:schemeClr val="dk1">
+              <a:shade val="50000"/>
+            </a:schemeClr>
+          </a:lnRef>
+          <a:fillRef idx="1">
+            <a:schemeClr val="dk1"/>
+          </a:fillRef>
+          <a:effectRef idx="0">
+            <a:schemeClr val="dk1"/>
+          </a:effectRef>
+          <a:fontRef idx="minor">
+            <a:schemeClr val="lt1"/>
+          </a:fontRef>
+        </p:style>
+        <p:txBody>
+          <a:bodyPr/>
+          <a:lstStyle/>
+          <a:p>
+            <a:r>
+              <a:rPr lang="fr-FR" b="1" dirty="0">
+                <a:latin typeface="Verdana Pro" panose="020B0604030504040204" pitchFamily="34" charset="0"/>
+              </a:rPr>
+              <a:t>Premiers tests</a:t>
+            </a:r>
+          </a:p>
+        </p:txBody>
+      </p:sp>
+      <p:sp>
+        <p:nvSpPr>
+          <p:cNvPr id="3" name="Espace réservé du texte 2">
+            <a:extLst>
+              <a:ext uri="{FF2B5EF4-FFF2-40B4-BE49-F238E27FC236}">
+                <a16:creationId xmlns:a16="http://schemas.microsoft.com/office/drawing/2014/main" id="{9C30A56A-8B5F-EC4A-AAC4-B7CB10789061}"/>
+              </a:ext>
+            </a:extLst>
+          </p:cNvPr>
+          <p:cNvSpPr>
+            <a:spLocks noGrp="1"/>
+          </p:cNvSpPr>
+          <p:nvPr>
+            <p:ph type="body" idx="1"/>
+          </p:nvPr>
+        </p:nvSpPr>
+        <p:spPr/>
+        <p:txBody>
+          <a:bodyPr/>
+          <a:lstStyle/>
+          <a:p>
+            <a:r>
+              <a:rPr lang="fr-FR" dirty="0">
+                <a:latin typeface="Verdana Pro" panose="020B0604030504040204" pitchFamily="34" charset="0"/>
+              </a:rPr>
+              <a:t>Transcription de Lara</a:t>
+            </a:r>
+          </a:p>
+        </p:txBody>
+      </p:sp>
+      <p:sp>
+        <p:nvSpPr>
+          <p:cNvPr id="4" name="Espace réservé du contenu 3">
+            <a:extLst>
+              <a:ext uri="{FF2B5EF4-FFF2-40B4-BE49-F238E27FC236}">
+                <a16:creationId xmlns:a16="http://schemas.microsoft.com/office/drawing/2014/main" id="{46FDB2A8-5B7E-C84F-BC44-E334AF75653C}"/>
+              </a:ext>
+            </a:extLst>
+          </p:cNvPr>
+          <p:cNvSpPr>
+            <a:spLocks noGrp="1"/>
+          </p:cNvSpPr>
+          <p:nvPr>
+            <p:ph sz="half" idx="2"/>
+          </p:nvPr>
+        </p:nvSpPr>
+        <p:spPr/>
+        <p:txBody>
+          <a:bodyPr>
+            <a:normAutofit fontScale="77500" lnSpcReduction="20000"/>
+          </a:bodyPr>
+          <a:lstStyle/>
+          <a:p>
+            <a:pPr marL="0" indent="0">
+              <a:lnSpc>
+                <a:spcPct val="170000"/>
+              </a:lnSpc>
+              <a:buNone/>
+            </a:pPr>
+            <a:r>
+              <a:rPr lang="fr-FR" sz="1200" dirty="0">
+                <a:latin typeface="Verdana Pro" panose="020B0604030504040204" pitchFamily="34" charset="0"/>
+              </a:rPr>
+              <a:t>Ok, Romain </a:t>
+            </a:r>
+            <a:r>
+              <a:rPr lang="fr-FR" sz="1200" dirty="0" err="1">
+                <a:latin typeface="Verdana Pro" panose="020B0604030504040204" pitchFamily="34" charset="0"/>
+              </a:rPr>
+              <a:t>Guélat</a:t>
+            </a:r>
+            <a:r>
+              <a:rPr lang="fr-FR" sz="1200" dirty="0">
+                <a:latin typeface="Verdana Pro" panose="020B0604030504040204" pitchFamily="34" charset="0"/>
+              </a:rPr>
+              <a:t>, né le 4 février 1968 à Porrentruy dans le Jura. Et eh, je suis eh réalisateur, d’abord, et je suis aussi producteur. Notamment d’une émission qui s’appelle Passe-moi les Jumelles à la RTS. Et ici au festival, ça fait 22 ans que je filme les concerts en tant que réalisateur live. Qu’est-ce qui t’as amené ici à filmer des concerts? Ce qui m’a amené ici à filmer les concerts c’est que à l’époque où j’étais en stage à la, à la télévision. Stage de réalisateur. Avec mon collègue </a:t>
+            </a:r>
+            <a:r>
+              <a:rPr lang="fr-FR" sz="1200" dirty="0" err="1">
+                <a:latin typeface="Verdana Pro" panose="020B0604030504040204" pitchFamily="34" charset="0"/>
+              </a:rPr>
+              <a:t>Giulian</a:t>
+            </a:r>
+            <a:r>
+              <a:rPr lang="fr-FR" sz="1200" dirty="0">
+                <a:latin typeface="Verdana Pro" panose="020B0604030504040204" pitchFamily="34" charset="0"/>
+              </a:rPr>
+              <a:t> </a:t>
+            </a:r>
+            <a:r>
+              <a:rPr lang="fr-FR" sz="1200" dirty="0" err="1">
+                <a:latin typeface="Verdana Pro" panose="020B0604030504040204" pitchFamily="34" charset="0"/>
+              </a:rPr>
+              <a:t>Nicolet</a:t>
+            </a:r>
+            <a:r>
+              <a:rPr lang="fr-FR" sz="1200" dirty="0">
+                <a:latin typeface="Verdana Pro" panose="020B0604030504040204" pitchFamily="34" charset="0"/>
+              </a:rPr>
+              <a:t>, aussi réalisateur du Montreux Jazz toujours aujourd’hui, on avait très envie de venir voir ce qui se passait ici parce qu’on était fasciné par la musique. Et eh on avait un un  sorte de maître de stage, quelqu’un qui nous a engagé, qui s’appelle Michel </a:t>
+            </a:r>
+            <a:r>
+              <a:rPr lang="fr-FR" sz="1200" dirty="0" err="1">
+                <a:latin typeface="Verdana Pro" panose="020B0604030504040204" pitchFamily="34" charset="0"/>
+              </a:rPr>
+              <a:t>Dami</a:t>
+            </a:r>
+            <a:r>
+              <a:rPr lang="fr-FR" sz="1200" dirty="0">
+                <a:latin typeface="Verdana Pro" panose="020B0604030504040204" pitchFamily="34" charset="0"/>
+              </a:rPr>
+              <a:t> et qui nous a proposé de venir ici. Michel </a:t>
+            </a:r>
+            <a:r>
+              <a:rPr lang="fr-FR" sz="1200" dirty="0" err="1">
+                <a:latin typeface="Verdana Pro" panose="020B0604030504040204" pitchFamily="34" charset="0"/>
+              </a:rPr>
+              <a:t>Dami</a:t>
+            </a:r>
+            <a:r>
+              <a:rPr lang="fr-FR" sz="1200" dirty="0">
+                <a:latin typeface="Verdana Pro" panose="020B0604030504040204" pitchFamily="34" charset="0"/>
+              </a:rPr>
+              <a:t> était un des réalisateurs du Montreux Jazz Festival à l’époque et il travaillait avec un autre réalisateur qui s’appelle Gavin Taylor. Et </a:t>
+            </a:r>
+            <a:r>
+              <a:rPr lang="fr-FR" sz="1200" dirty="0" err="1">
+                <a:latin typeface="Verdana Pro" panose="020B0604030504040204" pitchFamily="34" charset="0"/>
+              </a:rPr>
+              <a:t>Giulian</a:t>
+            </a:r>
+            <a:r>
+              <a:rPr lang="fr-FR" sz="1200" dirty="0">
+                <a:latin typeface="Verdana Pro" panose="020B0604030504040204" pitchFamily="34" charset="0"/>
+              </a:rPr>
+              <a:t> et moi, on a, on est arrivé ici, complètement émerveillé par ce monde parce que les deux on aimait la musique. Et les deux on avait, on rêvait de filmer la musique puisqu’on le, on le faisait d’une autre manière, à un autre niveau, à un petit niveau avant eh eh pour des, pour des amis musiciens ou des choses comme ça mais c’était le rêve pour nous. </a:t>
+            </a:r>
+          </a:p>
+          <a:p>
+            <a:pPr marL="0" indent="0">
+              <a:buNone/>
+            </a:pPr>
+            <a:endParaRPr lang="fr-FR" sz="1000" dirty="0"/>
+          </a:p>
+        </p:txBody>
+      </p:sp>
+      <p:sp>
+        <p:nvSpPr>
+          <p:cNvPr id="5" name="Espace réservé du texte 4">
+            <a:extLst>
+              <a:ext uri="{FF2B5EF4-FFF2-40B4-BE49-F238E27FC236}">
+                <a16:creationId xmlns:a16="http://schemas.microsoft.com/office/drawing/2014/main" id="{3507E18C-34BD-6C40-8A18-FE414243721F}"/>
+              </a:ext>
+            </a:extLst>
+          </p:cNvPr>
+          <p:cNvSpPr>
+            <a:spLocks noGrp="1"/>
+          </p:cNvSpPr>
+          <p:nvPr>
+            <p:ph type="body" sz="quarter" idx="3"/>
+          </p:nvPr>
+        </p:nvSpPr>
+        <p:spPr/>
+        <p:txBody>
+          <a:bodyPr/>
+          <a:lstStyle/>
+          <a:p>
+            <a:r>
+              <a:rPr lang="fr-FR" dirty="0">
+                <a:latin typeface="Verdana Pro" panose="020B0604030504040204" pitchFamily="34" charset="0"/>
+              </a:rPr>
+              <a:t>Google Speech API</a:t>
+            </a:r>
+          </a:p>
+        </p:txBody>
+      </p:sp>
+      <p:sp>
+        <p:nvSpPr>
+          <p:cNvPr id="6" name="Espace réservé du contenu 5">
+            <a:extLst>
+              <a:ext uri="{FF2B5EF4-FFF2-40B4-BE49-F238E27FC236}">
+                <a16:creationId xmlns:a16="http://schemas.microsoft.com/office/drawing/2014/main" id="{3FDF5CFC-0172-0543-B28F-EB95A025785E}"/>
+              </a:ext>
+            </a:extLst>
+          </p:cNvPr>
+          <p:cNvSpPr>
+            <a:spLocks noGrp="1"/>
+          </p:cNvSpPr>
+          <p:nvPr>
+            <p:ph sz="quarter" idx="4"/>
+          </p:nvPr>
+        </p:nvSpPr>
+        <p:spPr/>
+        <p:txBody>
+          <a:bodyPr>
+            <a:noAutofit/>
+          </a:bodyPr>
+          <a:lstStyle/>
+          <a:p>
+            <a:pPr marL="0" indent="0">
+              <a:lnSpc>
+                <a:spcPct val="150000"/>
+              </a:lnSpc>
+              <a:buNone/>
+            </a:pPr>
+            <a:r>
+              <a:rPr lang="fr-FR" sz="900" dirty="0">
+                <a:solidFill>
+                  <a:srgbClr val="FF0000"/>
+                </a:solidFill>
+                <a:latin typeface="Verdana Pro" panose="020B0604030504040204" pitchFamily="34" charset="0"/>
+              </a:rPr>
+              <a:t>répare voilà </a:t>
+            </a:r>
+            <a:r>
+              <a:rPr lang="fr-FR" sz="900" dirty="0">
+                <a:latin typeface="Verdana Pro" panose="020B0604030504040204" pitchFamily="34" charset="0"/>
+              </a:rPr>
+              <a:t>il est né le 4 février 1968 à </a:t>
+            </a:r>
+            <a:r>
+              <a:rPr lang="fr-FR" sz="900" dirty="0" err="1">
+                <a:latin typeface="Verdana Pro" panose="020B0604030504040204" pitchFamily="34" charset="0"/>
+              </a:rPr>
+              <a:t>porrentruy</a:t>
+            </a:r>
+            <a:r>
+              <a:rPr lang="fr-FR" sz="900" dirty="0">
+                <a:latin typeface="Verdana Pro" panose="020B0604030504040204" pitchFamily="34" charset="0"/>
+              </a:rPr>
+              <a:t> jura et je suis réalisateur d'abord </a:t>
+            </a:r>
+            <a:r>
+              <a:rPr lang="fr-FR" sz="900" dirty="0">
+                <a:solidFill>
+                  <a:srgbClr val="FF0000"/>
+                </a:solidFill>
+                <a:latin typeface="Verdana Pro" panose="020B0604030504040204" pitchFamily="34" charset="0"/>
+              </a:rPr>
+              <a:t>[…]</a:t>
+            </a:r>
+            <a:r>
+              <a:rPr lang="fr-FR" sz="900" dirty="0">
+                <a:latin typeface="Verdana Pro" panose="020B0604030504040204" pitchFamily="34" charset="0"/>
+              </a:rPr>
+              <a:t> qui s'appelle passe-moi les jumelles à la </a:t>
+            </a:r>
+            <a:r>
+              <a:rPr lang="fr-FR" sz="900" dirty="0" err="1">
+                <a:latin typeface="Verdana Pro" panose="020B0604030504040204" pitchFamily="34" charset="0"/>
+              </a:rPr>
+              <a:t>rts</a:t>
+            </a:r>
+            <a:r>
+              <a:rPr lang="fr-FR" sz="900" dirty="0">
+                <a:latin typeface="Verdana Pro" panose="020B0604030504040204" pitchFamily="34" charset="0"/>
+              </a:rPr>
+              <a:t>. Et ici au festival ça fait 22 ans que je filme les concerts en tant que réalisateur live. Si tu as amené ici à filmer des concerts. Ce qui m'a initié à filmer les concerts c'est que à l'époque où j'étais en stage à la télévision. Stage de réalisateur avec mon collègue </a:t>
+            </a:r>
+            <a:r>
+              <a:rPr lang="fr-FR" sz="900" dirty="0">
+                <a:solidFill>
+                  <a:srgbClr val="FF0000"/>
+                </a:solidFill>
+                <a:latin typeface="Verdana Pro" panose="020B0604030504040204" pitchFamily="34" charset="0"/>
+              </a:rPr>
+              <a:t>julien </a:t>
+            </a:r>
+            <a:r>
+              <a:rPr lang="fr-FR" sz="900" dirty="0" err="1">
+                <a:solidFill>
+                  <a:srgbClr val="FF0000"/>
+                </a:solidFill>
+                <a:latin typeface="Verdana Pro" panose="020B0604030504040204" pitchFamily="34" charset="0"/>
+              </a:rPr>
+              <a:t>nicole</a:t>
+            </a:r>
+            <a:r>
+              <a:rPr lang="fr-FR" sz="900" dirty="0">
+                <a:solidFill>
+                  <a:srgbClr val="FF0000"/>
+                </a:solidFill>
+                <a:latin typeface="Verdana Pro" panose="020B0604030504040204" pitchFamily="34" charset="0"/>
+              </a:rPr>
+              <a:t> quai</a:t>
+            </a:r>
+            <a:r>
+              <a:rPr lang="fr-FR" sz="900" dirty="0">
+                <a:latin typeface="Verdana Pro" panose="020B0604030504040204" pitchFamily="34" charset="0"/>
+              </a:rPr>
+              <a:t>. Aussi réalisateur du </a:t>
+            </a:r>
+            <a:r>
+              <a:rPr lang="fr-FR" sz="900" dirty="0" err="1">
+                <a:latin typeface="Verdana Pro" panose="020B0604030504040204" pitchFamily="34" charset="0"/>
+              </a:rPr>
+              <a:t>montreux</a:t>
+            </a:r>
+            <a:r>
+              <a:rPr lang="fr-FR" sz="900" dirty="0">
+                <a:latin typeface="Verdana Pro" panose="020B0604030504040204" pitchFamily="34" charset="0"/>
+              </a:rPr>
+              <a:t> jazz toujours aujourd'hui. On avait très envie de venir voir ce qui se passe ici parce qu'on était fasciné par la musique. Et on avait un. Sors de maître de stage. Qui nous a engagés. À qui s'appelle </a:t>
+            </a:r>
+            <a:r>
+              <a:rPr lang="fr-FR" sz="900" dirty="0" err="1">
+                <a:solidFill>
+                  <a:srgbClr val="FF0000"/>
+                </a:solidFill>
+                <a:latin typeface="Verdana Pro" panose="020B0604030504040204" pitchFamily="34" charset="0"/>
+              </a:rPr>
+              <a:t>michel</a:t>
+            </a:r>
+            <a:r>
+              <a:rPr lang="fr-FR" sz="900" dirty="0">
+                <a:solidFill>
+                  <a:srgbClr val="FF0000"/>
+                </a:solidFill>
+                <a:latin typeface="Verdana Pro" panose="020B0604030504040204" pitchFamily="34" charset="0"/>
+              </a:rPr>
+              <a:t> d'amis </a:t>
+            </a:r>
+            <a:r>
+              <a:rPr lang="fr-FR" sz="900" dirty="0">
+                <a:latin typeface="Verdana Pro" panose="020B0604030504040204" pitchFamily="34" charset="0"/>
+              </a:rPr>
+              <a:t>et qui nous a proposé de venir ici c'est de la mienne était un des réalisateurs du </a:t>
+            </a:r>
+            <a:r>
+              <a:rPr lang="fr-FR" sz="900" dirty="0" err="1">
+                <a:latin typeface="Verdana Pro" panose="020B0604030504040204" pitchFamily="34" charset="0"/>
+              </a:rPr>
+              <a:t>montreux</a:t>
+            </a:r>
+            <a:r>
+              <a:rPr lang="fr-FR" sz="900" dirty="0">
+                <a:latin typeface="Verdana Pro" panose="020B0604030504040204" pitchFamily="34" charset="0"/>
+              </a:rPr>
+              <a:t> jazz festival à l'époque et travailler avec un autre </a:t>
+            </a:r>
+            <a:r>
+              <a:rPr lang="fr-FR" sz="900" dirty="0" err="1">
+                <a:latin typeface="Verdana Pro" panose="020B0604030504040204" pitchFamily="34" charset="0"/>
+              </a:rPr>
+              <a:t>hexatel</a:t>
+            </a:r>
+            <a:r>
+              <a:rPr lang="fr-FR" sz="900" dirty="0">
+                <a:latin typeface="Verdana Pro" panose="020B0604030504040204" pitchFamily="34" charset="0"/>
+              </a:rPr>
+              <a:t> s'appelle </a:t>
+            </a:r>
+            <a:r>
+              <a:rPr lang="fr-FR" sz="900" dirty="0" err="1">
+                <a:latin typeface="Verdana Pro" panose="020B0604030504040204" pitchFamily="34" charset="0"/>
+              </a:rPr>
+              <a:t>kevin</a:t>
+            </a:r>
+            <a:r>
+              <a:rPr lang="fr-FR" sz="900" dirty="0">
+                <a:latin typeface="Verdana Pro" panose="020B0604030504040204" pitchFamily="34" charset="0"/>
+              </a:rPr>
+              <a:t> </a:t>
+            </a:r>
+            <a:r>
+              <a:rPr lang="fr-FR" sz="900" dirty="0" err="1">
+                <a:latin typeface="Verdana Pro" panose="020B0604030504040204" pitchFamily="34" charset="0"/>
+              </a:rPr>
+              <a:t>taylor</a:t>
+            </a:r>
+            <a:r>
+              <a:rPr lang="fr-FR" sz="900" dirty="0">
+                <a:latin typeface="Verdana Pro" panose="020B0604030504040204" pitchFamily="34" charset="0"/>
+              </a:rPr>
+              <a:t>. Tu animaux on est arrivé ici. Complètement émerveillé par ce monde parce que les deux on aimait la musique et les deux on avait. Rêver de filmer la musique plus qu'on le qu'on le faisait d'une autre manière à notre niveau un petit niveau avant. Pour des pour des amis musiciens de choses comme ça mais c'était pour nous.</a:t>
+            </a:r>
+          </a:p>
+        </p:txBody>
+      </p:sp>
+    </p:spTree>
+    <p:extLst>
+      <p:ext uri="{BB962C8B-B14F-4D97-AF65-F5344CB8AC3E}">
+        <p14:creationId xmlns:p14="http://schemas.microsoft.com/office/powerpoint/2010/main" val="1161825921"/>
+      </p:ext>
+    </p:extLst>
+  </p:cSld>
+  <p:clrMapOvr>
+    <a:masterClrMapping/>
+  </p:clrMapOvr>
+</p:sld>
+</file>
+
+<file path=ppt/slides/slide8.xml><?xml version="1.0" encoding="utf-8"?>
+<p:sld xmlns:a="http://schemas.openxmlformats.org/drawingml/2006/main" xmlns:r="http://schemas.openxmlformats.org/officeDocument/2006/relationships" xmlns:p="http://schemas.openxmlformats.org/presentationml/2006/main">
+  <p:cSld>
+    <p:bg>
+      <p:bgPr>
+        <a:solidFill>
+          <a:schemeClr val="bg1"/>
+        </a:solidFill>
+        <a:effectLst/>
+      </p:bgPr>
+    </p:bg>
+    <p:spTree>
+      <p:nvGrpSpPr>
+        <p:cNvPr id="1" name=""/>
+        <p:cNvGrpSpPr/>
+        <p:nvPr/>
+      </p:nvGrpSpPr>
+      <p:grpSpPr>
+        <a:xfrm>
+          <a:off x="0" y="0"/>
+          <a:ext cx="0" cy="0"/>
+          <a:chOff x="0" y="0"/>
+          <a:chExt cx="0" cy="0"/>
+        </a:xfrm>
+      </p:grpSpPr>
+      <p:sp>
+        <p:nvSpPr>
+          <p:cNvPr id="8" name="Rectangle 7">
+            <a:extLst>
+              <a:ext uri="{FF2B5EF4-FFF2-40B4-BE49-F238E27FC236}">
+                <a16:creationId xmlns:a16="http://schemas.microsoft.com/office/drawing/2014/main" id="{B34F5AD2-EDBD-4BBD-A55C-EAFFD0C7097A}"/>
+              </a:ext>
+              <a:ext uri="{C183D7F6-B498-43B3-948B-1728B52AA6E4}">
+                <adec:decorative xmlns:adec="http://schemas.microsoft.com/office/drawing/2017/decorative" val="1"/>
+              </a:ext>
+            </a:extLst>
+          </p:cNvPr>
+          <p:cNvSpPr>
+            <a:spLocks noGrp="1" noRot="1" noChangeAspect="1" noMove="1" noResize="1" noEditPoints="1" noAdjustHandles="1" noChangeArrowheads="1" noChangeShapeType="1" noTextEdit="1"/>
+          </p:cNvSpPr>
+          <p:nvPr>
+            <p:extLst>
+              <p:ext uri="{386F3935-93C4-4BCD-93E2-E3B085C9AB24}">
+                <p16:designElem xmlns:p16="http://schemas.microsoft.com/office/powerpoint/2015/main" val="1"/>
+              </p:ext>
+            </p:extLst>
+          </p:nvPr>
+        </p:nvSpPr>
+        <p:spPr>
+          <a:xfrm>
+            <a:off x="3740383" y="0"/>
+            <a:ext cx="8451607" cy="6858001"/>
+          </a:xfrm>
+          <a:prstGeom prst="rect">
+            <a:avLst/>
+          </a:prstGeom>
+          <a:solidFill>
+            <a:schemeClr val="bg1">
+              <a:lumMod val="95000"/>
+            </a:schemeClr>
+          </a:solidFill>
+          <a:ln>
+            <a:noFill/>
+          </a:ln>
+        </p:spPr>
+        <p:style>
+          <a:lnRef idx="2">
+            <a:schemeClr val="accent1">
+              <a:shade val="50000"/>
+            </a:schemeClr>
+          </a:lnRef>
+          <a:fillRef idx="1">
+            <a:schemeClr val="accent1"/>
+          </a:fillRef>
+          <a:effectRef idx="0">
+            <a:schemeClr val="accent1"/>
+          </a:effectRef>
+          <a:fontRef idx="minor">
+            <a:schemeClr val="lt1"/>
+          </a:fontRef>
+        </p:style>
+        <p:txBody>
+          <a:bodyPr rtlCol="0" anchor="ctr"/>
+          <a:lstStyle/>
+          <a:p>
+            <a:pPr algn="ctr"/>
+            <a:endParaRPr lang="en-US"/>
+          </a:p>
+        </p:txBody>
+      </p:sp>
+      <p:sp>
+        <p:nvSpPr>
+          <p:cNvPr id="10" name="Rectangle 9">
+            <a:extLst>
+              <a:ext uri="{FF2B5EF4-FFF2-40B4-BE49-F238E27FC236}">
+                <a16:creationId xmlns:a16="http://schemas.microsoft.com/office/drawing/2014/main" id="{C3896A03-3945-419A-B66B-4EE266EDD152}"/>
+              </a:ext>
+              <a:ext uri="{C183D7F6-B498-43B3-948B-1728B52AA6E4}">
+                <adec:decorative xmlns:adec="http://schemas.microsoft.com/office/drawing/2017/decorative" val="1"/>
+              </a:ext>
+            </a:extLst>
+          </p:cNvPr>
+          <p:cNvSpPr>
+            <a:spLocks noGrp="1" noRot="1" noChangeAspect="1" noMove="1" noResize="1" noEditPoints="1" noAdjustHandles="1" noChangeArrowheads="1" noChangeShapeType="1" noTextEdit="1"/>
+          </p:cNvSpPr>
+          <p:nvPr>
+            <p:extLst>
+              <p:ext uri="{386F3935-93C4-4BCD-93E2-E3B085C9AB24}">
+                <p16:designElem xmlns:p16="http://schemas.microsoft.com/office/powerpoint/2015/main" val="1"/>
+              </p:ext>
+            </p:extLst>
+          </p:nvPr>
+        </p:nvSpPr>
+        <p:spPr>
+          <a:xfrm>
+            <a:off x="10" y="0"/>
+            <a:ext cx="3745177" cy="6858001"/>
+          </a:xfrm>
+          <a:prstGeom prst="rect">
+            <a:avLst/>
+          </a:prstGeom>
+          <a:solidFill>
+            <a:schemeClr val="tx1">
+              <a:lumMod val="85000"/>
+              <a:lumOff val="15000"/>
+            </a:schemeClr>
+          </a:solidFill>
+          <a:ln>
+            <a:noFill/>
+          </a:ln>
+        </p:spPr>
+        <p:style>
+          <a:lnRef idx="2">
+            <a:schemeClr val="accent1">
+              <a:shade val="50000"/>
+            </a:schemeClr>
+          </a:lnRef>
+          <a:fillRef idx="1">
+            <a:schemeClr val="accent1"/>
+          </a:fillRef>
+          <a:effectRef idx="0">
+            <a:schemeClr val="accent1"/>
+          </a:effectRef>
+          <a:fontRef idx="minor">
+            <a:schemeClr val="lt1"/>
+          </a:fontRef>
+        </p:style>
+        <p:txBody>
+          <a:bodyPr rtlCol="0" anchor="ctr"/>
+          <a:lstStyle/>
+          <a:p>
+            <a:pPr algn="ctr"/>
+            <a:endParaRPr lang="en-US"/>
+          </a:p>
+        </p:txBody>
+      </p:sp>
+      <p:sp>
+        <p:nvSpPr>
+          <p:cNvPr id="2" name="Titre 1">
+            <a:extLst>
+              <a:ext uri="{FF2B5EF4-FFF2-40B4-BE49-F238E27FC236}">
+                <a16:creationId xmlns:a16="http://schemas.microsoft.com/office/drawing/2014/main" id="{104C9545-D050-D642-81C4-78BC70EDC7EE}"/>
+              </a:ext>
+            </a:extLst>
+          </p:cNvPr>
+          <p:cNvSpPr>
+            <a:spLocks noGrp="1"/>
+          </p:cNvSpPr>
+          <p:nvPr>
+            <p:ph type="title"/>
+          </p:nvPr>
+        </p:nvSpPr>
+        <p:spPr>
+          <a:xfrm>
+            <a:off x="613594" y="3141094"/>
+            <a:ext cx="2513206" cy="575812"/>
+          </a:xfrm>
+        </p:spPr>
+        <p:txBody>
+          <a:bodyPr anchor="t">
+            <a:normAutofit fontScale="90000"/>
+          </a:bodyPr>
+          <a:lstStyle/>
+          <a:p>
+            <a:r>
+              <a:rPr lang="fr-FR" sz="3600" b="1" dirty="0">
+                <a:solidFill>
+                  <a:schemeClr val="bg1"/>
+                </a:solidFill>
+                <a:latin typeface="Verdana Pro" panose="020B0A04030504040204" pitchFamily="34" charset="0"/>
+              </a:rPr>
+              <a:t>Résultats</a:t>
+            </a:r>
+          </a:p>
+        </p:txBody>
+      </p:sp>
+      <p:sp>
+        <p:nvSpPr>
+          <p:cNvPr id="12" name="Rectangle 11">
+            <a:extLst>
+              <a:ext uri="{FF2B5EF4-FFF2-40B4-BE49-F238E27FC236}">
+                <a16:creationId xmlns:a16="http://schemas.microsoft.com/office/drawing/2014/main" id="{B8EAE243-3A9F-4A46-B0D9-04C723A8A1BD}"/>
+              </a:ext>
+              <a:ext uri="{C183D7F6-B498-43B3-948B-1728B52AA6E4}">
+                <adec:decorative xmlns:adec="http://schemas.microsoft.com/office/drawing/2017/decorative" val="1"/>
+              </a:ext>
+            </a:extLst>
+          </p:cNvPr>
+          <p:cNvSpPr>
+            <a:spLocks noGrp="1" noRot="1" noChangeAspect="1" noMove="1" noResize="1" noEditPoints="1" noAdjustHandles="1" noChangeArrowheads="1" noChangeShapeType="1" noTextEdit="1"/>
+          </p:cNvSpPr>
+          <p:nvPr>
+            <p:extLst>
+              <p:ext uri="{386F3935-93C4-4BCD-93E2-E3B085C9AB24}">
+                <p16:designElem xmlns:p16="http://schemas.microsoft.com/office/powerpoint/2015/main" val="1"/>
+              </p:ext>
+            </p:extLst>
+          </p:nvPr>
+        </p:nvSpPr>
+        <p:spPr>
+          <a:xfrm>
+            <a:off x="4654733" y="643465"/>
+            <a:ext cx="457200" cy="45720"/>
+          </a:xfrm>
+          <a:prstGeom prst="rect">
+            <a:avLst/>
+          </a:prstGeom>
+          <a:solidFill>
+            <a:schemeClr val="tx1"/>
+          </a:solidFill>
+          <a:ln>
+            <a:noFill/>
+          </a:ln>
+        </p:spPr>
+        <p:style>
+          <a:lnRef idx="2">
+            <a:schemeClr val="accent1">
+              <a:shade val="50000"/>
+            </a:schemeClr>
+          </a:lnRef>
+          <a:fillRef idx="1">
+            <a:schemeClr val="accent1"/>
+          </a:fillRef>
+          <a:effectRef idx="0">
+            <a:schemeClr val="accent1"/>
+          </a:effectRef>
+          <a:fontRef idx="minor">
+            <a:schemeClr val="lt1"/>
+          </a:fontRef>
+        </p:style>
+        <p:txBody>
+          <a:bodyPr rtlCol="0" anchor="ctr"/>
+          <a:lstStyle/>
+          <a:p>
+            <a:pPr algn="ctr"/>
+            <a:endParaRPr lang="en-US"/>
+          </a:p>
+        </p:txBody>
+      </p:sp>
+      <p:graphicFrame>
+        <p:nvGraphicFramePr>
+          <p:cNvPr id="14" name="Espace réservé du contenu 2">
+            <a:extLst>
+              <a:ext uri="{FF2B5EF4-FFF2-40B4-BE49-F238E27FC236}">
+                <a16:creationId xmlns:a16="http://schemas.microsoft.com/office/drawing/2014/main" id="{540A0006-9468-7250-16F0-85361DF40CB5}"/>
+              </a:ext>
+            </a:extLst>
+          </p:cNvPr>
+          <p:cNvGraphicFramePr>
+            <a:graphicFrameLocks noGrp="1"/>
+          </p:cNvGraphicFramePr>
+          <p:nvPr>
+            <p:ph idx="1"/>
+          </p:nvPr>
+        </p:nvGraphicFramePr>
+        <p:xfrm>
+          <a:off x="4654732" y="850052"/>
+          <a:ext cx="6390623" cy="5326911"/>
+        </p:xfrm>
+        <a:graphic>
+          <a:graphicData uri="http://schemas.openxmlformats.org/drawingml/2006/diagram">
+            <dgm:relIds xmlns:dgm="http://schemas.openxmlformats.org/drawingml/2006/diagram" xmlns:r="http://schemas.openxmlformats.org/officeDocument/2006/relationships" r:dm="rId2" r:lo="rId3" r:qs="rId4" r:cs="rId5"/>
+          </a:graphicData>
+        </a:graphic>
+      </p:graphicFrame>
+    </p:spTree>
+    <p:extLst>
+      <p:ext uri="{BB962C8B-B14F-4D97-AF65-F5344CB8AC3E}">
+        <p14:creationId xmlns:p14="http://schemas.microsoft.com/office/powerpoint/2010/main" val="3949018937"/>
+      </p:ext>
+    </p:extLst>
+  </p:cSld>
+  <p:clrMapOvr>
+    <a:masterClrMapping/>
+  </p:clrMapOvr>
+</p:sld>
+</file>
+
+<file path=ppt/slides/slide9.xml><?xml version="1.0" encoding="utf-8"?>
+<p:sld xmlns:a="http://schemas.openxmlformats.org/drawingml/2006/main" xmlns:r="http://schemas.openxmlformats.org/officeDocument/2006/relationships" xmlns:p="http://schemas.openxmlformats.org/presentationml/2006/main">
+  <p:cSld>
+    <p:bg>
+      <p:bgPr>
+        <a:solidFill>
+          <a:schemeClr val="bg1"/>
+        </a:solidFill>
+        <a:effectLst/>
+      </p:bgPr>
+    </p:bg>
+    <p:spTree>
+      <p:nvGrpSpPr>
+        <p:cNvPr id="1" name=""/>
+        <p:cNvGrpSpPr/>
+        <p:nvPr/>
+      </p:nvGrpSpPr>
+      <p:grpSpPr>
+        <a:xfrm>
+          <a:off x="0" y="0"/>
+          <a:ext cx="0" cy="0"/>
+          <a:chOff x="0" y="0"/>
+          <a:chExt cx="0" cy="0"/>
+        </a:xfrm>
+      </p:grpSpPr>
+      <p:sp>
+        <p:nvSpPr>
+          <p:cNvPr id="8" name="Rectangle 7">
+            <a:extLst>
+              <a:ext uri="{FF2B5EF4-FFF2-40B4-BE49-F238E27FC236}">
+                <a16:creationId xmlns:a16="http://schemas.microsoft.com/office/drawing/2014/main" id="{B34F5AD2-EDBD-4BBD-A55C-EAFFD0C7097A}"/>
+              </a:ext>
+              <a:ext uri="{C183D7F6-B498-43B3-948B-1728B52AA6E4}">
+                <adec:decorative xmlns:adec="http://schemas.microsoft.com/office/drawing/2017/decorative" val="1"/>
+              </a:ext>
+            </a:extLst>
+          </p:cNvPr>
+          <p:cNvSpPr>
+            <a:spLocks noGrp="1" noRot="1" noChangeAspect="1" noMove="1" noResize="1" noEditPoints="1" noAdjustHandles="1" noChangeArrowheads="1" noChangeShapeType="1" noTextEdit="1"/>
+          </p:cNvSpPr>
+          <p:nvPr>
+            <p:extLst>
+              <p:ext uri="{386F3935-93C4-4BCD-93E2-E3B085C9AB24}">
+                <p16:designElem xmlns:p16="http://schemas.microsoft.com/office/powerpoint/2015/main" val="1"/>
+              </p:ext>
+            </p:extLst>
+          </p:nvPr>
+        </p:nvSpPr>
+        <p:spPr>
+          <a:xfrm>
+            <a:off x="3740383" y="0"/>
+            <a:ext cx="8451607" cy="6858001"/>
+          </a:xfrm>
+          <a:prstGeom prst="rect">
+            <a:avLst/>
+          </a:prstGeom>
+          <a:solidFill>
+            <a:schemeClr val="bg1">
+              <a:lumMod val="95000"/>
+            </a:schemeClr>
+          </a:solidFill>
+          <a:ln>
+            <a:noFill/>
+          </a:ln>
+        </p:spPr>
+        <p:style>
+          <a:lnRef idx="2">
+            <a:schemeClr val="accent1">
+              <a:shade val="50000"/>
+            </a:schemeClr>
+          </a:lnRef>
+          <a:fillRef idx="1">
+            <a:schemeClr val="accent1"/>
+          </a:fillRef>
+          <a:effectRef idx="0">
+            <a:schemeClr val="accent1"/>
+          </a:effectRef>
+          <a:fontRef idx="minor">
+            <a:schemeClr val="lt1"/>
+          </a:fontRef>
+        </p:style>
+        <p:txBody>
+          <a:bodyPr rtlCol="0" anchor="ctr"/>
+          <a:lstStyle/>
+          <a:p>
+            <a:pPr algn="ctr"/>
+            <a:endParaRPr lang="en-US"/>
+          </a:p>
+        </p:txBody>
+      </p:sp>
+      <p:sp>
+        <p:nvSpPr>
+          <p:cNvPr id="10" name="Rectangle 9">
+            <a:extLst>
+              <a:ext uri="{FF2B5EF4-FFF2-40B4-BE49-F238E27FC236}">
+                <a16:creationId xmlns:a16="http://schemas.microsoft.com/office/drawing/2014/main" id="{C3896A03-3945-419A-B66B-4EE266EDD152}"/>
+              </a:ext>
+              <a:ext uri="{C183D7F6-B498-43B3-948B-1728B52AA6E4}">
+                <adec:decorative xmlns:adec="http://schemas.microsoft.com/office/drawing/2017/decorative" val="1"/>
+              </a:ext>
+            </a:extLst>
+          </p:cNvPr>
+          <p:cNvSpPr>
+            <a:spLocks noGrp="1" noRot="1" noChangeAspect="1" noMove="1" noResize="1" noEditPoints="1" noAdjustHandles="1" noChangeArrowheads="1" noChangeShapeType="1" noTextEdit="1"/>
+          </p:cNvSpPr>
+          <p:nvPr>
+            <p:extLst>
+              <p:ext uri="{386F3935-93C4-4BCD-93E2-E3B085C9AB24}">
+                <p16:designElem xmlns:p16="http://schemas.microsoft.com/office/powerpoint/2015/main" val="1"/>
+              </p:ext>
+            </p:extLst>
+          </p:nvPr>
+        </p:nvSpPr>
+        <p:spPr>
+          <a:xfrm>
+            <a:off x="10" y="0"/>
+            <a:ext cx="3745177" cy="6858001"/>
+          </a:xfrm>
+          <a:prstGeom prst="rect">
+            <a:avLst/>
+          </a:prstGeom>
+          <a:solidFill>
+            <a:schemeClr val="tx1">
+              <a:lumMod val="85000"/>
+              <a:lumOff val="15000"/>
+            </a:schemeClr>
+          </a:solidFill>
+          <a:ln>
+            <a:noFill/>
+          </a:ln>
+        </p:spPr>
+        <p:style>
+          <a:lnRef idx="2">
+            <a:schemeClr val="accent1">
+              <a:shade val="50000"/>
+            </a:schemeClr>
+          </a:lnRef>
+          <a:fillRef idx="1">
+            <a:schemeClr val="accent1"/>
+          </a:fillRef>
+          <a:effectRef idx="0">
+            <a:schemeClr val="accent1"/>
+          </a:effectRef>
+          <a:fontRef idx="minor">
+            <a:schemeClr val="lt1"/>
+          </a:fontRef>
+        </p:style>
+        <p:txBody>
+          <a:bodyPr rtlCol="0" anchor="ctr"/>
+          <a:lstStyle/>
+          <a:p>
+            <a:pPr algn="ctr"/>
+            <a:endParaRPr lang="en-US"/>
+          </a:p>
+        </p:txBody>
+      </p:sp>
+      <p:sp>
+        <p:nvSpPr>
+          <p:cNvPr id="2" name="Titre 1">
+            <a:extLst>
+              <a:ext uri="{FF2B5EF4-FFF2-40B4-BE49-F238E27FC236}">
+                <a16:creationId xmlns:a16="http://schemas.microsoft.com/office/drawing/2014/main" id="{104C9545-D050-D642-81C4-78BC70EDC7EE}"/>
+              </a:ext>
+            </a:extLst>
+          </p:cNvPr>
+          <p:cNvSpPr>
+            <a:spLocks noGrp="1"/>
+          </p:cNvSpPr>
+          <p:nvPr>
+            <p:ph type="title"/>
+          </p:nvPr>
+        </p:nvSpPr>
+        <p:spPr>
+          <a:xfrm>
+            <a:off x="613594" y="3141094"/>
+            <a:ext cx="2513206" cy="575812"/>
+          </a:xfrm>
+        </p:spPr>
+        <p:txBody>
+          <a:bodyPr anchor="t">
+            <a:normAutofit fontScale="90000"/>
+          </a:bodyPr>
+          <a:lstStyle/>
+          <a:p>
+            <a:r>
+              <a:rPr lang="fr-FR" sz="3600" b="1" dirty="0">
+                <a:solidFill>
+                  <a:schemeClr val="bg1"/>
+                </a:solidFill>
+                <a:latin typeface="Verdana Pro" panose="020B0A04030504040204" pitchFamily="34" charset="0"/>
+              </a:rPr>
+              <a:t>Points important</a:t>
+            </a:r>
+          </a:p>
+        </p:txBody>
+      </p:sp>
+      <p:sp>
+        <p:nvSpPr>
+          <p:cNvPr id="12" name="Rectangle 11">
+            <a:extLst>
+              <a:ext uri="{FF2B5EF4-FFF2-40B4-BE49-F238E27FC236}">
+                <a16:creationId xmlns:a16="http://schemas.microsoft.com/office/drawing/2014/main" id="{B8EAE243-3A9F-4A46-B0D9-04C723A8A1BD}"/>
+              </a:ext>
+              <a:ext uri="{C183D7F6-B498-43B3-948B-1728B52AA6E4}">
+                <adec:decorative xmlns:adec="http://schemas.microsoft.com/office/drawing/2017/decorative" val="1"/>
+              </a:ext>
+            </a:extLst>
+          </p:cNvPr>
+          <p:cNvSpPr>
+            <a:spLocks noGrp="1" noRot="1" noChangeAspect="1" noMove="1" noResize="1" noEditPoints="1" noAdjustHandles="1" noChangeArrowheads="1" noChangeShapeType="1" noTextEdit="1"/>
+          </p:cNvSpPr>
+          <p:nvPr>
+            <p:extLst>
+              <p:ext uri="{386F3935-93C4-4BCD-93E2-E3B085C9AB24}">
+                <p16:designElem xmlns:p16="http://schemas.microsoft.com/office/powerpoint/2015/main" val="1"/>
+              </p:ext>
+            </p:extLst>
+          </p:nvPr>
+        </p:nvSpPr>
+        <p:spPr>
+          <a:xfrm>
+            <a:off x="4654733" y="643465"/>
+            <a:ext cx="457200" cy="45720"/>
+          </a:xfrm>
+          <a:prstGeom prst="rect">
+            <a:avLst/>
+          </a:prstGeom>
+          <a:solidFill>
+            <a:schemeClr val="tx1"/>
+          </a:solidFill>
+          <a:ln>
+            <a:noFill/>
+          </a:ln>
+        </p:spPr>
+        <p:style>
+          <a:lnRef idx="2">
+            <a:schemeClr val="accent1">
+              <a:shade val="50000"/>
+            </a:schemeClr>
+          </a:lnRef>
+          <a:fillRef idx="1">
+            <a:schemeClr val="accent1"/>
+          </a:fillRef>
+          <a:effectRef idx="0">
+            <a:schemeClr val="accent1"/>
+          </a:effectRef>
+          <a:fontRef idx="minor">
+            <a:schemeClr val="lt1"/>
+          </a:fontRef>
+        </p:style>
+        <p:txBody>
+          <a:bodyPr rtlCol="0" anchor="ctr"/>
+          <a:lstStyle/>
+          <a:p>
+            <a:pPr algn="ctr"/>
+            <a:endParaRPr lang="en-US"/>
+          </a:p>
+        </p:txBody>
+      </p:sp>
+      <p:sp>
+        <p:nvSpPr>
+          <p:cNvPr id="4" name="Espace réservé du contenu 3">
+            <a:extLst>
+              <a:ext uri="{FF2B5EF4-FFF2-40B4-BE49-F238E27FC236}">
+                <a16:creationId xmlns:a16="http://schemas.microsoft.com/office/drawing/2014/main" id="{5E0AB44F-0DD9-2246-97A7-84DF1B09CE22}"/>
+              </a:ext>
+            </a:extLst>
+          </p:cNvPr>
+          <p:cNvSpPr>
+            <a:spLocks noGrp="1"/>
+          </p:cNvSpPr>
+          <p:nvPr>
+            <p:ph idx="1"/>
+          </p:nvPr>
+        </p:nvSpPr>
+        <p:spPr>
+          <a:xfrm>
+            <a:off x="4883333" y="2229822"/>
+            <a:ext cx="7043624" cy="2398355"/>
+          </a:xfrm>
+        </p:spPr>
+        <p:txBody>
+          <a:bodyPr/>
+          <a:lstStyle/>
+          <a:p>
+            <a:pPr>
+              <a:buFont typeface="Wingdings" pitchFamily="2" charset="2"/>
+              <a:buChar char="q"/>
+            </a:pPr>
+            <a:r>
+              <a:rPr lang="fr-FR" dirty="0">
+                <a:latin typeface="Verdana Pro" panose="020B0604030504040204" pitchFamily="34" charset="0"/>
+              </a:rPr>
+              <a:t>Une précision plus proche de 65-70% (terminaisons, noms propres,…)</a:t>
+            </a:r>
+          </a:p>
+          <a:p>
+            <a:pPr>
+              <a:buFont typeface="Wingdings" pitchFamily="2" charset="2"/>
+              <a:buChar char="q"/>
+            </a:pPr>
+            <a:r>
+              <a:rPr lang="fr-FR" dirty="0">
+                <a:latin typeface="Verdana Pro" panose="020B0604030504040204" pitchFamily="34" charset="0"/>
+              </a:rPr>
+              <a:t>Surement limité par l’accès gratuit à l’API </a:t>
+            </a:r>
+          </a:p>
+        </p:txBody>
+      </p:sp>
+    </p:spTree>
+    <p:extLst>
+      <p:ext uri="{BB962C8B-B14F-4D97-AF65-F5344CB8AC3E}">
+        <p14:creationId xmlns:p14="http://schemas.microsoft.com/office/powerpoint/2010/main" val="2401308163"/>
+      </p:ext>
+    </p:extLst>
+  </p:cSld>
+  <p:clrMapOvr>
+    <a:masterClrMapping/>
+  </p:clrMapOvr>
 </p:sld>
 </file>
 

--- a/Montreux Jazz Memories Bilan 30.03.22.pptx
+++ b/Montreux Jazz Memories Bilan 30.03.22.pptx
@@ -125,12 +125,20 @@
 </p:presentation>
 </file>
 
+<file path=ppt/revisionInfo.xml><?xml version="1.0" encoding="utf-8"?>
+<p1510:revInfo xmlns:a="http://schemas.openxmlformats.org/drawingml/2006/main" xmlns:r="http://schemas.openxmlformats.org/officeDocument/2006/relationships" xmlns:p1510="http://schemas.microsoft.com/office/powerpoint/2015/10/main">
+  <p1510:revLst>
+    <p1510:client id="{5A985997-8C2F-4A0B-90A2-6FB543BABF2F}" v="42" dt="2022-03-30T14:25:24.549"/>
+  </p1510:revLst>
+</p1510:revInfo>
+</file>
+
 <file path=ppt/changesInfos/changesInfo1.xml><?xml version="1.0" encoding="utf-8"?>
 <pc:chgInfo xmlns:a="http://schemas.openxmlformats.org/drawingml/2006/main" xmlns:r="http://schemas.openxmlformats.org/officeDocument/2006/relationships" xmlns:ac="http://schemas.microsoft.com/office/drawing/2013/main/command" xmlns:pc="http://schemas.microsoft.com/office/powerpoint/2013/main/command">
   <pc:docChgLst>
     <pc:chgData name="Zakari Rabet" userId="6bb2cca824e1f148" providerId="LiveId" clId="{5A985997-8C2F-4A0B-90A2-6FB543BABF2F}"/>
-    <pc:docChg chg="modSld">
-      <pc:chgData name="Zakari Rabet" userId="6bb2cca824e1f148" providerId="LiveId" clId="{5A985997-8C2F-4A0B-90A2-6FB543BABF2F}" dt="2022-03-30T10:35:38.105" v="5" actId="2711"/>
+    <pc:docChg chg="undo custSel addSld delSld modSld sldOrd">
+      <pc:chgData name="Zakari Rabet" userId="6bb2cca824e1f148" providerId="LiveId" clId="{5A985997-8C2F-4A0B-90A2-6FB543BABF2F}" dt="2022-03-30T14:29:39.019" v="154" actId="1076"/>
       <pc:docMkLst>
         <pc:docMk/>
       </pc:docMkLst>
@@ -186,6 +194,301 @@
             <ac:spMk id="14" creationId="{3491AA09-B65A-432B-BBB9-4C477A787CB0}"/>
           </ac:spMkLst>
         </pc:spChg>
+      </pc:sldChg>
+      <pc:sldChg chg="modSp mod modTransition">
+        <pc:chgData name="Zakari Rabet" userId="6bb2cca824e1f148" providerId="LiveId" clId="{5A985997-8C2F-4A0B-90A2-6FB543BABF2F}" dt="2022-03-30T14:22:28.434" v="44"/>
+        <pc:sldMkLst>
+          <pc:docMk/>
+          <pc:sldMk cId="1161825921" sldId="261"/>
+        </pc:sldMkLst>
+        <pc:spChg chg="mod">
+          <ac:chgData name="Zakari Rabet" userId="6bb2cca824e1f148" providerId="LiveId" clId="{5A985997-8C2F-4A0B-90A2-6FB543BABF2F}" dt="2022-03-30T14:19:23.007" v="37" actId="2085"/>
+          <ac:spMkLst>
+            <pc:docMk/>
+            <pc:sldMk cId="1161825921" sldId="261"/>
+            <ac:spMk id="2" creationId="{E20A8694-AB8B-7740-B0EC-78B90978BB27}"/>
+          </ac:spMkLst>
+        </pc:spChg>
+        <pc:spChg chg="mod">
+          <ac:chgData name="Zakari Rabet" userId="6bb2cca824e1f148" providerId="LiveId" clId="{5A985997-8C2F-4A0B-90A2-6FB543BABF2F}" dt="2022-03-30T14:15:45.365" v="11" actId="1076"/>
+          <ac:spMkLst>
+            <pc:docMk/>
+            <pc:sldMk cId="1161825921" sldId="261"/>
+            <ac:spMk id="3" creationId="{9C30A56A-8B5F-EC4A-AAC4-B7CB10789061}"/>
+          </ac:spMkLst>
+        </pc:spChg>
+        <pc:spChg chg="mod">
+          <ac:chgData name="Zakari Rabet" userId="6bb2cca824e1f148" providerId="LiveId" clId="{5A985997-8C2F-4A0B-90A2-6FB543BABF2F}" dt="2022-03-30T14:19:26.058" v="39" actId="1076"/>
+          <ac:spMkLst>
+            <pc:docMk/>
+            <pc:sldMk cId="1161825921" sldId="261"/>
+            <ac:spMk id="6" creationId="{3FDF5CFC-0172-0543-B28F-EB95A025785E}"/>
+          </ac:spMkLst>
+        </pc:spChg>
+        <pc:spChg chg="mod">
+          <ac:chgData name="Zakari Rabet" userId="6bb2cca824e1f148" providerId="LiveId" clId="{5A985997-8C2F-4A0B-90A2-6FB543BABF2F}" dt="2022-03-30T14:19:01.278" v="34" actId="207"/>
+          <ac:spMkLst>
+            <pc:docMk/>
+            <pc:sldMk cId="1161825921" sldId="261"/>
+            <ac:spMk id="7" creationId="{4D738910-0BC5-734A-8C6C-8C2A806926E7}"/>
+          </ac:spMkLst>
+        </pc:spChg>
+      </pc:sldChg>
+      <pc:sldChg chg="modSp mod modTransition">
+        <pc:chgData name="Zakari Rabet" userId="6bb2cca824e1f148" providerId="LiveId" clId="{5A985997-8C2F-4A0B-90A2-6FB543BABF2F}" dt="2022-03-30T14:28:37.456" v="102" actId="1076"/>
+        <pc:sldMkLst>
+          <pc:docMk/>
+          <pc:sldMk cId="3949018937" sldId="262"/>
+        </pc:sldMkLst>
+        <pc:spChg chg="mod">
+          <ac:chgData name="Zakari Rabet" userId="6bb2cca824e1f148" providerId="LiveId" clId="{5A985997-8C2F-4A0B-90A2-6FB543BABF2F}" dt="2022-03-30T14:28:37.456" v="102" actId="1076"/>
+          <ac:spMkLst>
+            <pc:docMk/>
+            <pc:sldMk cId="3949018937" sldId="262"/>
+            <ac:spMk id="2" creationId="{104C9545-D050-D642-81C4-78BC70EDC7EE}"/>
+          </ac:spMkLst>
+        </pc:spChg>
+      </pc:sldChg>
+      <pc:sldChg chg="modSp mod modTransition">
+        <pc:chgData name="Zakari Rabet" userId="6bb2cca824e1f148" providerId="LiveId" clId="{5A985997-8C2F-4A0B-90A2-6FB543BABF2F}" dt="2022-03-30T14:29:39.019" v="154" actId="1076"/>
+        <pc:sldMkLst>
+          <pc:docMk/>
+          <pc:sldMk cId="2401308163" sldId="265"/>
+        </pc:sldMkLst>
+        <pc:spChg chg="mod">
+          <ac:chgData name="Zakari Rabet" userId="6bb2cca824e1f148" providerId="LiveId" clId="{5A985997-8C2F-4A0B-90A2-6FB543BABF2F}" dt="2022-03-30T14:29:39.019" v="154" actId="1076"/>
+          <ac:spMkLst>
+            <pc:docMk/>
+            <pc:sldMk cId="2401308163" sldId="265"/>
+            <ac:spMk id="2" creationId="{104C9545-D050-D642-81C4-78BC70EDC7EE}"/>
+          </ac:spMkLst>
+        </pc:spChg>
+      </pc:sldChg>
+      <pc:sldChg chg="modTransition">
+        <pc:chgData name="Zakari Rabet" userId="6bb2cca824e1f148" providerId="LiveId" clId="{5A985997-8C2F-4A0B-90A2-6FB543BABF2F}" dt="2022-03-30T14:25:12.136" v="74"/>
+        <pc:sldMkLst>
+          <pc:docMk/>
+          <pc:sldMk cId="1065299341" sldId="266"/>
+        </pc:sldMkLst>
+      </pc:sldChg>
+      <pc:sldChg chg="modTransition">
+        <pc:chgData name="Zakari Rabet" userId="6bb2cca824e1f148" providerId="LiveId" clId="{5A985997-8C2F-4A0B-90A2-6FB543BABF2F}" dt="2022-03-30T14:25:05.498" v="73"/>
+        <pc:sldMkLst>
+          <pc:docMk/>
+          <pc:sldMk cId="2873665388" sldId="268"/>
+        </pc:sldMkLst>
+      </pc:sldChg>
+      <pc:sldChg chg="modTransition">
+        <pc:chgData name="Zakari Rabet" userId="6bb2cca824e1f148" providerId="LiveId" clId="{5A985997-8C2F-4A0B-90A2-6FB543BABF2F}" dt="2022-03-30T14:24:59.564" v="72"/>
+        <pc:sldMkLst>
+          <pc:docMk/>
+          <pc:sldMk cId="4238179733" sldId="269"/>
+        </pc:sldMkLst>
+      </pc:sldChg>
+      <pc:sldChg chg="modTransition">
+        <pc:chgData name="Zakari Rabet" userId="6bb2cca824e1f148" providerId="LiveId" clId="{5A985997-8C2F-4A0B-90A2-6FB543BABF2F}" dt="2022-03-30T14:23:59.802" v="70"/>
+        <pc:sldMkLst>
+          <pc:docMk/>
+          <pc:sldMk cId="1779166965" sldId="270"/>
+        </pc:sldMkLst>
+      </pc:sldChg>
+      <pc:sldChg chg="modTransition">
+        <pc:chgData name="Zakari Rabet" userId="6bb2cca824e1f148" providerId="LiveId" clId="{5A985997-8C2F-4A0B-90A2-6FB543BABF2F}" dt="2022-03-30T14:24:12.206" v="71"/>
+        <pc:sldMkLst>
+          <pc:docMk/>
+          <pc:sldMk cId="379940234" sldId="271"/>
+        </pc:sldMkLst>
+      </pc:sldChg>
+      <pc:sldChg chg="addSp delSp modSp add del mod ord">
+        <pc:chgData name="Zakari Rabet" userId="6bb2cca824e1f148" providerId="LiveId" clId="{5A985997-8C2F-4A0B-90A2-6FB543BABF2F}" dt="2022-03-30T14:18:17.624" v="32" actId="47"/>
+        <pc:sldMkLst>
+          <pc:docMk/>
+          <pc:sldMk cId="3227317208" sldId="272"/>
+        </pc:sldMkLst>
+        <pc:spChg chg="add del">
+          <ac:chgData name="Zakari Rabet" userId="6bb2cca824e1f148" providerId="LiveId" clId="{5A985997-8C2F-4A0B-90A2-6FB543BABF2F}" dt="2022-03-30T14:16:57.409" v="18" actId="478"/>
+          <ac:spMkLst>
+            <pc:docMk/>
+            <pc:sldMk cId="3227317208" sldId="272"/>
+            <ac:spMk id="2" creationId="{104C9545-D050-D642-81C4-78BC70EDC7EE}"/>
+          </ac:spMkLst>
+        </pc:spChg>
+        <pc:spChg chg="add del mod">
+          <ac:chgData name="Zakari Rabet" userId="6bb2cca824e1f148" providerId="LiveId" clId="{5A985997-8C2F-4A0B-90A2-6FB543BABF2F}" dt="2022-03-30T14:16:03.187" v="16" actId="478"/>
+          <ac:spMkLst>
+            <pc:docMk/>
+            <pc:sldMk cId="3227317208" sldId="272"/>
+            <ac:spMk id="4" creationId="{50D57303-61EC-47CD-9397-0FFA9C6714FC}"/>
+          </ac:spMkLst>
+        </pc:spChg>
+        <pc:spChg chg="add del mod">
+          <ac:chgData name="Zakari Rabet" userId="6bb2cca824e1f148" providerId="LiveId" clId="{5A985997-8C2F-4A0B-90A2-6FB543BABF2F}" dt="2022-03-30T14:15:59.315" v="15" actId="478"/>
+          <ac:spMkLst>
+            <pc:docMk/>
+            <pc:sldMk cId="3227317208" sldId="272"/>
+            <ac:spMk id="6" creationId="{6923D953-5857-420A-94ED-2B1BE979B8C5}"/>
+          </ac:spMkLst>
+        </pc:spChg>
+        <pc:spChg chg="del">
+          <ac:chgData name="Zakari Rabet" userId="6bb2cca824e1f148" providerId="LiveId" clId="{5A985997-8C2F-4A0B-90A2-6FB543BABF2F}" dt="2022-03-30T14:16:57.409" v="18" actId="478"/>
+          <ac:spMkLst>
+            <pc:docMk/>
+            <pc:sldMk cId="3227317208" sldId="272"/>
+            <ac:spMk id="8" creationId="{B34F5AD2-EDBD-4BBD-A55C-EAFFD0C7097A}"/>
+          </ac:spMkLst>
+        </pc:spChg>
+        <pc:spChg chg="add del mod">
+          <ac:chgData name="Zakari Rabet" userId="6bb2cca824e1f148" providerId="LiveId" clId="{5A985997-8C2F-4A0B-90A2-6FB543BABF2F}" dt="2022-03-30T14:15:52.665" v="13"/>
+          <ac:spMkLst>
+            <pc:docMk/>
+            <pc:sldMk cId="3227317208" sldId="272"/>
+            <ac:spMk id="9" creationId="{0747303B-B652-4249-8182-A891F3C35B59}"/>
+          </ac:spMkLst>
+        </pc:spChg>
+        <pc:spChg chg="del">
+          <ac:chgData name="Zakari Rabet" userId="6bb2cca824e1f148" providerId="LiveId" clId="{5A985997-8C2F-4A0B-90A2-6FB543BABF2F}" dt="2022-03-30T14:16:57.409" v="18" actId="478"/>
+          <ac:spMkLst>
+            <pc:docMk/>
+            <pc:sldMk cId="3227317208" sldId="272"/>
+            <ac:spMk id="10" creationId="{C3896A03-3945-419A-B66B-4EE266EDD152}"/>
+          </ac:spMkLst>
+        </pc:spChg>
+        <pc:spChg chg="add del mod">
+          <ac:chgData name="Zakari Rabet" userId="6bb2cca824e1f148" providerId="LiveId" clId="{5A985997-8C2F-4A0B-90A2-6FB543BABF2F}" dt="2022-03-30T14:15:52.665" v="13"/>
+          <ac:spMkLst>
+            <pc:docMk/>
+            <pc:sldMk cId="3227317208" sldId="272"/>
+            <ac:spMk id="11" creationId="{B878063B-A62F-434C-A533-4BFB39221E61}"/>
+          </ac:spMkLst>
+        </pc:spChg>
+        <pc:spChg chg="del">
+          <ac:chgData name="Zakari Rabet" userId="6bb2cca824e1f148" providerId="LiveId" clId="{5A985997-8C2F-4A0B-90A2-6FB543BABF2F}" dt="2022-03-30T14:16:57.409" v="18" actId="478"/>
+          <ac:spMkLst>
+            <pc:docMk/>
+            <pc:sldMk cId="3227317208" sldId="272"/>
+            <ac:spMk id="12" creationId="{B8EAE243-3A9F-4A46-B0D9-04C723A8A1BD}"/>
+          </ac:spMkLst>
+        </pc:spChg>
+        <pc:spChg chg="add del mod">
+          <ac:chgData name="Zakari Rabet" userId="6bb2cca824e1f148" providerId="LiveId" clId="{5A985997-8C2F-4A0B-90A2-6FB543BABF2F}" dt="2022-03-30T14:15:52.665" v="13"/>
+          <ac:spMkLst>
+            <pc:docMk/>
+            <pc:sldMk cId="3227317208" sldId="272"/>
+            <ac:spMk id="13" creationId="{51D3D60B-8219-419A-A87B-465FC090BCA8}"/>
+          </ac:spMkLst>
+        </pc:spChg>
+        <pc:spChg chg="add del mod">
+          <ac:chgData name="Zakari Rabet" userId="6bb2cca824e1f148" providerId="LiveId" clId="{5A985997-8C2F-4A0B-90A2-6FB543BABF2F}" dt="2022-03-30T14:15:52.665" v="13"/>
+          <ac:spMkLst>
+            <pc:docMk/>
+            <pc:sldMk cId="3227317208" sldId="272"/>
+            <ac:spMk id="15" creationId="{B8459CEB-A63B-4AC9-A673-BA739C9E2925}"/>
+          </ac:spMkLst>
+        </pc:spChg>
+        <pc:spChg chg="add del mod">
+          <ac:chgData name="Zakari Rabet" userId="6bb2cca824e1f148" providerId="LiveId" clId="{5A985997-8C2F-4A0B-90A2-6FB543BABF2F}" dt="2022-03-30T14:16:57.409" v="18" actId="478"/>
+          <ac:spMkLst>
+            <pc:docMk/>
+            <pc:sldMk cId="3227317208" sldId="272"/>
+            <ac:spMk id="16" creationId="{BD410013-2F25-4624-8984-A4FF1463BC2E}"/>
+          </ac:spMkLst>
+        </pc:spChg>
+        <pc:spChg chg="add del mod">
+          <ac:chgData name="Zakari Rabet" userId="6bb2cca824e1f148" providerId="LiveId" clId="{5A985997-8C2F-4A0B-90A2-6FB543BABF2F}" dt="2022-03-30T14:16:57.409" v="18" actId="478"/>
+          <ac:spMkLst>
+            <pc:docMk/>
+            <pc:sldMk cId="3227317208" sldId="272"/>
+            <ac:spMk id="17" creationId="{42AFEB64-D64A-4A52-9F3D-629B05DB903B}"/>
+          </ac:spMkLst>
+        </pc:spChg>
+        <pc:spChg chg="add del mod">
+          <ac:chgData name="Zakari Rabet" userId="6bb2cca824e1f148" providerId="LiveId" clId="{5A985997-8C2F-4A0B-90A2-6FB543BABF2F}" dt="2022-03-30T14:16:57.409" v="18" actId="478"/>
+          <ac:spMkLst>
+            <pc:docMk/>
+            <pc:sldMk cId="3227317208" sldId="272"/>
+            <ac:spMk id="18" creationId="{F6E50E19-5FA1-4575-A93A-7E7D3A0D2511}"/>
+          </ac:spMkLst>
+        </pc:spChg>
+        <pc:spChg chg="add del mod">
+          <ac:chgData name="Zakari Rabet" userId="6bb2cca824e1f148" providerId="LiveId" clId="{5A985997-8C2F-4A0B-90A2-6FB543BABF2F}" dt="2022-03-30T14:16:57.409" v="18" actId="478"/>
+          <ac:spMkLst>
+            <pc:docMk/>
+            <pc:sldMk cId="3227317208" sldId="272"/>
+            <ac:spMk id="19" creationId="{682E0507-DDC7-4297-BB12-5059725DF8EE}"/>
+          </ac:spMkLst>
+        </pc:spChg>
+        <pc:spChg chg="add mod">
+          <ac:chgData name="Zakari Rabet" userId="6bb2cca824e1f148" providerId="LiveId" clId="{5A985997-8C2F-4A0B-90A2-6FB543BABF2F}" dt="2022-03-30T14:16:57.409" v="18" actId="478"/>
+          <ac:spMkLst>
+            <pc:docMk/>
+            <pc:sldMk cId="3227317208" sldId="272"/>
+            <ac:spMk id="20" creationId="{7FA70952-CE90-407A-9C6E-F2737C22C0DC}"/>
+          </ac:spMkLst>
+        </pc:spChg>
+        <pc:spChg chg="add del mod">
+          <ac:chgData name="Zakari Rabet" userId="6bb2cca824e1f148" providerId="LiveId" clId="{5A985997-8C2F-4A0B-90A2-6FB543BABF2F}" dt="2022-03-30T14:17:05.669" v="20"/>
+          <ac:spMkLst>
+            <pc:docMk/>
+            <pc:sldMk cId="3227317208" sldId="272"/>
+            <ac:spMk id="21" creationId="{CA252183-D02B-4CF5-B039-6119BD6C1401}"/>
+          </ac:spMkLst>
+        </pc:spChg>
+        <pc:spChg chg="add del mod">
+          <ac:chgData name="Zakari Rabet" userId="6bb2cca824e1f148" providerId="LiveId" clId="{5A985997-8C2F-4A0B-90A2-6FB543BABF2F}" dt="2022-03-30T14:17:05.669" v="20"/>
+          <ac:spMkLst>
+            <pc:docMk/>
+            <pc:sldMk cId="3227317208" sldId="272"/>
+            <ac:spMk id="22" creationId="{401A247A-2A01-49F1-9B5F-4FE35180B1AA}"/>
+          </ac:spMkLst>
+        </pc:spChg>
+        <pc:spChg chg="add del mod">
+          <ac:chgData name="Zakari Rabet" userId="6bb2cca824e1f148" providerId="LiveId" clId="{5A985997-8C2F-4A0B-90A2-6FB543BABF2F}" dt="2022-03-30T14:17:05.669" v="20"/>
+          <ac:spMkLst>
+            <pc:docMk/>
+            <pc:sldMk cId="3227317208" sldId="272"/>
+            <ac:spMk id="23" creationId="{2BB6F971-948A-439B-8093-29D49B8D62C1}"/>
+          </ac:spMkLst>
+        </pc:spChg>
+        <pc:spChg chg="add del mod">
+          <ac:chgData name="Zakari Rabet" userId="6bb2cca824e1f148" providerId="LiveId" clId="{5A985997-8C2F-4A0B-90A2-6FB543BABF2F}" dt="2022-03-30T14:17:05.669" v="20"/>
+          <ac:spMkLst>
+            <pc:docMk/>
+            <pc:sldMk cId="3227317208" sldId="272"/>
+            <ac:spMk id="24" creationId="{607E3310-91FE-4572-87E8-DACA0FE24640}"/>
+          </ac:spMkLst>
+        </pc:spChg>
+        <pc:spChg chg="add mod">
+          <ac:chgData name="Zakari Rabet" userId="6bb2cca824e1f148" providerId="LiveId" clId="{5A985997-8C2F-4A0B-90A2-6FB543BABF2F}" dt="2022-03-30T14:17:48.782" v="25" actId="1076"/>
+          <ac:spMkLst>
+            <pc:docMk/>
+            <pc:sldMk cId="3227317208" sldId="272"/>
+            <ac:spMk id="26" creationId="{7C58385A-A8B7-4369-AAD9-C73FCE2615E5}"/>
+          </ac:spMkLst>
+        </pc:spChg>
+        <pc:spChg chg="add del mod">
+          <ac:chgData name="Zakari Rabet" userId="6bb2cca824e1f148" providerId="LiveId" clId="{5A985997-8C2F-4A0B-90A2-6FB543BABF2F}" dt="2022-03-30T14:17:52.670" v="28"/>
+          <ac:spMkLst>
+            <pc:docMk/>
+            <pc:sldMk cId="3227317208" sldId="272"/>
+            <ac:spMk id="28" creationId="{4C21DB43-34AF-469D-895A-FE41A78BF1A0}"/>
+          </ac:spMkLst>
+        </pc:spChg>
+        <pc:spChg chg="add mod">
+          <ac:chgData name="Zakari Rabet" userId="6bb2cca824e1f148" providerId="LiveId" clId="{5A985997-8C2F-4A0B-90A2-6FB543BABF2F}" dt="2022-03-30T14:18:03.665" v="31" actId="1076"/>
+          <ac:spMkLst>
+            <pc:docMk/>
+            <pc:sldMk cId="3227317208" sldId="272"/>
+            <ac:spMk id="30" creationId="{51A90F83-A03B-4D24-8BE2-177479F36F1E}"/>
+          </ac:spMkLst>
+        </pc:spChg>
+        <pc:graphicFrameChg chg="del">
+          <ac:chgData name="Zakari Rabet" userId="6bb2cca824e1f148" providerId="LiveId" clId="{5A985997-8C2F-4A0B-90A2-6FB543BABF2F}" dt="2022-03-30T14:15:36.655" v="9" actId="478"/>
+          <ac:graphicFrameMkLst>
+            <pc:docMk/>
+            <pc:sldMk cId="3227317208" sldId="272"/>
+            <ac:graphicFrameMk id="14" creationId="{540A0006-9468-7250-16F0-85361DF40CB5}"/>
+          </ac:graphicFrameMkLst>
+        </pc:graphicFrameChg>
       </pc:sldChg>
     </pc:docChg>
   </pc:docChgLst>
@@ -2782,7 +3085,7 @@
           <a:p>
             <a:fld id="{12FD87AC-FFD7-43B2-9A99-D0AD1BCEA041}" type="datetimeFigureOut">
               <a:rPr lang="fr-CH" smtClean="0"/>
-              <a:t>30.03.22</a:t>
+              <a:t>30.03.2022</a:t>
             </a:fld>
             <a:endParaRPr lang="fr-CH"/>
           </a:p>
@@ -2982,7 +3285,7 @@
           <a:p>
             <a:fld id="{12FD87AC-FFD7-43B2-9A99-D0AD1BCEA041}" type="datetimeFigureOut">
               <a:rPr lang="fr-CH" smtClean="0"/>
-              <a:t>30.03.22</a:t>
+              <a:t>30.03.2022</a:t>
             </a:fld>
             <a:endParaRPr lang="fr-CH"/>
           </a:p>
@@ -3192,7 +3495,7 @@
           <a:p>
             <a:fld id="{12FD87AC-FFD7-43B2-9A99-D0AD1BCEA041}" type="datetimeFigureOut">
               <a:rPr lang="fr-CH" smtClean="0"/>
-              <a:t>30.03.22</a:t>
+              <a:t>30.03.2022</a:t>
             </a:fld>
             <a:endParaRPr lang="fr-CH"/>
           </a:p>
@@ -3392,7 +3695,7 @@
           <a:p>
             <a:fld id="{12FD87AC-FFD7-43B2-9A99-D0AD1BCEA041}" type="datetimeFigureOut">
               <a:rPr lang="fr-CH" smtClean="0"/>
-              <a:t>30.03.22</a:t>
+              <a:t>30.03.2022</a:t>
             </a:fld>
             <a:endParaRPr lang="fr-CH"/>
           </a:p>
@@ -3668,7 +3971,7 @@
           <a:p>
             <a:fld id="{12FD87AC-FFD7-43B2-9A99-D0AD1BCEA041}" type="datetimeFigureOut">
               <a:rPr lang="fr-CH" smtClean="0"/>
-              <a:t>30.03.22</a:t>
+              <a:t>30.03.2022</a:t>
             </a:fld>
             <a:endParaRPr lang="fr-CH"/>
           </a:p>
@@ -3936,7 +4239,7 @@
           <a:p>
             <a:fld id="{12FD87AC-FFD7-43B2-9A99-D0AD1BCEA041}" type="datetimeFigureOut">
               <a:rPr lang="fr-CH" smtClean="0"/>
-              <a:t>30.03.22</a:t>
+              <a:t>30.03.2022</a:t>
             </a:fld>
             <a:endParaRPr lang="fr-CH"/>
           </a:p>
@@ -4351,7 +4654,7 @@
           <a:p>
             <a:fld id="{12FD87AC-FFD7-43B2-9A99-D0AD1BCEA041}" type="datetimeFigureOut">
               <a:rPr lang="fr-CH" smtClean="0"/>
-              <a:t>30.03.22</a:t>
+              <a:t>30.03.2022</a:t>
             </a:fld>
             <a:endParaRPr lang="fr-CH"/>
           </a:p>
@@ -4493,7 +4796,7 @@
           <a:p>
             <a:fld id="{12FD87AC-FFD7-43B2-9A99-D0AD1BCEA041}" type="datetimeFigureOut">
               <a:rPr lang="fr-CH" smtClean="0"/>
-              <a:t>30.03.22</a:t>
+              <a:t>30.03.2022</a:t>
             </a:fld>
             <a:endParaRPr lang="fr-CH"/>
           </a:p>
@@ -4606,7 +4909,7 @@
           <a:p>
             <a:fld id="{12FD87AC-FFD7-43B2-9A99-D0AD1BCEA041}" type="datetimeFigureOut">
               <a:rPr lang="fr-CH" smtClean="0"/>
-              <a:t>30.03.22</a:t>
+              <a:t>30.03.2022</a:t>
             </a:fld>
             <a:endParaRPr lang="fr-CH"/>
           </a:p>
@@ -4919,7 +5222,7 @@
           <a:p>
             <a:fld id="{12FD87AC-FFD7-43B2-9A99-D0AD1BCEA041}" type="datetimeFigureOut">
               <a:rPr lang="fr-CH" smtClean="0"/>
-              <a:t>30.03.22</a:t>
+              <a:t>30.03.2022</a:t>
             </a:fld>
             <a:endParaRPr lang="fr-CH"/>
           </a:p>
@@ -5208,7 +5511,7 @@
           <a:p>
             <a:fld id="{12FD87AC-FFD7-43B2-9A99-D0AD1BCEA041}" type="datetimeFigureOut">
               <a:rPr lang="fr-CH" smtClean="0"/>
-              <a:t>30.03.22</a:t>
+              <a:t>30.03.2022</a:t>
             </a:fld>
             <a:endParaRPr lang="fr-CH"/>
           </a:p>
@@ -5451,7 +5754,7 @@
           <a:p>
             <a:fld id="{12FD87AC-FFD7-43B2-9A99-D0AD1BCEA041}" type="datetimeFigureOut">
               <a:rPr lang="fr-CH" smtClean="0"/>
-              <a:t>30.03.22</a:t>
+              <a:t>30.03.2022</a:t>
             </a:fld>
             <a:endParaRPr lang="fr-CH"/>
           </a:p>
@@ -6515,6 +6818,9 @@
   <p:clrMapOvr>
     <a:masterClrMapping/>
   </p:clrMapOvr>
+  <p:transition spd="slow">
+    <p:cover/>
+  </p:transition>
 </p:sld>
 </file>
 
@@ -6796,6 +7102,9 @@
   <p:clrMapOvr>
     <a:masterClrMapping/>
   </p:clrMapOvr>
+  <p:transition spd="slow">
+    <p:cover/>
+  </p:transition>
 </p:sld>
 </file>
 
@@ -7134,6 +7443,9 @@
   <p:clrMapOvr>
     <a:masterClrMapping/>
   </p:clrMapOvr>
+  <p:transition spd="slow">
+    <p:cover/>
+  </p:transition>
 </p:sld>
 </file>
 
@@ -7320,6 +7632,9 @@
   <p:clrMapOvr>
     <a:masterClrMapping/>
   </p:clrMapOvr>
+  <p:transition spd="slow">
+    <p:cover/>
+  </p:transition>
 </p:sld>
 </file>
 
@@ -7505,6 +7820,9 @@
   <p:clrMapOvr>
     <a:masterClrMapping/>
   </p:clrMapOvr>
+  <p:transition spd="slow">
+    <p:cover/>
+  </p:transition>
 </p:sld>
 </file>
 
@@ -8406,7 +8724,9 @@
             <a:avLst/>
           </a:prstGeom>
           <a:solidFill>
-            <a:schemeClr val="tx1"/>
+            <a:schemeClr val="bg2">
+              <a:lumMod val="10000"/>
+            </a:schemeClr>
           </a:solidFill>
         </p:spPr>
         <p:style>
@@ -8430,7 +8750,7 @@
           <a:lstStyle/>
           <a:p>
             <a:pPr algn="ctr"/>
-            <a:endParaRPr lang="fr-FR"/>
+            <a:endParaRPr lang="fr-FR" dirty="0"/>
           </a:p>
         </p:txBody>
       </p:sp>
@@ -8456,8 +8776,13 @@
             <a:ext cx="5157787" cy="1325563"/>
           </a:xfrm>
           <a:solidFill>
-            <a:schemeClr val="tx1"/>
+            <a:schemeClr val="bg2">
+              <a:lumMod val="10000"/>
+            </a:schemeClr>
           </a:solidFill>
+          <a:ln>
+            <a:noFill/>
+          </a:ln>
         </p:spPr>
         <p:style>
           <a:lnRef idx="2">
@@ -8877,6 +9202,9 @@
   <p:clrMapOvr>
     <a:masterClrMapping/>
   </p:clrMapOvr>
+  <p:transition spd="med">
+    <p:pull/>
+  </p:transition>
 </p:sld>
 </file>
 
@@ -9054,7 +9382,7 @@
         </p:nvSpPr>
         <p:spPr>
           <a:xfrm>
-            <a:off x="613594" y="3141094"/>
+            <a:off x="615995" y="2630601"/>
             <a:ext cx="2513206" cy="575812"/>
           </a:xfrm>
         </p:spPr>
@@ -9072,6 +9400,23 @@
                 <a:latin typeface="Verdana Pro" panose="020B0A04030504040204" pitchFamily="34" charset="0"/>
               </a:rPr>
               <a:t>Résultats</a:t>
+            </a:r>
+            <a:br>
+              <a:rPr lang="fr-FR" sz="3600" b="1" dirty="0">
+                <a:solidFill>
+                  <a:schemeClr val="bg1"/>
+                </a:solidFill>
+                <a:latin typeface="Verdana Pro" panose="020B0A04030504040204" pitchFamily="34" charset="0"/>
+              </a:rPr>
+            </a:br>
+            <a:r>
+              <a:rPr lang="fr-FR" sz="3600" b="1" dirty="0">
+                <a:solidFill>
+                  <a:schemeClr val="bg1"/>
+                </a:solidFill>
+                <a:latin typeface="Verdana Pro" panose="020B0A04030504040204" pitchFamily="34" charset="0"/>
+              </a:rPr>
+              <a:t>Google Speech API</a:t>
             </a:r>
           </a:p>
         </p:txBody>
@@ -9175,6 +9520,9 @@
   <p:clrMapOvr>
     <a:masterClrMapping/>
   </p:clrMapOvr>
+  <p:transition spd="slow">
+    <p:cover/>
+  </p:transition>
 </p:sld>
 </file>
 
@@ -9352,8 +9700,8 @@
         </p:nvSpPr>
         <p:spPr>
           <a:xfrm>
-            <a:off x="613594" y="3141094"/>
-            <a:ext cx="2513206" cy="575812"/>
+            <a:off x="495788" y="2853187"/>
+            <a:ext cx="2861756" cy="575812"/>
           </a:xfrm>
         </p:spPr>
         <p:txBody>
@@ -9369,7 +9717,7 @@
                 </a:solidFill>
                 <a:latin typeface="Verdana Pro" panose="020B0A04030504040204" pitchFamily="34" charset="0"/>
               </a:rPr>
-              <a:t>Points important</a:t>
+              <a:t>Points importants</a:t>
             </a:r>
           </a:p>
         </p:txBody>
@@ -9498,6 +9846,9 @@
   <p:clrMapOvr>
     <a:masterClrMapping/>
   </p:clrMapOvr>
+  <p:transition spd="slow">
+    <p:cover/>
+  </p:transition>
 </p:sld>
 </file>
 
